--- a/CEM/CEM.pptx
+++ b/CEM/CEM.pptx
@@ -15,7 +15,20 @@
     <p:sldId id="264" r:id="rId9"/>
     <p:sldId id="267" r:id="rId10"/>
     <p:sldId id="266" r:id="rId11"/>
-    <p:sldId id="269" r:id="rId12"/>
+    <p:sldId id="284" r:id="rId12"/>
+    <p:sldId id="276" r:id="rId13"/>
+    <p:sldId id="277" r:id="rId14"/>
+    <p:sldId id="278" r:id="rId15"/>
+    <p:sldId id="279" r:id="rId16"/>
+    <p:sldId id="280" r:id="rId17"/>
+    <p:sldId id="271" r:id="rId18"/>
+    <p:sldId id="272" r:id="rId19"/>
+    <p:sldId id="273" r:id="rId20"/>
+    <p:sldId id="274" r:id="rId21"/>
+    <p:sldId id="281" r:id="rId22"/>
+    <p:sldId id="282" r:id="rId23"/>
+    <p:sldId id="283" r:id="rId24"/>
+    <p:sldId id="269" r:id="rId25"/>
   </p:sldIdLst>
   <p:sldSz cx="12192000" cy="6858000"/>
   <p:notesSz cx="6858000" cy="9144000"/>
@@ -4375,7 +4388,7 @@
             <a:fld id="{1449AA12-8195-4182-A7AC-2E7E59DFBDAF}" type="datetimeFigureOut">
               <a:rPr lang="en-US" smtClean="0"/>
               <a:pPr algn="r"/>
-              <a:t>11/10/2024</a:t>
+              <a:t>11/30/2024</a:t>
             </a:fld>
             <a:endParaRPr lang="en-US"/>
           </a:p>
@@ -4591,7 +4604,7 @@
           <a:p>
             <a:fld id="{1449AA12-8195-4182-A7AC-2E7E59DFBDAF}" type="datetimeFigureOut">
               <a:rPr lang="en-US" smtClean="0"/>
-              <a:t>11/10/2024</a:t>
+              <a:t>11/30/2024</a:t>
             </a:fld>
             <a:endParaRPr lang="en-US"/>
           </a:p>
@@ -4963,7 +4976,7 @@
           <a:p>
             <a:fld id="{1449AA12-8195-4182-A7AC-2E7E59DFBDAF}" type="datetimeFigureOut">
               <a:rPr lang="en-US" smtClean="0"/>
-              <a:t>11/10/2024</a:t>
+              <a:t>11/30/2024</a:t>
             </a:fld>
             <a:endParaRPr lang="en-US"/>
           </a:p>
@@ -5325,7 +5338,7 @@
           <a:p>
             <a:fld id="{1449AA12-8195-4182-A7AC-2E7E59DFBDAF}" type="datetimeFigureOut">
               <a:rPr lang="en-US" smtClean="0"/>
-              <a:t>11/10/2024</a:t>
+              <a:t>11/30/2024</a:t>
             </a:fld>
             <a:endParaRPr lang="en-US"/>
           </a:p>
@@ -5765,7 +5778,7 @@
           <a:p>
             <a:fld id="{1449AA12-8195-4182-A7AC-2E7E59DFBDAF}" type="datetimeFigureOut">
               <a:rPr lang="en-US" smtClean="0"/>
-              <a:t>11/10/2024</a:t>
+              <a:t>11/30/2024</a:t>
             </a:fld>
             <a:endParaRPr lang="en-US"/>
           </a:p>
@@ -6205,7 +6218,7 @@
           <a:p>
             <a:fld id="{1449AA12-8195-4182-A7AC-2E7E59DFBDAF}" type="datetimeFigureOut">
               <a:rPr lang="en-US" smtClean="0"/>
-              <a:t>11/10/2024</a:t>
+              <a:t>11/30/2024</a:t>
             </a:fld>
             <a:endParaRPr lang="en-US"/>
           </a:p>
@@ -6813,7 +6826,7 @@
           <a:p>
             <a:fld id="{1449AA12-8195-4182-A7AC-2E7E59DFBDAF}" type="datetimeFigureOut">
               <a:rPr lang="en-US" smtClean="0"/>
-              <a:t>11/10/2024</a:t>
+              <a:t>11/30/2024</a:t>
             </a:fld>
             <a:endParaRPr lang="en-US"/>
           </a:p>
@@ -7118,7 +7131,7 @@
           <a:p>
             <a:fld id="{1449AA12-8195-4182-A7AC-2E7E59DFBDAF}" type="datetimeFigureOut">
               <a:rPr lang="en-US" smtClean="0"/>
-              <a:t>11/10/2024</a:t>
+              <a:t>11/30/2024</a:t>
             </a:fld>
             <a:endParaRPr lang="en-US"/>
           </a:p>
@@ -7395,7 +7408,7 @@
           <a:p>
             <a:fld id="{1449AA12-8195-4182-A7AC-2E7E59DFBDAF}" type="datetimeFigureOut">
               <a:rPr lang="en-US" smtClean="0"/>
-              <a:t>11/10/2024</a:t>
+              <a:t>11/30/2024</a:t>
             </a:fld>
             <a:endParaRPr lang="en-US"/>
           </a:p>
@@ -7872,7 +7885,7 @@
           <a:p>
             <a:fld id="{1449AA12-8195-4182-A7AC-2E7E59DFBDAF}" type="datetimeFigureOut">
               <a:rPr lang="en-US" smtClean="0"/>
-              <a:t>11/10/2024</a:t>
+              <a:t>11/30/2024</a:t>
             </a:fld>
             <a:endParaRPr lang="en-US"/>
           </a:p>
@@ -8327,7 +8340,7 @@
           <a:p>
             <a:fld id="{1449AA12-8195-4182-A7AC-2E7E59DFBDAF}" type="datetimeFigureOut">
               <a:rPr lang="en-US" smtClean="0"/>
-              <a:t>11/10/2024</a:t>
+              <a:t>11/30/2024</a:t>
             </a:fld>
             <a:endParaRPr lang="en-US"/>
           </a:p>
@@ -8733,7 +8746,7 @@
             <a:fld id="{1449AA12-8195-4182-A7AC-2E7E59DFBDAF}" type="datetimeFigureOut">
               <a:rPr lang="en-US" smtClean="0"/>
               <a:pPr/>
-              <a:t>11/10/2024</a:t>
+              <a:t>11/30/2024</a:t>
             </a:fld>
             <a:endParaRPr lang="en-US"/>
           </a:p>
@@ -10432,6 +10445,6507 @@
           <p:cNvPr id="2" name="Tytuł 1">
             <a:extLst>
               <a:ext uri="{FF2B5EF4-FFF2-40B4-BE49-F238E27FC236}">
+                <a16:creationId xmlns:a16="http://schemas.microsoft.com/office/drawing/2014/main" id="{B8168CA9-136E-F309-5AB5-645FE018BC3E}"/>
+              </a:ext>
+            </a:extLst>
+          </p:cNvPr>
+          <p:cNvSpPr>
+            <a:spLocks noGrp="1"/>
+          </p:cNvSpPr>
+          <p:nvPr>
+            <p:ph type="title"/>
+          </p:nvPr>
+        </p:nvSpPr>
+        <p:spPr>
+          <a:xfrm>
+            <a:off x="1777321" y="4309024"/>
+            <a:ext cx="9677833" cy="1134452"/>
+          </a:xfrm>
+        </p:spPr>
+        <p:txBody>
+          <a:bodyPr vert="horz" lIns="91440" tIns="45720" rIns="91440" bIns="45720" rtlCol="0" anchor="ctr">
+            <a:normAutofit/>
+          </a:bodyPr>
+          <a:lstStyle/>
+          <a:p>
+            <a:pPr algn="ctr">
+              <a:lnSpc>
+                <a:spcPct val="90000"/>
+              </a:lnSpc>
+            </a:pPr>
+            <a:r>
+              <a:rPr lang="en-US" sz="3800"/>
+              <a:t>How satisfied are you with the overall user experience of the app?</a:t>
+            </a:r>
+          </a:p>
+        </p:txBody>
+      </p:sp>
+      <p:pic>
+        <p:nvPicPr>
+          <p:cNvPr id="4" name="Picture 2" descr="Wykres odpowiedzi z Formularzy. Tytuł pytania: 1. How satisfied are you with the overall user experience of the app?. Liczba odpowiedzi: 36 odpowiedzi.">
+            <a:extLst>
+              <a:ext uri="{FF2B5EF4-FFF2-40B4-BE49-F238E27FC236}">
+                <a16:creationId xmlns:a16="http://schemas.microsoft.com/office/drawing/2014/main" id="{4A393C9A-E18B-A1E1-9E8F-11E3D21AB7D6}"/>
+              </a:ext>
+            </a:extLst>
+          </p:cNvPr>
+          <p:cNvPicPr>
+            <a:picLocks noGrp="1" noChangeAspect="1" noChangeArrowheads="1"/>
+          </p:cNvPicPr>
+          <p:nvPr>
+            <p:ph idx="1"/>
+          </p:nvPr>
+        </p:nvPicPr>
+        <p:blipFill>
+          <a:blip r:embed="rId2">
+            <a:extLst>
+              <a:ext uri="{28A0092B-C50C-407E-A947-70E740481C1C}">
+                <a14:useLocalDpi xmlns:a14="http://schemas.microsoft.com/office/drawing/2010/main" val="0"/>
+              </a:ext>
+            </a:extLst>
+          </a:blip>
+          <a:stretch>
+            <a:fillRect/>
+          </a:stretch>
+        </p:blipFill>
+        <p:spPr bwMode="auto">
+          <a:xfrm>
+            <a:off x="3206788" y="627797"/>
+            <a:ext cx="6818902" cy="3238979"/>
+          </a:xfrm>
+          <a:prstGeom prst="rect">
+            <a:avLst/>
+          </a:prstGeom>
+          <a:noFill/>
+          <a:extLst>
+            <a:ext uri="{909E8E84-426E-40DD-AFC4-6F175D3DCCD1}">
+              <a14:hiddenFill xmlns:a14="http://schemas.microsoft.com/office/drawing/2010/main">
+                <a:solidFill>
+                  <a:srgbClr val="FFFFFF"/>
+                </a:solidFill>
+              </a14:hiddenFill>
+            </a:ext>
+          </a:extLst>
+        </p:spPr>
+      </p:pic>
+    </p:spTree>
+    <p:extLst>
+      <p:ext uri="{BB962C8B-B14F-4D97-AF65-F5344CB8AC3E}">
+        <p14:creationId xmlns:p14="http://schemas.microsoft.com/office/powerpoint/2010/main" val="324395463"/>
+      </p:ext>
+    </p:extLst>
+  </p:cSld>
+  <p:clrMapOvr>
+    <a:masterClrMapping/>
+  </p:clrMapOvr>
+</p:sld>
+</file>
+
+<file path=ppt/slides/slide12.xml><?xml version="1.0" encoding="utf-8"?>
+<p:sld xmlns:a="http://schemas.openxmlformats.org/drawingml/2006/main" xmlns:r="http://schemas.openxmlformats.org/officeDocument/2006/relationships" xmlns:p="http://schemas.openxmlformats.org/presentationml/2006/main">
+  <p:cSld>
+    <p:bg>
+      <p:bgPr>
+        <a:solidFill>
+          <a:schemeClr val="bg1"/>
+        </a:solidFill>
+        <a:effectLst/>
+      </p:bgPr>
+    </p:bg>
+    <p:spTree>
+      <p:nvGrpSpPr>
+        <p:cNvPr id="1" name=""/>
+        <p:cNvGrpSpPr/>
+        <p:nvPr/>
+      </p:nvGrpSpPr>
+      <p:grpSpPr>
+        <a:xfrm>
+          <a:off x="0" y="0"/>
+          <a:ext cx="0" cy="0"/>
+          <a:chOff x="0" y="0"/>
+          <a:chExt cx="0" cy="0"/>
+        </a:xfrm>
+      </p:grpSpPr>
+      <p:sp>
+        <p:nvSpPr>
+          <p:cNvPr id="4103" name="Rectangle 4102">
+            <a:extLst>
+              <a:ext uri="{FF2B5EF4-FFF2-40B4-BE49-F238E27FC236}">
+                <a16:creationId xmlns:a16="http://schemas.microsoft.com/office/drawing/2014/main" id="{2D03A0B2-4A2F-D846-A5E6-FB7CB9A031F7}"/>
+              </a:ext>
+              <a:ext uri="{C183D7F6-B498-43B3-948B-1728B52AA6E4}">
+                <adec:decorative xmlns:adec="http://schemas.microsoft.com/office/drawing/2017/decorative" val="1"/>
+              </a:ext>
+            </a:extLst>
+          </p:cNvPr>
+          <p:cNvSpPr>
+            <a:spLocks noGrp="1" noRot="1" noChangeAspect="1" noMove="1" noResize="1" noEditPoints="1" noAdjustHandles="1" noChangeArrowheads="1" noChangeShapeType="1" noTextEdit="1"/>
+          </p:cNvSpPr>
+          <p:nvPr>
+            <p:extLst>
+              <p:ext uri="{386F3935-93C4-4BCD-93E2-E3B085C9AB24}">
+                <p16:designElem xmlns:p16="http://schemas.microsoft.com/office/powerpoint/2015/main" val="1"/>
+              </p:ext>
+            </p:extLst>
+          </p:nvPr>
+        </p:nvSpPr>
+        <p:spPr>
+          <a:xfrm>
+            <a:off x="1" y="1375492"/>
+            <a:ext cx="2770698" cy="5482505"/>
+          </a:xfrm>
+          <a:prstGeom prst="rect">
+            <a:avLst/>
+          </a:prstGeom>
+          <a:gradFill flip="none" rotWithShape="1">
+            <a:gsLst>
+              <a:gs pos="0">
+                <a:schemeClr val="accent1">
+                  <a:alpha val="50000"/>
+                </a:schemeClr>
+              </a:gs>
+              <a:gs pos="81000">
+                <a:schemeClr val="accent4">
+                  <a:alpha val="50000"/>
+                </a:schemeClr>
+              </a:gs>
+              <a:gs pos="25000">
+                <a:schemeClr val="accent2">
+                  <a:alpha val="60000"/>
+                </a:schemeClr>
+              </a:gs>
+              <a:gs pos="50000">
+                <a:schemeClr val="accent3">
+                  <a:alpha val="55000"/>
+                </a:schemeClr>
+              </a:gs>
+              <a:gs pos="99000">
+                <a:schemeClr val="accent5">
+                  <a:alpha val="50000"/>
+                </a:schemeClr>
+              </a:gs>
+            </a:gsLst>
+            <a:path path="circle">
+              <a:fillToRect r="100000" b="100000"/>
+            </a:path>
+            <a:tileRect l="-100000" t="-100000"/>
+          </a:gradFill>
+          <a:ln>
+            <a:noFill/>
+          </a:ln>
+        </p:spPr>
+        <p:style>
+          <a:lnRef idx="2">
+            <a:schemeClr val="accent1">
+              <a:shade val="50000"/>
+            </a:schemeClr>
+          </a:lnRef>
+          <a:fillRef idx="1">
+            <a:schemeClr val="accent1"/>
+          </a:fillRef>
+          <a:effectRef idx="0">
+            <a:schemeClr val="accent1"/>
+          </a:effectRef>
+          <a:fontRef idx="minor">
+            <a:schemeClr val="lt1"/>
+          </a:fontRef>
+        </p:style>
+        <p:txBody>
+          <a:bodyPr rtlCol="0" anchor="ctr"/>
+          <a:lstStyle/>
+          <a:p>
+            <a:pPr lvl="0" algn="ctr"/>
+            <a:endParaRPr lang="en-US"/>
+          </a:p>
+        </p:txBody>
+      </p:sp>
+      <p:sp>
+        <p:nvSpPr>
+          <p:cNvPr id="4105" name="Rectangle 4104">
+            <a:extLst>
+              <a:ext uri="{FF2B5EF4-FFF2-40B4-BE49-F238E27FC236}">
+                <a16:creationId xmlns:a16="http://schemas.microsoft.com/office/drawing/2014/main" id="{7F573F1D-73A7-FB41-BCAD-FC9AA7DEF4F5}"/>
+              </a:ext>
+              <a:ext uri="{C183D7F6-B498-43B3-948B-1728B52AA6E4}">
+                <adec:decorative xmlns:adec="http://schemas.microsoft.com/office/drawing/2017/decorative" val="1"/>
+              </a:ext>
+            </a:extLst>
+          </p:cNvPr>
+          <p:cNvSpPr>
+            <a:spLocks noGrp="1" noRot="1" noChangeAspect="1" noMove="1" noResize="1" noEditPoints="1" noAdjustHandles="1" noChangeArrowheads="1" noChangeShapeType="1" noTextEdit="1"/>
+          </p:cNvSpPr>
+          <p:nvPr>
+            <p:extLst>
+              <p:ext uri="{386F3935-93C4-4BCD-93E2-E3B085C9AB24}">
+                <p16:designElem xmlns:p16="http://schemas.microsoft.com/office/powerpoint/2015/main" val="1"/>
+              </p:ext>
+            </p:extLst>
+          </p:nvPr>
+        </p:nvSpPr>
+        <p:spPr>
+          <a:xfrm>
+            <a:off x="0" y="-3"/>
+            <a:ext cx="1373567" cy="6857999"/>
+          </a:xfrm>
+          <a:prstGeom prst="rect">
+            <a:avLst/>
+          </a:prstGeom>
+          <a:gradFill flip="none" rotWithShape="1">
+            <a:gsLst>
+              <a:gs pos="0">
+                <a:schemeClr val="accent1">
+                  <a:alpha val="50000"/>
+                </a:schemeClr>
+              </a:gs>
+              <a:gs pos="81000">
+                <a:schemeClr val="accent4">
+                  <a:alpha val="50000"/>
+                </a:schemeClr>
+              </a:gs>
+              <a:gs pos="25000">
+                <a:schemeClr val="accent2">
+                  <a:alpha val="60000"/>
+                </a:schemeClr>
+              </a:gs>
+              <a:gs pos="50000">
+                <a:schemeClr val="accent3">
+                  <a:alpha val="55000"/>
+                </a:schemeClr>
+              </a:gs>
+              <a:gs pos="99000">
+                <a:schemeClr val="accent5">
+                  <a:alpha val="50000"/>
+                </a:schemeClr>
+              </a:gs>
+            </a:gsLst>
+            <a:path path="circle">
+              <a:fillToRect r="100000" b="100000"/>
+            </a:path>
+            <a:tileRect l="-100000" t="-100000"/>
+          </a:gradFill>
+          <a:ln>
+            <a:noFill/>
+          </a:ln>
+        </p:spPr>
+        <p:style>
+          <a:lnRef idx="2">
+            <a:schemeClr val="accent1">
+              <a:shade val="50000"/>
+            </a:schemeClr>
+          </a:lnRef>
+          <a:fillRef idx="1">
+            <a:schemeClr val="accent1"/>
+          </a:fillRef>
+          <a:effectRef idx="0">
+            <a:schemeClr val="accent1"/>
+          </a:effectRef>
+          <a:fontRef idx="minor">
+            <a:schemeClr val="lt1"/>
+          </a:fontRef>
+        </p:style>
+        <p:txBody>
+          <a:bodyPr rtlCol="0" anchor="ctr"/>
+          <a:lstStyle/>
+          <a:p>
+            <a:pPr lvl="0" algn="ctr"/>
+            <a:endParaRPr lang="en-US"/>
+          </a:p>
+        </p:txBody>
+      </p:sp>
+      <p:sp useBgFill="1">
+        <p:nvSpPr>
+          <p:cNvPr id="4107" name="Rectangle 4106">
+            <a:extLst>
+              <a:ext uri="{FF2B5EF4-FFF2-40B4-BE49-F238E27FC236}">
+                <a16:creationId xmlns:a16="http://schemas.microsoft.com/office/drawing/2014/main" id="{A88F843D-1C1B-C740-AC27-E3238D0F5F47}"/>
+              </a:ext>
+              <a:ext uri="{C183D7F6-B498-43B3-948B-1728B52AA6E4}">
+                <adec:decorative xmlns:adec="http://schemas.microsoft.com/office/drawing/2017/decorative" val="1"/>
+              </a:ext>
+            </a:extLst>
+          </p:cNvPr>
+          <p:cNvSpPr>
+            <a:spLocks noGrp="1" noRot="1" noChangeAspect="1" noMove="1" noResize="1" noEditPoints="1" noAdjustHandles="1" noChangeArrowheads="1" noChangeShapeType="1" noTextEdit="1"/>
+          </p:cNvSpPr>
+          <p:nvPr>
+            <p:extLst>
+              <p:ext uri="{386F3935-93C4-4BCD-93E2-E3B085C9AB24}">
+                <p16:designElem xmlns:p16="http://schemas.microsoft.com/office/powerpoint/2015/main" val="1"/>
+              </p:ext>
+            </p:extLst>
+          </p:nvPr>
+        </p:nvSpPr>
+        <p:spPr>
+          <a:xfrm>
+            <a:off x="0" y="0"/>
+            <a:ext cx="12188952" cy="6858000"/>
+          </a:xfrm>
+          <a:prstGeom prst="rect">
+            <a:avLst/>
+          </a:prstGeom>
+          <a:ln>
+            <a:noFill/>
+          </a:ln>
+        </p:spPr>
+        <p:style>
+          <a:lnRef idx="2">
+            <a:schemeClr val="accent1">
+              <a:shade val="50000"/>
+            </a:schemeClr>
+          </a:lnRef>
+          <a:fillRef idx="1">
+            <a:schemeClr val="accent1"/>
+          </a:fillRef>
+          <a:effectRef idx="0">
+            <a:schemeClr val="accent1"/>
+          </a:effectRef>
+          <a:fontRef idx="minor">
+            <a:schemeClr val="lt1"/>
+          </a:fontRef>
+        </p:style>
+        <p:txBody>
+          <a:bodyPr rtlCol="0" anchor="ctr"/>
+          <a:lstStyle/>
+          <a:p>
+            <a:pPr algn="ctr"/>
+            <a:endParaRPr lang="en-US"/>
+          </a:p>
+        </p:txBody>
+      </p:sp>
+      <p:sp>
+        <p:nvSpPr>
+          <p:cNvPr id="4109" name="Rectangle 4108">
+            <a:extLst>
+              <a:ext uri="{FF2B5EF4-FFF2-40B4-BE49-F238E27FC236}">
+                <a16:creationId xmlns:a16="http://schemas.microsoft.com/office/drawing/2014/main" id="{D5B0F748-7FA7-4DDF-89A3-7F1D8EE1F7C0}"/>
+              </a:ext>
+              <a:ext uri="{C183D7F6-B498-43B3-948B-1728B52AA6E4}">
+                <adec:decorative xmlns:adec="http://schemas.microsoft.com/office/drawing/2017/decorative" val="1"/>
+              </a:ext>
+            </a:extLst>
+          </p:cNvPr>
+          <p:cNvSpPr>
+            <a:spLocks noGrp="1" noRot="1" noChangeAspect="1" noMove="1" noResize="1" noEditPoints="1" noAdjustHandles="1" noChangeArrowheads="1" noChangeShapeType="1" noTextEdit="1"/>
+          </p:cNvSpPr>
+          <p:nvPr>
+            <p:extLst>
+              <p:ext uri="{386F3935-93C4-4BCD-93E2-E3B085C9AB24}">
+                <p16:designElem xmlns:p16="http://schemas.microsoft.com/office/powerpoint/2015/main" val="1"/>
+              </p:ext>
+            </p:extLst>
+          </p:nvPr>
+        </p:nvSpPr>
+        <p:spPr>
+          <a:xfrm>
+            <a:off x="0" y="565153"/>
+            <a:ext cx="1133856" cy="6292847"/>
+          </a:xfrm>
+          <a:prstGeom prst="rect">
+            <a:avLst/>
+          </a:prstGeom>
+          <a:gradFill flip="none" rotWithShape="1">
+            <a:gsLst>
+              <a:gs pos="0">
+                <a:schemeClr val="accent1">
+                  <a:alpha val="50000"/>
+                </a:schemeClr>
+              </a:gs>
+              <a:gs pos="81000">
+                <a:schemeClr val="accent4">
+                  <a:alpha val="50000"/>
+                </a:schemeClr>
+              </a:gs>
+              <a:gs pos="25000">
+                <a:schemeClr val="accent2">
+                  <a:alpha val="60000"/>
+                </a:schemeClr>
+              </a:gs>
+              <a:gs pos="50000">
+                <a:schemeClr val="accent3">
+                  <a:alpha val="55000"/>
+                </a:schemeClr>
+              </a:gs>
+              <a:gs pos="99000">
+                <a:schemeClr val="accent5">
+                  <a:alpha val="50000"/>
+                </a:schemeClr>
+              </a:gs>
+            </a:gsLst>
+            <a:path path="circle">
+              <a:fillToRect r="100000" b="100000"/>
+            </a:path>
+            <a:tileRect l="-100000" t="-100000"/>
+          </a:gradFill>
+          <a:ln>
+            <a:noFill/>
+          </a:ln>
+        </p:spPr>
+        <p:style>
+          <a:lnRef idx="2">
+            <a:schemeClr val="accent1">
+              <a:shade val="50000"/>
+            </a:schemeClr>
+          </a:lnRef>
+          <a:fillRef idx="1">
+            <a:schemeClr val="accent1"/>
+          </a:fillRef>
+          <a:effectRef idx="0">
+            <a:schemeClr val="accent1"/>
+          </a:effectRef>
+          <a:fontRef idx="minor">
+            <a:schemeClr val="lt1"/>
+          </a:fontRef>
+        </p:style>
+        <p:txBody>
+          <a:bodyPr rtlCol="0" anchor="ctr"/>
+          <a:lstStyle/>
+          <a:p>
+            <a:pPr algn="ctr"/>
+            <a:endParaRPr lang="en-US"/>
+          </a:p>
+        </p:txBody>
+      </p:sp>
+      <p:sp>
+        <p:nvSpPr>
+          <p:cNvPr id="4111" name="Rectangle 4110">
+            <a:extLst>
+              <a:ext uri="{FF2B5EF4-FFF2-40B4-BE49-F238E27FC236}">
+                <a16:creationId xmlns:a16="http://schemas.microsoft.com/office/drawing/2014/main" id="{1903E872-C07A-4030-B584-D321D40CABB6}"/>
+              </a:ext>
+              <a:ext uri="{C183D7F6-B498-43B3-948B-1728B52AA6E4}">
+                <adec:decorative xmlns:adec="http://schemas.microsoft.com/office/drawing/2017/decorative" val="1"/>
+              </a:ext>
+            </a:extLst>
+          </p:cNvPr>
+          <p:cNvSpPr>
+            <a:spLocks noGrp="1" noRot="1" noChangeAspect="1" noMove="1" noResize="1" noEditPoints="1" noAdjustHandles="1" noChangeArrowheads="1" noChangeShapeType="1" noTextEdit="1"/>
+          </p:cNvSpPr>
+          <p:nvPr>
+            <p:extLst>
+              <p:ext uri="{386F3935-93C4-4BCD-93E2-E3B085C9AB24}">
+                <p16:designElem xmlns:p16="http://schemas.microsoft.com/office/powerpoint/2015/main" val="1"/>
+              </p:ext>
+            </p:extLst>
+          </p:nvPr>
+        </p:nvSpPr>
+        <p:spPr>
+          <a:xfrm>
+            <a:off x="0" y="1"/>
+            <a:ext cx="565150" cy="6857999"/>
+          </a:xfrm>
+          <a:prstGeom prst="rect">
+            <a:avLst/>
+          </a:prstGeom>
+          <a:gradFill flip="none" rotWithShape="1">
+            <a:gsLst>
+              <a:gs pos="0">
+                <a:schemeClr val="accent1">
+                  <a:alpha val="50000"/>
+                </a:schemeClr>
+              </a:gs>
+              <a:gs pos="81000">
+                <a:schemeClr val="accent4">
+                  <a:alpha val="50000"/>
+                </a:schemeClr>
+              </a:gs>
+              <a:gs pos="25000">
+                <a:schemeClr val="accent2">
+                  <a:alpha val="60000"/>
+                </a:schemeClr>
+              </a:gs>
+              <a:gs pos="49000">
+                <a:schemeClr val="accent3">
+                  <a:alpha val="55000"/>
+                </a:schemeClr>
+              </a:gs>
+              <a:gs pos="99000">
+                <a:schemeClr val="accent5">
+                  <a:alpha val="50000"/>
+                </a:schemeClr>
+              </a:gs>
+            </a:gsLst>
+            <a:path path="circle">
+              <a:fillToRect r="100000" b="100000"/>
+            </a:path>
+            <a:tileRect l="-100000" t="-100000"/>
+          </a:gradFill>
+          <a:ln>
+            <a:noFill/>
+          </a:ln>
+        </p:spPr>
+        <p:style>
+          <a:lnRef idx="2">
+            <a:schemeClr val="accent1">
+              <a:shade val="50000"/>
+            </a:schemeClr>
+          </a:lnRef>
+          <a:fillRef idx="1">
+            <a:schemeClr val="accent1"/>
+          </a:fillRef>
+          <a:effectRef idx="0">
+            <a:schemeClr val="accent1"/>
+          </a:effectRef>
+          <a:fontRef idx="minor">
+            <a:schemeClr val="lt1"/>
+          </a:fontRef>
+        </p:style>
+        <p:txBody>
+          <a:bodyPr rtlCol="0" anchor="ctr"/>
+          <a:lstStyle/>
+          <a:p>
+            <a:pPr algn="ctr"/>
+            <a:endParaRPr lang="en-US"/>
+          </a:p>
+        </p:txBody>
+      </p:sp>
+      <p:sp>
+        <p:nvSpPr>
+          <p:cNvPr id="2" name="Tytuł 1">
+            <a:extLst>
+              <a:ext uri="{FF2B5EF4-FFF2-40B4-BE49-F238E27FC236}">
+                <a16:creationId xmlns:a16="http://schemas.microsoft.com/office/drawing/2014/main" id="{4EA68CEE-9AAA-B3A6-A28E-A43D75F86818}"/>
+              </a:ext>
+            </a:extLst>
+          </p:cNvPr>
+          <p:cNvSpPr>
+            <a:spLocks noGrp="1"/>
+          </p:cNvSpPr>
+          <p:nvPr>
+            <p:ph type="title"/>
+          </p:nvPr>
+        </p:nvSpPr>
+        <p:spPr>
+          <a:xfrm>
+            <a:off x="1777321" y="4309024"/>
+            <a:ext cx="9677833" cy="1134452"/>
+          </a:xfrm>
+        </p:spPr>
+        <p:txBody>
+          <a:bodyPr vert="horz" lIns="91440" tIns="45720" rIns="91440" bIns="45720" rtlCol="0" anchor="ctr">
+            <a:normAutofit/>
+          </a:bodyPr>
+          <a:lstStyle/>
+          <a:p>
+            <a:pPr algn="ctr">
+              <a:lnSpc>
+                <a:spcPct val="90000"/>
+              </a:lnSpc>
+            </a:pPr>
+            <a:r>
+              <a:rPr lang="en-US" sz="3300"/>
+              <a:t>How easy is it to navigate through the app and find the features you’re looking for?</a:t>
+            </a:r>
+          </a:p>
+        </p:txBody>
+      </p:sp>
+      <p:pic>
+        <p:nvPicPr>
+          <p:cNvPr id="4098" name="Picture 2" descr="Wykres odpowiedzi z Formularzy. Tytuł pytania: 2. How easy is it to navigate through the app and find the features you’re looking for?. Liczba odpowiedzi: 36 odpowiedzi.">
+            <a:extLst>
+              <a:ext uri="{FF2B5EF4-FFF2-40B4-BE49-F238E27FC236}">
+                <a16:creationId xmlns:a16="http://schemas.microsoft.com/office/drawing/2014/main" id="{A4D82B6B-CB5B-3FB7-72EB-1F55E22B61AE}"/>
+              </a:ext>
+            </a:extLst>
+          </p:cNvPr>
+          <p:cNvPicPr>
+            <a:picLocks noGrp="1" noChangeAspect="1" noChangeArrowheads="1"/>
+          </p:cNvPicPr>
+          <p:nvPr>
+            <p:ph idx="1"/>
+          </p:nvPr>
+        </p:nvPicPr>
+        <p:blipFill>
+          <a:blip r:embed="rId2">
+            <a:extLst>
+              <a:ext uri="{28A0092B-C50C-407E-A947-70E740481C1C}">
+                <a14:useLocalDpi xmlns:a14="http://schemas.microsoft.com/office/drawing/2010/main" val="0"/>
+              </a:ext>
+            </a:extLst>
+          </a:blip>
+          <a:stretch>
+            <a:fillRect/>
+          </a:stretch>
+        </p:blipFill>
+        <p:spPr bwMode="auto">
+          <a:xfrm>
+            <a:off x="3206788" y="627797"/>
+            <a:ext cx="6818902" cy="3238979"/>
+          </a:xfrm>
+          <a:prstGeom prst="rect">
+            <a:avLst/>
+          </a:prstGeom>
+          <a:noFill/>
+          <a:extLst>
+            <a:ext uri="{909E8E84-426E-40DD-AFC4-6F175D3DCCD1}">
+              <a14:hiddenFill xmlns:a14="http://schemas.microsoft.com/office/drawing/2010/main">
+                <a:solidFill>
+                  <a:srgbClr val="FFFFFF"/>
+                </a:solidFill>
+              </a14:hiddenFill>
+            </a:ext>
+          </a:extLst>
+        </p:spPr>
+      </p:pic>
+    </p:spTree>
+    <p:extLst>
+      <p:ext uri="{BB962C8B-B14F-4D97-AF65-F5344CB8AC3E}">
+        <p14:creationId xmlns:p14="http://schemas.microsoft.com/office/powerpoint/2010/main" val="1059747201"/>
+      </p:ext>
+    </p:extLst>
+  </p:cSld>
+  <p:clrMapOvr>
+    <a:masterClrMapping/>
+  </p:clrMapOvr>
+</p:sld>
+</file>
+
+<file path=ppt/slides/slide13.xml><?xml version="1.0" encoding="utf-8"?>
+<p:sld xmlns:a="http://schemas.openxmlformats.org/drawingml/2006/main" xmlns:r="http://schemas.openxmlformats.org/officeDocument/2006/relationships" xmlns:p="http://schemas.openxmlformats.org/presentationml/2006/main">
+  <p:cSld>
+    <p:bg>
+      <p:bgPr>
+        <a:solidFill>
+          <a:schemeClr val="bg1"/>
+        </a:solidFill>
+        <a:effectLst/>
+      </p:bgPr>
+    </p:bg>
+    <p:spTree>
+      <p:nvGrpSpPr>
+        <p:cNvPr id="1" name=""/>
+        <p:cNvGrpSpPr/>
+        <p:nvPr/>
+      </p:nvGrpSpPr>
+      <p:grpSpPr>
+        <a:xfrm>
+          <a:off x="0" y="0"/>
+          <a:ext cx="0" cy="0"/>
+          <a:chOff x="0" y="0"/>
+          <a:chExt cx="0" cy="0"/>
+        </a:xfrm>
+      </p:grpSpPr>
+      <p:sp>
+        <p:nvSpPr>
+          <p:cNvPr id="5129" name="Rectangle 5128">
+            <a:extLst>
+              <a:ext uri="{FF2B5EF4-FFF2-40B4-BE49-F238E27FC236}">
+                <a16:creationId xmlns:a16="http://schemas.microsoft.com/office/drawing/2014/main" id="{2D03A0B2-4A2F-D846-A5E6-FB7CB9A031F7}"/>
+              </a:ext>
+              <a:ext uri="{C183D7F6-B498-43B3-948B-1728B52AA6E4}">
+                <adec:decorative xmlns:adec="http://schemas.microsoft.com/office/drawing/2017/decorative" val="1"/>
+              </a:ext>
+            </a:extLst>
+          </p:cNvPr>
+          <p:cNvSpPr>
+            <a:spLocks noGrp="1" noRot="1" noChangeAspect="1" noMove="1" noResize="1" noEditPoints="1" noAdjustHandles="1" noChangeArrowheads="1" noChangeShapeType="1" noTextEdit="1"/>
+          </p:cNvSpPr>
+          <p:nvPr>
+            <p:extLst>
+              <p:ext uri="{386F3935-93C4-4BCD-93E2-E3B085C9AB24}">
+                <p16:designElem xmlns:p16="http://schemas.microsoft.com/office/powerpoint/2015/main" val="1"/>
+              </p:ext>
+            </p:extLst>
+          </p:nvPr>
+        </p:nvSpPr>
+        <p:spPr>
+          <a:xfrm>
+            <a:off x="1" y="1375492"/>
+            <a:ext cx="2770698" cy="5482505"/>
+          </a:xfrm>
+          <a:prstGeom prst="rect">
+            <a:avLst/>
+          </a:prstGeom>
+          <a:gradFill flip="none" rotWithShape="1">
+            <a:gsLst>
+              <a:gs pos="0">
+                <a:schemeClr val="accent1">
+                  <a:alpha val="50000"/>
+                </a:schemeClr>
+              </a:gs>
+              <a:gs pos="81000">
+                <a:schemeClr val="accent4">
+                  <a:alpha val="50000"/>
+                </a:schemeClr>
+              </a:gs>
+              <a:gs pos="25000">
+                <a:schemeClr val="accent2">
+                  <a:alpha val="60000"/>
+                </a:schemeClr>
+              </a:gs>
+              <a:gs pos="50000">
+                <a:schemeClr val="accent3">
+                  <a:alpha val="55000"/>
+                </a:schemeClr>
+              </a:gs>
+              <a:gs pos="99000">
+                <a:schemeClr val="accent5">
+                  <a:alpha val="50000"/>
+                </a:schemeClr>
+              </a:gs>
+            </a:gsLst>
+            <a:path path="circle">
+              <a:fillToRect r="100000" b="100000"/>
+            </a:path>
+            <a:tileRect l="-100000" t="-100000"/>
+          </a:gradFill>
+          <a:ln>
+            <a:noFill/>
+          </a:ln>
+        </p:spPr>
+        <p:style>
+          <a:lnRef idx="2">
+            <a:schemeClr val="accent1">
+              <a:shade val="50000"/>
+            </a:schemeClr>
+          </a:lnRef>
+          <a:fillRef idx="1">
+            <a:schemeClr val="accent1"/>
+          </a:fillRef>
+          <a:effectRef idx="0">
+            <a:schemeClr val="accent1"/>
+          </a:effectRef>
+          <a:fontRef idx="minor">
+            <a:schemeClr val="lt1"/>
+          </a:fontRef>
+        </p:style>
+        <p:txBody>
+          <a:bodyPr rtlCol="0" anchor="ctr"/>
+          <a:lstStyle/>
+          <a:p>
+            <a:pPr lvl="0" algn="ctr"/>
+            <a:endParaRPr lang="en-US"/>
+          </a:p>
+        </p:txBody>
+      </p:sp>
+      <p:sp>
+        <p:nvSpPr>
+          <p:cNvPr id="5131" name="Rectangle 5130">
+            <a:extLst>
+              <a:ext uri="{FF2B5EF4-FFF2-40B4-BE49-F238E27FC236}">
+                <a16:creationId xmlns:a16="http://schemas.microsoft.com/office/drawing/2014/main" id="{7F573F1D-73A7-FB41-BCAD-FC9AA7DEF4F5}"/>
+              </a:ext>
+              <a:ext uri="{C183D7F6-B498-43B3-948B-1728B52AA6E4}">
+                <adec:decorative xmlns:adec="http://schemas.microsoft.com/office/drawing/2017/decorative" val="1"/>
+              </a:ext>
+            </a:extLst>
+          </p:cNvPr>
+          <p:cNvSpPr>
+            <a:spLocks noGrp="1" noRot="1" noChangeAspect="1" noMove="1" noResize="1" noEditPoints="1" noAdjustHandles="1" noChangeArrowheads="1" noChangeShapeType="1" noTextEdit="1"/>
+          </p:cNvSpPr>
+          <p:nvPr>
+            <p:extLst>
+              <p:ext uri="{386F3935-93C4-4BCD-93E2-E3B085C9AB24}">
+                <p16:designElem xmlns:p16="http://schemas.microsoft.com/office/powerpoint/2015/main" val="1"/>
+              </p:ext>
+            </p:extLst>
+          </p:nvPr>
+        </p:nvSpPr>
+        <p:spPr>
+          <a:xfrm>
+            <a:off x="0" y="-3"/>
+            <a:ext cx="1373567" cy="6857999"/>
+          </a:xfrm>
+          <a:prstGeom prst="rect">
+            <a:avLst/>
+          </a:prstGeom>
+          <a:gradFill flip="none" rotWithShape="1">
+            <a:gsLst>
+              <a:gs pos="0">
+                <a:schemeClr val="accent1">
+                  <a:alpha val="50000"/>
+                </a:schemeClr>
+              </a:gs>
+              <a:gs pos="81000">
+                <a:schemeClr val="accent4">
+                  <a:alpha val="50000"/>
+                </a:schemeClr>
+              </a:gs>
+              <a:gs pos="25000">
+                <a:schemeClr val="accent2">
+                  <a:alpha val="60000"/>
+                </a:schemeClr>
+              </a:gs>
+              <a:gs pos="50000">
+                <a:schemeClr val="accent3">
+                  <a:alpha val="55000"/>
+                </a:schemeClr>
+              </a:gs>
+              <a:gs pos="99000">
+                <a:schemeClr val="accent5">
+                  <a:alpha val="50000"/>
+                </a:schemeClr>
+              </a:gs>
+            </a:gsLst>
+            <a:path path="circle">
+              <a:fillToRect r="100000" b="100000"/>
+            </a:path>
+            <a:tileRect l="-100000" t="-100000"/>
+          </a:gradFill>
+          <a:ln>
+            <a:noFill/>
+          </a:ln>
+        </p:spPr>
+        <p:style>
+          <a:lnRef idx="2">
+            <a:schemeClr val="accent1">
+              <a:shade val="50000"/>
+            </a:schemeClr>
+          </a:lnRef>
+          <a:fillRef idx="1">
+            <a:schemeClr val="accent1"/>
+          </a:fillRef>
+          <a:effectRef idx="0">
+            <a:schemeClr val="accent1"/>
+          </a:effectRef>
+          <a:fontRef idx="minor">
+            <a:schemeClr val="lt1"/>
+          </a:fontRef>
+        </p:style>
+        <p:txBody>
+          <a:bodyPr rtlCol="0" anchor="ctr"/>
+          <a:lstStyle/>
+          <a:p>
+            <a:pPr lvl="0" algn="ctr"/>
+            <a:endParaRPr lang="en-US"/>
+          </a:p>
+        </p:txBody>
+      </p:sp>
+      <p:sp useBgFill="1">
+        <p:nvSpPr>
+          <p:cNvPr id="5133" name="Rectangle 5132">
+            <a:extLst>
+              <a:ext uri="{FF2B5EF4-FFF2-40B4-BE49-F238E27FC236}">
+                <a16:creationId xmlns:a16="http://schemas.microsoft.com/office/drawing/2014/main" id="{A88F843D-1C1B-C740-AC27-E3238D0F5F47}"/>
+              </a:ext>
+              <a:ext uri="{C183D7F6-B498-43B3-948B-1728B52AA6E4}">
+                <adec:decorative xmlns:adec="http://schemas.microsoft.com/office/drawing/2017/decorative" val="1"/>
+              </a:ext>
+            </a:extLst>
+          </p:cNvPr>
+          <p:cNvSpPr>
+            <a:spLocks noGrp="1" noRot="1" noChangeAspect="1" noMove="1" noResize="1" noEditPoints="1" noAdjustHandles="1" noChangeArrowheads="1" noChangeShapeType="1" noTextEdit="1"/>
+          </p:cNvSpPr>
+          <p:nvPr>
+            <p:extLst>
+              <p:ext uri="{386F3935-93C4-4BCD-93E2-E3B085C9AB24}">
+                <p16:designElem xmlns:p16="http://schemas.microsoft.com/office/powerpoint/2015/main" val="1"/>
+              </p:ext>
+            </p:extLst>
+          </p:nvPr>
+        </p:nvSpPr>
+        <p:spPr>
+          <a:xfrm>
+            <a:off x="0" y="0"/>
+            <a:ext cx="12188952" cy="6858000"/>
+          </a:xfrm>
+          <a:prstGeom prst="rect">
+            <a:avLst/>
+          </a:prstGeom>
+          <a:ln>
+            <a:noFill/>
+          </a:ln>
+        </p:spPr>
+        <p:style>
+          <a:lnRef idx="2">
+            <a:schemeClr val="accent1">
+              <a:shade val="50000"/>
+            </a:schemeClr>
+          </a:lnRef>
+          <a:fillRef idx="1">
+            <a:schemeClr val="accent1"/>
+          </a:fillRef>
+          <a:effectRef idx="0">
+            <a:schemeClr val="accent1"/>
+          </a:effectRef>
+          <a:fontRef idx="minor">
+            <a:schemeClr val="lt1"/>
+          </a:fontRef>
+        </p:style>
+        <p:txBody>
+          <a:bodyPr rtlCol="0" anchor="ctr"/>
+          <a:lstStyle/>
+          <a:p>
+            <a:pPr algn="ctr"/>
+            <a:endParaRPr lang="en-US"/>
+          </a:p>
+        </p:txBody>
+      </p:sp>
+      <p:sp>
+        <p:nvSpPr>
+          <p:cNvPr id="5135" name="Rectangle 5134">
+            <a:extLst>
+              <a:ext uri="{FF2B5EF4-FFF2-40B4-BE49-F238E27FC236}">
+                <a16:creationId xmlns:a16="http://schemas.microsoft.com/office/drawing/2014/main" id="{D5B0F748-7FA7-4DDF-89A3-7F1D8EE1F7C0}"/>
+              </a:ext>
+              <a:ext uri="{C183D7F6-B498-43B3-948B-1728B52AA6E4}">
+                <adec:decorative xmlns:adec="http://schemas.microsoft.com/office/drawing/2017/decorative" val="1"/>
+              </a:ext>
+            </a:extLst>
+          </p:cNvPr>
+          <p:cNvSpPr>
+            <a:spLocks noGrp="1" noRot="1" noChangeAspect="1" noMove="1" noResize="1" noEditPoints="1" noAdjustHandles="1" noChangeArrowheads="1" noChangeShapeType="1" noTextEdit="1"/>
+          </p:cNvSpPr>
+          <p:nvPr>
+            <p:extLst>
+              <p:ext uri="{386F3935-93C4-4BCD-93E2-E3B085C9AB24}">
+                <p16:designElem xmlns:p16="http://schemas.microsoft.com/office/powerpoint/2015/main" val="1"/>
+              </p:ext>
+            </p:extLst>
+          </p:nvPr>
+        </p:nvSpPr>
+        <p:spPr>
+          <a:xfrm>
+            <a:off x="0" y="565153"/>
+            <a:ext cx="1133856" cy="6292847"/>
+          </a:xfrm>
+          <a:prstGeom prst="rect">
+            <a:avLst/>
+          </a:prstGeom>
+          <a:gradFill flip="none" rotWithShape="1">
+            <a:gsLst>
+              <a:gs pos="0">
+                <a:schemeClr val="accent1">
+                  <a:alpha val="50000"/>
+                </a:schemeClr>
+              </a:gs>
+              <a:gs pos="81000">
+                <a:schemeClr val="accent4">
+                  <a:alpha val="50000"/>
+                </a:schemeClr>
+              </a:gs>
+              <a:gs pos="25000">
+                <a:schemeClr val="accent2">
+                  <a:alpha val="60000"/>
+                </a:schemeClr>
+              </a:gs>
+              <a:gs pos="50000">
+                <a:schemeClr val="accent3">
+                  <a:alpha val="55000"/>
+                </a:schemeClr>
+              </a:gs>
+              <a:gs pos="99000">
+                <a:schemeClr val="accent5">
+                  <a:alpha val="50000"/>
+                </a:schemeClr>
+              </a:gs>
+            </a:gsLst>
+            <a:path path="circle">
+              <a:fillToRect r="100000" b="100000"/>
+            </a:path>
+            <a:tileRect l="-100000" t="-100000"/>
+          </a:gradFill>
+          <a:ln>
+            <a:noFill/>
+          </a:ln>
+        </p:spPr>
+        <p:style>
+          <a:lnRef idx="2">
+            <a:schemeClr val="accent1">
+              <a:shade val="50000"/>
+            </a:schemeClr>
+          </a:lnRef>
+          <a:fillRef idx="1">
+            <a:schemeClr val="accent1"/>
+          </a:fillRef>
+          <a:effectRef idx="0">
+            <a:schemeClr val="accent1"/>
+          </a:effectRef>
+          <a:fontRef idx="minor">
+            <a:schemeClr val="lt1"/>
+          </a:fontRef>
+        </p:style>
+        <p:txBody>
+          <a:bodyPr rtlCol="0" anchor="ctr"/>
+          <a:lstStyle/>
+          <a:p>
+            <a:pPr algn="ctr"/>
+            <a:endParaRPr lang="en-US"/>
+          </a:p>
+        </p:txBody>
+      </p:sp>
+      <p:sp>
+        <p:nvSpPr>
+          <p:cNvPr id="5137" name="Rectangle 5136">
+            <a:extLst>
+              <a:ext uri="{FF2B5EF4-FFF2-40B4-BE49-F238E27FC236}">
+                <a16:creationId xmlns:a16="http://schemas.microsoft.com/office/drawing/2014/main" id="{1903E872-C07A-4030-B584-D321D40CABB6}"/>
+              </a:ext>
+              <a:ext uri="{C183D7F6-B498-43B3-948B-1728B52AA6E4}">
+                <adec:decorative xmlns:adec="http://schemas.microsoft.com/office/drawing/2017/decorative" val="1"/>
+              </a:ext>
+            </a:extLst>
+          </p:cNvPr>
+          <p:cNvSpPr>
+            <a:spLocks noGrp="1" noRot="1" noChangeAspect="1" noMove="1" noResize="1" noEditPoints="1" noAdjustHandles="1" noChangeArrowheads="1" noChangeShapeType="1" noTextEdit="1"/>
+          </p:cNvSpPr>
+          <p:nvPr>
+            <p:extLst>
+              <p:ext uri="{386F3935-93C4-4BCD-93E2-E3B085C9AB24}">
+                <p16:designElem xmlns:p16="http://schemas.microsoft.com/office/powerpoint/2015/main" val="1"/>
+              </p:ext>
+            </p:extLst>
+          </p:nvPr>
+        </p:nvSpPr>
+        <p:spPr>
+          <a:xfrm>
+            <a:off x="0" y="1"/>
+            <a:ext cx="565150" cy="6857999"/>
+          </a:xfrm>
+          <a:prstGeom prst="rect">
+            <a:avLst/>
+          </a:prstGeom>
+          <a:gradFill flip="none" rotWithShape="1">
+            <a:gsLst>
+              <a:gs pos="0">
+                <a:schemeClr val="accent1">
+                  <a:alpha val="50000"/>
+                </a:schemeClr>
+              </a:gs>
+              <a:gs pos="81000">
+                <a:schemeClr val="accent4">
+                  <a:alpha val="50000"/>
+                </a:schemeClr>
+              </a:gs>
+              <a:gs pos="25000">
+                <a:schemeClr val="accent2">
+                  <a:alpha val="60000"/>
+                </a:schemeClr>
+              </a:gs>
+              <a:gs pos="49000">
+                <a:schemeClr val="accent3">
+                  <a:alpha val="55000"/>
+                </a:schemeClr>
+              </a:gs>
+              <a:gs pos="99000">
+                <a:schemeClr val="accent5">
+                  <a:alpha val="50000"/>
+                </a:schemeClr>
+              </a:gs>
+            </a:gsLst>
+            <a:path path="circle">
+              <a:fillToRect r="100000" b="100000"/>
+            </a:path>
+            <a:tileRect l="-100000" t="-100000"/>
+          </a:gradFill>
+          <a:ln>
+            <a:noFill/>
+          </a:ln>
+        </p:spPr>
+        <p:style>
+          <a:lnRef idx="2">
+            <a:schemeClr val="accent1">
+              <a:shade val="50000"/>
+            </a:schemeClr>
+          </a:lnRef>
+          <a:fillRef idx="1">
+            <a:schemeClr val="accent1"/>
+          </a:fillRef>
+          <a:effectRef idx="0">
+            <a:schemeClr val="accent1"/>
+          </a:effectRef>
+          <a:fontRef idx="minor">
+            <a:schemeClr val="lt1"/>
+          </a:fontRef>
+        </p:style>
+        <p:txBody>
+          <a:bodyPr rtlCol="0" anchor="ctr"/>
+          <a:lstStyle/>
+          <a:p>
+            <a:pPr algn="ctr"/>
+            <a:endParaRPr lang="en-US"/>
+          </a:p>
+        </p:txBody>
+      </p:sp>
+      <p:sp>
+        <p:nvSpPr>
+          <p:cNvPr id="2" name="Tytuł 1">
+            <a:extLst>
+              <a:ext uri="{FF2B5EF4-FFF2-40B4-BE49-F238E27FC236}">
+                <a16:creationId xmlns:a16="http://schemas.microsoft.com/office/drawing/2014/main" id="{FAA800B0-3E30-FA38-1B30-11125F46716D}"/>
+              </a:ext>
+            </a:extLst>
+          </p:cNvPr>
+          <p:cNvSpPr>
+            <a:spLocks noGrp="1"/>
+          </p:cNvSpPr>
+          <p:nvPr>
+            <p:ph type="title"/>
+          </p:nvPr>
+        </p:nvSpPr>
+        <p:spPr>
+          <a:xfrm>
+            <a:off x="1777321" y="4309024"/>
+            <a:ext cx="9677833" cy="1134452"/>
+          </a:xfrm>
+        </p:spPr>
+        <p:txBody>
+          <a:bodyPr vert="horz" lIns="91440" tIns="45720" rIns="91440" bIns="45720" rtlCol="0" anchor="ctr">
+            <a:normAutofit/>
+          </a:bodyPr>
+          <a:lstStyle/>
+          <a:p>
+            <a:pPr algn="ctr">
+              <a:lnSpc>
+                <a:spcPct val="90000"/>
+              </a:lnSpc>
+            </a:pPr>
+            <a:r>
+              <a:rPr lang="en-US" sz="2900"/>
+              <a:t>How satisfied are you with the quality of F1 insights, news, and analysis provided by the app?</a:t>
+            </a:r>
+          </a:p>
+        </p:txBody>
+      </p:sp>
+      <p:pic>
+        <p:nvPicPr>
+          <p:cNvPr id="5124" name="Picture 4" descr="Wykres odpowiedzi z Formularzy. Tytuł pytania: 3. How satisfied are you with the quality of F1 insights, news, and analysis provided by the app?. Liczba odpowiedzi: 36 odpowiedzi.">
+            <a:extLst>
+              <a:ext uri="{FF2B5EF4-FFF2-40B4-BE49-F238E27FC236}">
+                <a16:creationId xmlns:a16="http://schemas.microsoft.com/office/drawing/2014/main" id="{F1CE4237-7172-62DE-85F1-68FE8676F9C7}"/>
+              </a:ext>
+            </a:extLst>
+          </p:cNvPr>
+          <p:cNvPicPr>
+            <a:picLocks noGrp="1" noChangeAspect="1" noChangeArrowheads="1"/>
+          </p:cNvPicPr>
+          <p:nvPr>
+            <p:ph idx="1"/>
+          </p:nvPr>
+        </p:nvPicPr>
+        <p:blipFill>
+          <a:blip r:embed="rId2">
+            <a:extLst>
+              <a:ext uri="{28A0092B-C50C-407E-A947-70E740481C1C}">
+                <a14:useLocalDpi xmlns:a14="http://schemas.microsoft.com/office/drawing/2010/main" val="0"/>
+              </a:ext>
+            </a:extLst>
+          </a:blip>
+          <a:stretch>
+            <a:fillRect/>
+          </a:stretch>
+        </p:blipFill>
+        <p:spPr bwMode="auto">
+          <a:xfrm>
+            <a:off x="3206788" y="627797"/>
+            <a:ext cx="6818902" cy="3238979"/>
+          </a:xfrm>
+          <a:prstGeom prst="rect">
+            <a:avLst/>
+          </a:prstGeom>
+          <a:noFill/>
+          <a:extLst>
+            <a:ext uri="{909E8E84-426E-40DD-AFC4-6F175D3DCCD1}">
+              <a14:hiddenFill xmlns:a14="http://schemas.microsoft.com/office/drawing/2010/main">
+                <a:solidFill>
+                  <a:srgbClr val="FFFFFF"/>
+                </a:solidFill>
+              </a14:hiddenFill>
+            </a:ext>
+          </a:extLst>
+        </p:spPr>
+      </p:pic>
+    </p:spTree>
+    <p:extLst>
+      <p:ext uri="{BB962C8B-B14F-4D97-AF65-F5344CB8AC3E}">
+        <p14:creationId xmlns:p14="http://schemas.microsoft.com/office/powerpoint/2010/main" val="1499746747"/>
+      </p:ext>
+    </p:extLst>
+  </p:cSld>
+  <p:clrMapOvr>
+    <a:masterClrMapping/>
+  </p:clrMapOvr>
+</p:sld>
+</file>
+
+<file path=ppt/slides/slide14.xml><?xml version="1.0" encoding="utf-8"?>
+<p:sld xmlns:a="http://schemas.openxmlformats.org/drawingml/2006/main" xmlns:r="http://schemas.openxmlformats.org/officeDocument/2006/relationships" xmlns:p="http://schemas.openxmlformats.org/presentationml/2006/main">
+  <p:cSld>
+    <p:bg>
+      <p:bgPr>
+        <a:solidFill>
+          <a:schemeClr val="bg1"/>
+        </a:solidFill>
+        <a:effectLst/>
+      </p:bgPr>
+    </p:bg>
+    <p:spTree>
+      <p:nvGrpSpPr>
+        <p:cNvPr id="1" name=""/>
+        <p:cNvGrpSpPr/>
+        <p:nvPr/>
+      </p:nvGrpSpPr>
+      <p:grpSpPr>
+        <a:xfrm>
+          <a:off x="0" y="0"/>
+          <a:ext cx="0" cy="0"/>
+          <a:chOff x="0" y="0"/>
+          <a:chExt cx="0" cy="0"/>
+        </a:xfrm>
+      </p:grpSpPr>
+      <p:sp>
+        <p:nvSpPr>
+          <p:cNvPr id="6151" name="Rectangle 6150">
+            <a:extLst>
+              <a:ext uri="{FF2B5EF4-FFF2-40B4-BE49-F238E27FC236}">
+                <a16:creationId xmlns:a16="http://schemas.microsoft.com/office/drawing/2014/main" id="{2D03A0B2-4A2F-D846-A5E6-FB7CB9A031F7}"/>
+              </a:ext>
+              <a:ext uri="{C183D7F6-B498-43B3-948B-1728B52AA6E4}">
+                <adec:decorative xmlns:adec="http://schemas.microsoft.com/office/drawing/2017/decorative" val="1"/>
+              </a:ext>
+            </a:extLst>
+          </p:cNvPr>
+          <p:cNvSpPr>
+            <a:spLocks noGrp="1" noRot="1" noChangeAspect="1" noMove="1" noResize="1" noEditPoints="1" noAdjustHandles="1" noChangeArrowheads="1" noChangeShapeType="1" noTextEdit="1"/>
+          </p:cNvSpPr>
+          <p:nvPr>
+            <p:extLst>
+              <p:ext uri="{386F3935-93C4-4BCD-93E2-E3B085C9AB24}">
+                <p16:designElem xmlns:p16="http://schemas.microsoft.com/office/powerpoint/2015/main" val="1"/>
+              </p:ext>
+            </p:extLst>
+          </p:nvPr>
+        </p:nvSpPr>
+        <p:spPr>
+          <a:xfrm>
+            <a:off x="1" y="1375492"/>
+            <a:ext cx="2770698" cy="5482505"/>
+          </a:xfrm>
+          <a:prstGeom prst="rect">
+            <a:avLst/>
+          </a:prstGeom>
+          <a:gradFill flip="none" rotWithShape="1">
+            <a:gsLst>
+              <a:gs pos="0">
+                <a:schemeClr val="accent1">
+                  <a:alpha val="50000"/>
+                </a:schemeClr>
+              </a:gs>
+              <a:gs pos="81000">
+                <a:schemeClr val="accent4">
+                  <a:alpha val="50000"/>
+                </a:schemeClr>
+              </a:gs>
+              <a:gs pos="25000">
+                <a:schemeClr val="accent2">
+                  <a:alpha val="60000"/>
+                </a:schemeClr>
+              </a:gs>
+              <a:gs pos="50000">
+                <a:schemeClr val="accent3">
+                  <a:alpha val="55000"/>
+                </a:schemeClr>
+              </a:gs>
+              <a:gs pos="99000">
+                <a:schemeClr val="accent5">
+                  <a:alpha val="50000"/>
+                </a:schemeClr>
+              </a:gs>
+            </a:gsLst>
+            <a:path path="circle">
+              <a:fillToRect r="100000" b="100000"/>
+            </a:path>
+            <a:tileRect l="-100000" t="-100000"/>
+          </a:gradFill>
+          <a:ln>
+            <a:noFill/>
+          </a:ln>
+        </p:spPr>
+        <p:style>
+          <a:lnRef idx="2">
+            <a:schemeClr val="accent1">
+              <a:shade val="50000"/>
+            </a:schemeClr>
+          </a:lnRef>
+          <a:fillRef idx="1">
+            <a:schemeClr val="accent1"/>
+          </a:fillRef>
+          <a:effectRef idx="0">
+            <a:schemeClr val="accent1"/>
+          </a:effectRef>
+          <a:fontRef idx="minor">
+            <a:schemeClr val="lt1"/>
+          </a:fontRef>
+        </p:style>
+        <p:txBody>
+          <a:bodyPr rtlCol="0" anchor="ctr"/>
+          <a:lstStyle/>
+          <a:p>
+            <a:pPr lvl="0" algn="ctr"/>
+            <a:endParaRPr lang="en-US"/>
+          </a:p>
+        </p:txBody>
+      </p:sp>
+      <p:sp>
+        <p:nvSpPr>
+          <p:cNvPr id="6153" name="Rectangle 6152">
+            <a:extLst>
+              <a:ext uri="{FF2B5EF4-FFF2-40B4-BE49-F238E27FC236}">
+                <a16:creationId xmlns:a16="http://schemas.microsoft.com/office/drawing/2014/main" id="{7F573F1D-73A7-FB41-BCAD-FC9AA7DEF4F5}"/>
+              </a:ext>
+              <a:ext uri="{C183D7F6-B498-43B3-948B-1728B52AA6E4}">
+                <adec:decorative xmlns:adec="http://schemas.microsoft.com/office/drawing/2017/decorative" val="1"/>
+              </a:ext>
+            </a:extLst>
+          </p:cNvPr>
+          <p:cNvSpPr>
+            <a:spLocks noGrp="1" noRot="1" noChangeAspect="1" noMove="1" noResize="1" noEditPoints="1" noAdjustHandles="1" noChangeArrowheads="1" noChangeShapeType="1" noTextEdit="1"/>
+          </p:cNvSpPr>
+          <p:nvPr>
+            <p:extLst>
+              <p:ext uri="{386F3935-93C4-4BCD-93E2-E3B085C9AB24}">
+                <p16:designElem xmlns:p16="http://schemas.microsoft.com/office/powerpoint/2015/main" val="1"/>
+              </p:ext>
+            </p:extLst>
+          </p:nvPr>
+        </p:nvSpPr>
+        <p:spPr>
+          <a:xfrm>
+            <a:off x="0" y="-3"/>
+            <a:ext cx="1373567" cy="6857999"/>
+          </a:xfrm>
+          <a:prstGeom prst="rect">
+            <a:avLst/>
+          </a:prstGeom>
+          <a:gradFill flip="none" rotWithShape="1">
+            <a:gsLst>
+              <a:gs pos="0">
+                <a:schemeClr val="accent1">
+                  <a:alpha val="50000"/>
+                </a:schemeClr>
+              </a:gs>
+              <a:gs pos="81000">
+                <a:schemeClr val="accent4">
+                  <a:alpha val="50000"/>
+                </a:schemeClr>
+              </a:gs>
+              <a:gs pos="25000">
+                <a:schemeClr val="accent2">
+                  <a:alpha val="60000"/>
+                </a:schemeClr>
+              </a:gs>
+              <a:gs pos="50000">
+                <a:schemeClr val="accent3">
+                  <a:alpha val="55000"/>
+                </a:schemeClr>
+              </a:gs>
+              <a:gs pos="99000">
+                <a:schemeClr val="accent5">
+                  <a:alpha val="50000"/>
+                </a:schemeClr>
+              </a:gs>
+            </a:gsLst>
+            <a:path path="circle">
+              <a:fillToRect r="100000" b="100000"/>
+            </a:path>
+            <a:tileRect l="-100000" t="-100000"/>
+          </a:gradFill>
+          <a:ln>
+            <a:noFill/>
+          </a:ln>
+        </p:spPr>
+        <p:style>
+          <a:lnRef idx="2">
+            <a:schemeClr val="accent1">
+              <a:shade val="50000"/>
+            </a:schemeClr>
+          </a:lnRef>
+          <a:fillRef idx="1">
+            <a:schemeClr val="accent1"/>
+          </a:fillRef>
+          <a:effectRef idx="0">
+            <a:schemeClr val="accent1"/>
+          </a:effectRef>
+          <a:fontRef idx="minor">
+            <a:schemeClr val="lt1"/>
+          </a:fontRef>
+        </p:style>
+        <p:txBody>
+          <a:bodyPr rtlCol="0" anchor="ctr"/>
+          <a:lstStyle/>
+          <a:p>
+            <a:pPr lvl="0" algn="ctr"/>
+            <a:endParaRPr lang="en-US"/>
+          </a:p>
+        </p:txBody>
+      </p:sp>
+      <p:sp useBgFill="1">
+        <p:nvSpPr>
+          <p:cNvPr id="6155" name="Rectangle 6154">
+            <a:extLst>
+              <a:ext uri="{FF2B5EF4-FFF2-40B4-BE49-F238E27FC236}">
+                <a16:creationId xmlns:a16="http://schemas.microsoft.com/office/drawing/2014/main" id="{A88F843D-1C1B-C740-AC27-E3238D0F5F47}"/>
+              </a:ext>
+              <a:ext uri="{C183D7F6-B498-43B3-948B-1728B52AA6E4}">
+                <adec:decorative xmlns:adec="http://schemas.microsoft.com/office/drawing/2017/decorative" val="1"/>
+              </a:ext>
+            </a:extLst>
+          </p:cNvPr>
+          <p:cNvSpPr>
+            <a:spLocks noGrp="1" noRot="1" noChangeAspect="1" noMove="1" noResize="1" noEditPoints="1" noAdjustHandles="1" noChangeArrowheads="1" noChangeShapeType="1" noTextEdit="1"/>
+          </p:cNvSpPr>
+          <p:nvPr>
+            <p:extLst>
+              <p:ext uri="{386F3935-93C4-4BCD-93E2-E3B085C9AB24}">
+                <p16:designElem xmlns:p16="http://schemas.microsoft.com/office/powerpoint/2015/main" val="1"/>
+              </p:ext>
+            </p:extLst>
+          </p:nvPr>
+        </p:nvSpPr>
+        <p:spPr>
+          <a:xfrm>
+            <a:off x="0" y="0"/>
+            <a:ext cx="12188952" cy="6858000"/>
+          </a:xfrm>
+          <a:prstGeom prst="rect">
+            <a:avLst/>
+          </a:prstGeom>
+          <a:ln>
+            <a:noFill/>
+          </a:ln>
+        </p:spPr>
+        <p:style>
+          <a:lnRef idx="2">
+            <a:schemeClr val="accent1">
+              <a:shade val="50000"/>
+            </a:schemeClr>
+          </a:lnRef>
+          <a:fillRef idx="1">
+            <a:schemeClr val="accent1"/>
+          </a:fillRef>
+          <a:effectRef idx="0">
+            <a:schemeClr val="accent1"/>
+          </a:effectRef>
+          <a:fontRef idx="minor">
+            <a:schemeClr val="lt1"/>
+          </a:fontRef>
+        </p:style>
+        <p:txBody>
+          <a:bodyPr rtlCol="0" anchor="ctr"/>
+          <a:lstStyle/>
+          <a:p>
+            <a:pPr algn="ctr"/>
+            <a:endParaRPr lang="en-US"/>
+          </a:p>
+        </p:txBody>
+      </p:sp>
+      <p:sp>
+        <p:nvSpPr>
+          <p:cNvPr id="6157" name="Rectangle 6156">
+            <a:extLst>
+              <a:ext uri="{FF2B5EF4-FFF2-40B4-BE49-F238E27FC236}">
+                <a16:creationId xmlns:a16="http://schemas.microsoft.com/office/drawing/2014/main" id="{D5B0F748-7FA7-4DDF-89A3-7F1D8EE1F7C0}"/>
+              </a:ext>
+              <a:ext uri="{C183D7F6-B498-43B3-948B-1728B52AA6E4}">
+                <adec:decorative xmlns:adec="http://schemas.microsoft.com/office/drawing/2017/decorative" val="1"/>
+              </a:ext>
+            </a:extLst>
+          </p:cNvPr>
+          <p:cNvSpPr>
+            <a:spLocks noGrp="1" noRot="1" noChangeAspect="1" noMove="1" noResize="1" noEditPoints="1" noAdjustHandles="1" noChangeArrowheads="1" noChangeShapeType="1" noTextEdit="1"/>
+          </p:cNvSpPr>
+          <p:nvPr>
+            <p:extLst>
+              <p:ext uri="{386F3935-93C4-4BCD-93E2-E3B085C9AB24}">
+                <p16:designElem xmlns:p16="http://schemas.microsoft.com/office/powerpoint/2015/main" val="1"/>
+              </p:ext>
+            </p:extLst>
+          </p:nvPr>
+        </p:nvSpPr>
+        <p:spPr>
+          <a:xfrm>
+            <a:off x="0" y="565153"/>
+            <a:ext cx="1133856" cy="6292847"/>
+          </a:xfrm>
+          <a:prstGeom prst="rect">
+            <a:avLst/>
+          </a:prstGeom>
+          <a:gradFill flip="none" rotWithShape="1">
+            <a:gsLst>
+              <a:gs pos="0">
+                <a:schemeClr val="accent1">
+                  <a:alpha val="50000"/>
+                </a:schemeClr>
+              </a:gs>
+              <a:gs pos="81000">
+                <a:schemeClr val="accent4">
+                  <a:alpha val="50000"/>
+                </a:schemeClr>
+              </a:gs>
+              <a:gs pos="25000">
+                <a:schemeClr val="accent2">
+                  <a:alpha val="60000"/>
+                </a:schemeClr>
+              </a:gs>
+              <a:gs pos="50000">
+                <a:schemeClr val="accent3">
+                  <a:alpha val="55000"/>
+                </a:schemeClr>
+              </a:gs>
+              <a:gs pos="99000">
+                <a:schemeClr val="accent5">
+                  <a:alpha val="50000"/>
+                </a:schemeClr>
+              </a:gs>
+            </a:gsLst>
+            <a:path path="circle">
+              <a:fillToRect r="100000" b="100000"/>
+            </a:path>
+            <a:tileRect l="-100000" t="-100000"/>
+          </a:gradFill>
+          <a:ln>
+            <a:noFill/>
+          </a:ln>
+        </p:spPr>
+        <p:style>
+          <a:lnRef idx="2">
+            <a:schemeClr val="accent1">
+              <a:shade val="50000"/>
+            </a:schemeClr>
+          </a:lnRef>
+          <a:fillRef idx="1">
+            <a:schemeClr val="accent1"/>
+          </a:fillRef>
+          <a:effectRef idx="0">
+            <a:schemeClr val="accent1"/>
+          </a:effectRef>
+          <a:fontRef idx="minor">
+            <a:schemeClr val="lt1"/>
+          </a:fontRef>
+        </p:style>
+        <p:txBody>
+          <a:bodyPr rtlCol="0" anchor="ctr"/>
+          <a:lstStyle/>
+          <a:p>
+            <a:pPr algn="ctr"/>
+            <a:endParaRPr lang="en-US"/>
+          </a:p>
+        </p:txBody>
+      </p:sp>
+      <p:sp>
+        <p:nvSpPr>
+          <p:cNvPr id="6159" name="Rectangle 6158">
+            <a:extLst>
+              <a:ext uri="{FF2B5EF4-FFF2-40B4-BE49-F238E27FC236}">
+                <a16:creationId xmlns:a16="http://schemas.microsoft.com/office/drawing/2014/main" id="{1903E872-C07A-4030-B584-D321D40CABB6}"/>
+              </a:ext>
+              <a:ext uri="{C183D7F6-B498-43B3-948B-1728B52AA6E4}">
+                <adec:decorative xmlns:adec="http://schemas.microsoft.com/office/drawing/2017/decorative" val="1"/>
+              </a:ext>
+            </a:extLst>
+          </p:cNvPr>
+          <p:cNvSpPr>
+            <a:spLocks noGrp="1" noRot="1" noChangeAspect="1" noMove="1" noResize="1" noEditPoints="1" noAdjustHandles="1" noChangeArrowheads="1" noChangeShapeType="1" noTextEdit="1"/>
+          </p:cNvSpPr>
+          <p:nvPr>
+            <p:extLst>
+              <p:ext uri="{386F3935-93C4-4BCD-93E2-E3B085C9AB24}">
+                <p16:designElem xmlns:p16="http://schemas.microsoft.com/office/powerpoint/2015/main" val="1"/>
+              </p:ext>
+            </p:extLst>
+          </p:nvPr>
+        </p:nvSpPr>
+        <p:spPr>
+          <a:xfrm>
+            <a:off x="0" y="1"/>
+            <a:ext cx="565150" cy="6857999"/>
+          </a:xfrm>
+          <a:prstGeom prst="rect">
+            <a:avLst/>
+          </a:prstGeom>
+          <a:gradFill flip="none" rotWithShape="1">
+            <a:gsLst>
+              <a:gs pos="0">
+                <a:schemeClr val="accent1">
+                  <a:alpha val="50000"/>
+                </a:schemeClr>
+              </a:gs>
+              <a:gs pos="81000">
+                <a:schemeClr val="accent4">
+                  <a:alpha val="50000"/>
+                </a:schemeClr>
+              </a:gs>
+              <a:gs pos="25000">
+                <a:schemeClr val="accent2">
+                  <a:alpha val="60000"/>
+                </a:schemeClr>
+              </a:gs>
+              <a:gs pos="49000">
+                <a:schemeClr val="accent3">
+                  <a:alpha val="55000"/>
+                </a:schemeClr>
+              </a:gs>
+              <a:gs pos="99000">
+                <a:schemeClr val="accent5">
+                  <a:alpha val="50000"/>
+                </a:schemeClr>
+              </a:gs>
+            </a:gsLst>
+            <a:path path="circle">
+              <a:fillToRect r="100000" b="100000"/>
+            </a:path>
+            <a:tileRect l="-100000" t="-100000"/>
+          </a:gradFill>
+          <a:ln>
+            <a:noFill/>
+          </a:ln>
+        </p:spPr>
+        <p:style>
+          <a:lnRef idx="2">
+            <a:schemeClr val="accent1">
+              <a:shade val="50000"/>
+            </a:schemeClr>
+          </a:lnRef>
+          <a:fillRef idx="1">
+            <a:schemeClr val="accent1"/>
+          </a:fillRef>
+          <a:effectRef idx="0">
+            <a:schemeClr val="accent1"/>
+          </a:effectRef>
+          <a:fontRef idx="minor">
+            <a:schemeClr val="lt1"/>
+          </a:fontRef>
+        </p:style>
+        <p:txBody>
+          <a:bodyPr rtlCol="0" anchor="ctr"/>
+          <a:lstStyle/>
+          <a:p>
+            <a:pPr algn="ctr"/>
+            <a:endParaRPr lang="en-US"/>
+          </a:p>
+        </p:txBody>
+      </p:sp>
+      <p:sp>
+        <p:nvSpPr>
+          <p:cNvPr id="2" name="Tytuł 1">
+            <a:extLst>
+              <a:ext uri="{FF2B5EF4-FFF2-40B4-BE49-F238E27FC236}">
+                <a16:creationId xmlns:a16="http://schemas.microsoft.com/office/drawing/2014/main" id="{255714DD-4A06-1EB7-6EF6-CE0644EE901A}"/>
+              </a:ext>
+            </a:extLst>
+          </p:cNvPr>
+          <p:cNvSpPr>
+            <a:spLocks noGrp="1"/>
+          </p:cNvSpPr>
+          <p:nvPr>
+            <p:ph type="title"/>
+          </p:nvPr>
+        </p:nvSpPr>
+        <p:spPr>
+          <a:xfrm>
+            <a:off x="1777321" y="4309024"/>
+            <a:ext cx="9677833" cy="1134452"/>
+          </a:xfrm>
+        </p:spPr>
+        <p:txBody>
+          <a:bodyPr vert="horz" lIns="91440" tIns="45720" rIns="91440" bIns="45720" rtlCol="0" anchor="ctr">
+            <a:normAutofit/>
+          </a:bodyPr>
+          <a:lstStyle/>
+          <a:p>
+            <a:pPr algn="ctr">
+              <a:lnSpc>
+                <a:spcPct val="90000"/>
+              </a:lnSpc>
+            </a:pPr>
+            <a:r>
+              <a:rPr lang="en-US" sz="3300"/>
+              <a:t>How useful do you find the app’s interactive features (polls, race predictions, etc.)?</a:t>
+            </a:r>
+          </a:p>
+        </p:txBody>
+      </p:sp>
+      <p:pic>
+        <p:nvPicPr>
+          <p:cNvPr id="6146" name="Picture 2" descr="Wykres odpowiedzi z Formularzy. Tytuł pytania: 4. How useful do you find the app’s interactive features (polls, race predictions, etc.)?. Liczba odpowiedzi: 34 odpowiedzi.">
+            <a:extLst>
+              <a:ext uri="{FF2B5EF4-FFF2-40B4-BE49-F238E27FC236}">
+                <a16:creationId xmlns:a16="http://schemas.microsoft.com/office/drawing/2014/main" id="{D60CECD2-8229-88FD-27E7-3DAC310206E3}"/>
+              </a:ext>
+            </a:extLst>
+          </p:cNvPr>
+          <p:cNvPicPr>
+            <a:picLocks noGrp="1" noChangeAspect="1" noChangeArrowheads="1"/>
+          </p:cNvPicPr>
+          <p:nvPr>
+            <p:ph idx="1"/>
+          </p:nvPr>
+        </p:nvPicPr>
+        <p:blipFill>
+          <a:blip r:embed="rId2">
+            <a:extLst>
+              <a:ext uri="{28A0092B-C50C-407E-A947-70E740481C1C}">
+                <a14:useLocalDpi xmlns:a14="http://schemas.microsoft.com/office/drawing/2010/main" val="0"/>
+              </a:ext>
+            </a:extLst>
+          </a:blip>
+          <a:stretch>
+            <a:fillRect/>
+          </a:stretch>
+        </p:blipFill>
+        <p:spPr bwMode="auto">
+          <a:xfrm>
+            <a:off x="3206788" y="627797"/>
+            <a:ext cx="6818902" cy="3238979"/>
+          </a:xfrm>
+          <a:prstGeom prst="rect">
+            <a:avLst/>
+          </a:prstGeom>
+          <a:noFill/>
+          <a:extLst>
+            <a:ext uri="{909E8E84-426E-40DD-AFC4-6F175D3DCCD1}">
+              <a14:hiddenFill xmlns:a14="http://schemas.microsoft.com/office/drawing/2010/main">
+                <a:solidFill>
+                  <a:srgbClr val="FFFFFF"/>
+                </a:solidFill>
+              </a14:hiddenFill>
+            </a:ext>
+          </a:extLst>
+        </p:spPr>
+      </p:pic>
+    </p:spTree>
+    <p:extLst>
+      <p:ext uri="{BB962C8B-B14F-4D97-AF65-F5344CB8AC3E}">
+        <p14:creationId xmlns:p14="http://schemas.microsoft.com/office/powerpoint/2010/main" val="2440525291"/>
+      </p:ext>
+    </p:extLst>
+  </p:cSld>
+  <p:clrMapOvr>
+    <a:masterClrMapping/>
+  </p:clrMapOvr>
+</p:sld>
+</file>
+
+<file path=ppt/slides/slide15.xml><?xml version="1.0" encoding="utf-8"?>
+<p:sld xmlns:a="http://schemas.openxmlformats.org/drawingml/2006/main" xmlns:r="http://schemas.openxmlformats.org/officeDocument/2006/relationships" xmlns:p="http://schemas.openxmlformats.org/presentationml/2006/main">
+  <p:cSld>
+    <p:bg>
+      <p:bgPr>
+        <a:solidFill>
+          <a:schemeClr val="bg1"/>
+        </a:solidFill>
+        <a:effectLst/>
+      </p:bgPr>
+    </p:bg>
+    <p:spTree>
+      <p:nvGrpSpPr>
+        <p:cNvPr id="1" name=""/>
+        <p:cNvGrpSpPr/>
+        <p:nvPr/>
+      </p:nvGrpSpPr>
+      <p:grpSpPr>
+        <a:xfrm>
+          <a:off x="0" y="0"/>
+          <a:ext cx="0" cy="0"/>
+          <a:chOff x="0" y="0"/>
+          <a:chExt cx="0" cy="0"/>
+        </a:xfrm>
+      </p:grpSpPr>
+      <p:sp>
+        <p:nvSpPr>
+          <p:cNvPr id="7175" name="Rectangle 7174">
+            <a:extLst>
+              <a:ext uri="{FF2B5EF4-FFF2-40B4-BE49-F238E27FC236}">
+                <a16:creationId xmlns:a16="http://schemas.microsoft.com/office/drawing/2014/main" id="{2D03A0B2-4A2F-D846-A5E6-FB7CB9A031F7}"/>
+              </a:ext>
+              <a:ext uri="{C183D7F6-B498-43B3-948B-1728B52AA6E4}">
+                <adec:decorative xmlns:adec="http://schemas.microsoft.com/office/drawing/2017/decorative" val="1"/>
+              </a:ext>
+            </a:extLst>
+          </p:cNvPr>
+          <p:cNvSpPr>
+            <a:spLocks noGrp="1" noRot="1" noChangeAspect="1" noMove="1" noResize="1" noEditPoints="1" noAdjustHandles="1" noChangeArrowheads="1" noChangeShapeType="1" noTextEdit="1"/>
+          </p:cNvSpPr>
+          <p:nvPr>
+            <p:extLst>
+              <p:ext uri="{386F3935-93C4-4BCD-93E2-E3B085C9AB24}">
+                <p16:designElem xmlns:p16="http://schemas.microsoft.com/office/powerpoint/2015/main" val="1"/>
+              </p:ext>
+            </p:extLst>
+          </p:nvPr>
+        </p:nvSpPr>
+        <p:spPr>
+          <a:xfrm>
+            <a:off x="1" y="1375492"/>
+            <a:ext cx="2770698" cy="5482505"/>
+          </a:xfrm>
+          <a:prstGeom prst="rect">
+            <a:avLst/>
+          </a:prstGeom>
+          <a:gradFill flip="none" rotWithShape="1">
+            <a:gsLst>
+              <a:gs pos="0">
+                <a:schemeClr val="accent1">
+                  <a:alpha val="50000"/>
+                </a:schemeClr>
+              </a:gs>
+              <a:gs pos="81000">
+                <a:schemeClr val="accent4">
+                  <a:alpha val="50000"/>
+                </a:schemeClr>
+              </a:gs>
+              <a:gs pos="25000">
+                <a:schemeClr val="accent2">
+                  <a:alpha val="60000"/>
+                </a:schemeClr>
+              </a:gs>
+              <a:gs pos="50000">
+                <a:schemeClr val="accent3">
+                  <a:alpha val="55000"/>
+                </a:schemeClr>
+              </a:gs>
+              <a:gs pos="99000">
+                <a:schemeClr val="accent5">
+                  <a:alpha val="50000"/>
+                </a:schemeClr>
+              </a:gs>
+            </a:gsLst>
+            <a:path path="circle">
+              <a:fillToRect r="100000" b="100000"/>
+            </a:path>
+            <a:tileRect l="-100000" t="-100000"/>
+          </a:gradFill>
+          <a:ln>
+            <a:noFill/>
+          </a:ln>
+        </p:spPr>
+        <p:style>
+          <a:lnRef idx="2">
+            <a:schemeClr val="accent1">
+              <a:shade val="50000"/>
+            </a:schemeClr>
+          </a:lnRef>
+          <a:fillRef idx="1">
+            <a:schemeClr val="accent1"/>
+          </a:fillRef>
+          <a:effectRef idx="0">
+            <a:schemeClr val="accent1"/>
+          </a:effectRef>
+          <a:fontRef idx="minor">
+            <a:schemeClr val="lt1"/>
+          </a:fontRef>
+        </p:style>
+        <p:txBody>
+          <a:bodyPr rtlCol="0" anchor="ctr"/>
+          <a:lstStyle/>
+          <a:p>
+            <a:pPr lvl="0" algn="ctr"/>
+            <a:endParaRPr lang="en-US"/>
+          </a:p>
+        </p:txBody>
+      </p:sp>
+      <p:sp>
+        <p:nvSpPr>
+          <p:cNvPr id="7177" name="Rectangle 7176">
+            <a:extLst>
+              <a:ext uri="{FF2B5EF4-FFF2-40B4-BE49-F238E27FC236}">
+                <a16:creationId xmlns:a16="http://schemas.microsoft.com/office/drawing/2014/main" id="{7F573F1D-73A7-FB41-BCAD-FC9AA7DEF4F5}"/>
+              </a:ext>
+              <a:ext uri="{C183D7F6-B498-43B3-948B-1728B52AA6E4}">
+                <adec:decorative xmlns:adec="http://schemas.microsoft.com/office/drawing/2017/decorative" val="1"/>
+              </a:ext>
+            </a:extLst>
+          </p:cNvPr>
+          <p:cNvSpPr>
+            <a:spLocks noGrp="1" noRot="1" noChangeAspect="1" noMove="1" noResize="1" noEditPoints="1" noAdjustHandles="1" noChangeArrowheads="1" noChangeShapeType="1" noTextEdit="1"/>
+          </p:cNvSpPr>
+          <p:nvPr>
+            <p:extLst>
+              <p:ext uri="{386F3935-93C4-4BCD-93E2-E3B085C9AB24}">
+                <p16:designElem xmlns:p16="http://schemas.microsoft.com/office/powerpoint/2015/main" val="1"/>
+              </p:ext>
+            </p:extLst>
+          </p:nvPr>
+        </p:nvSpPr>
+        <p:spPr>
+          <a:xfrm>
+            <a:off x="0" y="-3"/>
+            <a:ext cx="1373567" cy="6857999"/>
+          </a:xfrm>
+          <a:prstGeom prst="rect">
+            <a:avLst/>
+          </a:prstGeom>
+          <a:gradFill flip="none" rotWithShape="1">
+            <a:gsLst>
+              <a:gs pos="0">
+                <a:schemeClr val="accent1">
+                  <a:alpha val="50000"/>
+                </a:schemeClr>
+              </a:gs>
+              <a:gs pos="81000">
+                <a:schemeClr val="accent4">
+                  <a:alpha val="50000"/>
+                </a:schemeClr>
+              </a:gs>
+              <a:gs pos="25000">
+                <a:schemeClr val="accent2">
+                  <a:alpha val="60000"/>
+                </a:schemeClr>
+              </a:gs>
+              <a:gs pos="50000">
+                <a:schemeClr val="accent3">
+                  <a:alpha val="55000"/>
+                </a:schemeClr>
+              </a:gs>
+              <a:gs pos="99000">
+                <a:schemeClr val="accent5">
+                  <a:alpha val="50000"/>
+                </a:schemeClr>
+              </a:gs>
+            </a:gsLst>
+            <a:path path="circle">
+              <a:fillToRect r="100000" b="100000"/>
+            </a:path>
+            <a:tileRect l="-100000" t="-100000"/>
+          </a:gradFill>
+          <a:ln>
+            <a:noFill/>
+          </a:ln>
+        </p:spPr>
+        <p:style>
+          <a:lnRef idx="2">
+            <a:schemeClr val="accent1">
+              <a:shade val="50000"/>
+            </a:schemeClr>
+          </a:lnRef>
+          <a:fillRef idx="1">
+            <a:schemeClr val="accent1"/>
+          </a:fillRef>
+          <a:effectRef idx="0">
+            <a:schemeClr val="accent1"/>
+          </a:effectRef>
+          <a:fontRef idx="minor">
+            <a:schemeClr val="lt1"/>
+          </a:fontRef>
+        </p:style>
+        <p:txBody>
+          <a:bodyPr rtlCol="0" anchor="ctr"/>
+          <a:lstStyle/>
+          <a:p>
+            <a:pPr lvl="0" algn="ctr"/>
+            <a:endParaRPr lang="en-US"/>
+          </a:p>
+        </p:txBody>
+      </p:sp>
+      <p:sp useBgFill="1">
+        <p:nvSpPr>
+          <p:cNvPr id="7179" name="Rectangle 7178">
+            <a:extLst>
+              <a:ext uri="{FF2B5EF4-FFF2-40B4-BE49-F238E27FC236}">
+                <a16:creationId xmlns:a16="http://schemas.microsoft.com/office/drawing/2014/main" id="{A88F843D-1C1B-C740-AC27-E3238D0F5F47}"/>
+              </a:ext>
+              <a:ext uri="{C183D7F6-B498-43B3-948B-1728B52AA6E4}">
+                <adec:decorative xmlns:adec="http://schemas.microsoft.com/office/drawing/2017/decorative" val="1"/>
+              </a:ext>
+            </a:extLst>
+          </p:cNvPr>
+          <p:cNvSpPr>
+            <a:spLocks noGrp="1" noRot="1" noChangeAspect="1" noMove="1" noResize="1" noEditPoints="1" noAdjustHandles="1" noChangeArrowheads="1" noChangeShapeType="1" noTextEdit="1"/>
+          </p:cNvSpPr>
+          <p:nvPr>
+            <p:extLst>
+              <p:ext uri="{386F3935-93C4-4BCD-93E2-E3B085C9AB24}">
+                <p16:designElem xmlns:p16="http://schemas.microsoft.com/office/powerpoint/2015/main" val="1"/>
+              </p:ext>
+            </p:extLst>
+          </p:nvPr>
+        </p:nvSpPr>
+        <p:spPr>
+          <a:xfrm>
+            <a:off x="0" y="0"/>
+            <a:ext cx="12188952" cy="6858000"/>
+          </a:xfrm>
+          <a:prstGeom prst="rect">
+            <a:avLst/>
+          </a:prstGeom>
+          <a:ln>
+            <a:noFill/>
+          </a:ln>
+        </p:spPr>
+        <p:style>
+          <a:lnRef idx="2">
+            <a:schemeClr val="accent1">
+              <a:shade val="50000"/>
+            </a:schemeClr>
+          </a:lnRef>
+          <a:fillRef idx="1">
+            <a:schemeClr val="accent1"/>
+          </a:fillRef>
+          <a:effectRef idx="0">
+            <a:schemeClr val="accent1"/>
+          </a:effectRef>
+          <a:fontRef idx="minor">
+            <a:schemeClr val="lt1"/>
+          </a:fontRef>
+        </p:style>
+        <p:txBody>
+          <a:bodyPr rtlCol="0" anchor="ctr"/>
+          <a:lstStyle/>
+          <a:p>
+            <a:pPr algn="ctr"/>
+            <a:endParaRPr lang="en-US"/>
+          </a:p>
+        </p:txBody>
+      </p:sp>
+      <p:sp>
+        <p:nvSpPr>
+          <p:cNvPr id="7181" name="Rectangle 7180">
+            <a:extLst>
+              <a:ext uri="{FF2B5EF4-FFF2-40B4-BE49-F238E27FC236}">
+                <a16:creationId xmlns:a16="http://schemas.microsoft.com/office/drawing/2014/main" id="{D5B0F748-7FA7-4DDF-89A3-7F1D8EE1F7C0}"/>
+              </a:ext>
+              <a:ext uri="{C183D7F6-B498-43B3-948B-1728B52AA6E4}">
+                <adec:decorative xmlns:adec="http://schemas.microsoft.com/office/drawing/2017/decorative" val="1"/>
+              </a:ext>
+            </a:extLst>
+          </p:cNvPr>
+          <p:cNvSpPr>
+            <a:spLocks noGrp="1" noRot="1" noChangeAspect="1" noMove="1" noResize="1" noEditPoints="1" noAdjustHandles="1" noChangeArrowheads="1" noChangeShapeType="1" noTextEdit="1"/>
+          </p:cNvSpPr>
+          <p:nvPr>
+            <p:extLst>
+              <p:ext uri="{386F3935-93C4-4BCD-93E2-E3B085C9AB24}">
+                <p16:designElem xmlns:p16="http://schemas.microsoft.com/office/powerpoint/2015/main" val="1"/>
+              </p:ext>
+            </p:extLst>
+          </p:nvPr>
+        </p:nvSpPr>
+        <p:spPr>
+          <a:xfrm>
+            <a:off x="0" y="565153"/>
+            <a:ext cx="1133856" cy="6292847"/>
+          </a:xfrm>
+          <a:prstGeom prst="rect">
+            <a:avLst/>
+          </a:prstGeom>
+          <a:gradFill flip="none" rotWithShape="1">
+            <a:gsLst>
+              <a:gs pos="0">
+                <a:schemeClr val="accent1">
+                  <a:alpha val="50000"/>
+                </a:schemeClr>
+              </a:gs>
+              <a:gs pos="81000">
+                <a:schemeClr val="accent4">
+                  <a:alpha val="50000"/>
+                </a:schemeClr>
+              </a:gs>
+              <a:gs pos="25000">
+                <a:schemeClr val="accent2">
+                  <a:alpha val="60000"/>
+                </a:schemeClr>
+              </a:gs>
+              <a:gs pos="50000">
+                <a:schemeClr val="accent3">
+                  <a:alpha val="55000"/>
+                </a:schemeClr>
+              </a:gs>
+              <a:gs pos="99000">
+                <a:schemeClr val="accent5">
+                  <a:alpha val="50000"/>
+                </a:schemeClr>
+              </a:gs>
+            </a:gsLst>
+            <a:path path="circle">
+              <a:fillToRect r="100000" b="100000"/>
+            </a:path>
+            <a:tileRect l="-100000" t="-100000"/>
+          </a:gradFill>
+          <a:ln>
+            <a:noFill/>
+          </a:ln>
+        </p:spPr>
+        <p:style>
+          <a:lnRef idx="2">
+            <a:schemeClr val="accent1">
+              <a:shade val="50000"/>
+            </a:schemeClr>
+          </a:lnRef>
+          <a:fillRef idx="1">
+            <a:schemeClr val="accent1"/>
+          </a:fillRef>
+          <a:effectRef idx="0">
+            <a:schemeClr val="accent1"/>
+          </a:effectRef>
+          <a:fontRef idx="minor">
+            <a:schemeClr val="lt1"/>
+          </a:fontRef>
+        </p:style>
+        <p:txBody>
+          <a:bodyPr rtlCol="0" anchor="ctr"/>
+          <a:lstStyle/>
+          <a:p>
+            <a:pPr algn="ctr"/>
+            <a:endParaRPr lang="en-US"/>
+          </a:p>
+        </p:txBody>
+      </p:sp>
+      <p:sp>
+        <p:nvSpPr>
+          <p:cNvPr id="7183" name="Rectangle 7182">
+            <a:extLst>
+              <a:ext uri="{FF2B5EF4-FFF2-40B4-BE49-F238E27FC236}">
+                <a16:creationId xmlns:a16="http://schemas.microsoft.com/office/drawing/2014/main" id="{1903E872-C07A-4030-B584-D321D40CABB6}"/>
+              </a:ext>
+              <a:ext uri="{C183D7F6-B498-43B3-948B-1728B52AA6E4}">
+                <adec:decorative xmlns:adec="http://schemas.microsoft.com/office/drawing/2017/decorative" val="1"/>
+              </a:ext>
+            </a:extLst>
+          </p:cNvPr>
+          <p:cNvSpPr>
+            <a:spLocks noGrp="1" noRot="1" noChangeAspect="1" noMove="1" noResize="1" noEditPoints="1" noAdjustHandles="1" noChangeArrowheads="1" noChangeShapeType="1" noTextEdit="1"/>
+          </p:cNvSpPr>
+          <p:nvPr>
+            <p:extLst>
+              <p:ext uri="{386F3935-93C4-4BCD-93E2-E3B085C9AB24}">
+                <p16:designElem xmlns:p16="http://schemas.microsoft.com/office/powerpoint/2015/main" val="1"/>
+              </p:ext>
+            </p:extLst>
+          </p:nvPr>
+        </p:nvSpPr>
+        <p:spPr>
+          <a:xfrm>
+            <a:off x="0" y="1"/>
+            <a:ext cx="565150" cy="6857999"/>
+          </a:xfrm>
+          <a:prstGeom prst="rect">
+            <a:avLst/>
+          </a:prstGeom>
+          <a:gradFill flip="none" rotWithShape="1">
+            <a:gsLst>
+              <a:gs pos="0">
+                <a:schemeClr val="accent1">
+                  <a:alpha val="50000"/>
+                </a:schemeClr>
+              </a:gs>
+              <a:gs pos="81000">
+                <a:schemeClr val="accent4">
+                  <a:alpha val="50000"/>
+                </a:schemeClr>
+              </a:gs>
+              <a:gs pos="25000">
+                <a:schemeClr val="accent2">
+                  <a:alpha val="60000"/>
+                </a:schemeClr>
+              </a:gs>
+              <a:gs pos="49000">
+                <a:schemeClr val="accent3">
+                  <a:alpha val="55000"/>
+                </a:schemeClr>
+              </a:gs>
+              <a:gs pos="99000">
+                <a:schemeClr val="accent5">
+                  <a:alpha val="50000"/>
+                </a:schemeClr>
+              </a:gs>
+            </a:gsLst>
+            <a:path path="circle">
+              <a:fillToRect r="100000" b="100000"/>
+            </a:path>
+            <a:tileRect l="-100000" t="-100000"/>
+          </a:gradFill>
+          <a:ln>
+            <a:noFill/>
+          </a:ln>
+        </p:spPr>
+        <p:style>
+          <a:lnRef idx="2">
+            <a:schemeClr val="accent1">
+              <a:shade val="50000"/>
+            </a:schemeClr>
+          </a:lnRef>
+          <a:fillRef idx="1">
+            <a:schemeClr val="accent1"/>
+          </a:fillRef>
+          <a:effectRef idx="0">
+            <a:schemeClr val="accent1"/>
+          </a:effectRef>
+          <a:fontRef idx="minor">
+            <a:schemeClr val="lt1"/>
+          </a:fontRef>
+        </p:style>
+        <p:txBody>
+          <a:bodyPr rtlCol="0" anchor="ctr"/>
+          <a:lstStyle/>
+          <a:p>
+            <a:pPr algn="ctr"/>
+            <a:endParaRPr lang="en-US"/>
+          </a:p>
+        </p:txBody>
+      </p:sp>
+      <p:sp>
+        <p:nvSpPr>
+          <p:cNvPr id="2" name="Tytuł 1">
+            <a:extLst>
+              <a:ext uri="{FF2B5EF4-FFF2-40B4-BE49-F238E27FC236}">
+                <a16:creationId xmlns:a16="http://schemas.microsoft.com/office/drawing/2014/main" id="{D0116657-1AB9-2E50-90D8-2ED60C64CA99}"/>
+              </a:ext>
+            </a:extLst>
+          </p:cNvPr>
+          <p:cNvSpPr>
+            <a:spLocks noGrp="1"/>
+          </p:cNvSpPr>
+          <p:nvPr>
+            <p:ph type="title"/>
+          </p:nvPr>
+        </p:nvSpPr>
+        <p:spPr>
+          <a:xfrm>
+            <a:off x="1777321" y="4309024"/>
+            <a:ext cx="9677833" cy="1134452"/>
+          </a:xfrm>
+        </p:spPr>
+        <p:txBody>
+          <a:bodyPr vert="horz" lIns="91440" tIns="45720" rIns="91440" bIns="45720" rtlCol="0" anchor="ctr">
+            <a:normAutofit/>
+          </a:bodyPr>
+          <a:lstStyle/>
+          <a:p>
+            <a:pPr algn="ctr">
+              <a:lnSpc>
+                <a:spcPct val="90000"/>
+              </a:lnSpc>
+            </a:pPr>
+            <a:r>
+              <a:rPr lang="en-US" sz="2900"/>
+              <a:t>How well does the app meet your needs for F1-related discussions and community interaction?</a:t>
+            </a:r>
+          </a:p>
+        </p:txBody>
+      </p:sp>
+      <p:pic>
+        <p:nvPicPr>
+          <p:cNvPr id="7170" name="Picture 2" descr="Wykres odpowiedzi z Formularzy. Tytuł pytania: 5. How well does the app meet your needs for F1-related discussions and community interaction?. Liczba odpowiedzi: 35 odpowiedzi.">
+            <a:extLst>
+              <a:ext uri="{FF2B5EF4-FFF2-40B4-BE49-F238E27FC236}">
+                <a16:creationId xmlns:a16="http://schemas.microsoft.com/office/drawing/2014/main" id="{599D3FC3-F3B4-8534-A7EE-C3EDA3AB6FDF}"/>
+              </a:ext>
+            </a:extLst>
+          </p:cNvPr>
+          <p:cNvPicPr>
+            <a:picLocks noGrp="1" noChangeAspect="1" noChangeArrowheads="1"/>
+          </p:cNvPicPr>
+          <p:nvPr>
+            <p:ph idx="1"/>
+          </p:nvPr>
+        </p:nvPicPr>
+        <p:blipFill>
+          <a:blip r:embed="rId2">
+            <a:extLst>
+              <a:ext uri="{28A0092B-C50C-407E-A947-70E740481C1C}">
+                <a14:useLocalDpi xmlns:a14="http://schemas.microsoft.com/office/drawing/2010/main" val="0"/>
+              </a:ext>
+            </a:extLst>
+          </a:blip>
+          <a:stretch>
+            <a:fillRect/>
+          </a:stretch>
+        </p:blipFill>
+        <p:spPr bwMode="auto">
+          <a:xfrm>
+            <a:off x="3206788" y="627797"/>
+            <a:ext cx="6818902" cy="3238979"/>
+          </a:xfrm>
+          <a:prstGeom prst="rect">
+            <a:avLst/>
+          </a:prstGeom>
+          <a:noFill/>
+          <a:extLst>
+            <a:ext uri="{909E8E84-426E-40DD-AFC4-6F175D3DCCD1}">
+              <a14:hiddenFill xmlns:a14="http://schemas.microsoft.com/office/drawing/2010/main">
+                <a:solidFill>
+                  <a:srgbClr val="FFFFFF"/>
+                </a:solidFill>
+              </a14:hiddenFill>
+            </a:ext>
+          </a:extLst>
+        </p:spPr>
+      </p:pic>
+    </p:spTree>
+    <p:extLst>
+      <p:ext uri="{BB962C8B-B14F-4D97-AF65-F5344CB8AC3E}">
+        <p14:creationId xmlns:p14="http://schemas.microsoft.com/office/powerpoint/2010/main" val="1244307137"/>
+      </p:ext>
+    </p:extLst>
+  </p:cSld>
+  <p:clrMapOvr>
+    <a:masterClrMapping/>
+  </p:clrMapOvr>
+</p:sld>
+</file>
+
+<file path=ppt/slides/slide16.xml><?xml version="1.0" encoding="utf-8"?>
+<p:sld xmlns:a="http://schemas.openxmlformats.org/drawingml/2006/main" xmlns:r="http://schemas.openxmlformats.org/officeDocument/2006/relationships" xmlns:p="http://schemas.openxmlformats.org/presentationml/2006/main">
+  <p:cSld>
+    <p:bg>
+      <p:bgPr>
+        <a:solidFill>
+          <a:schemeClr val="bg1"/>
+        </a:solidFill>
+        <a:effectLst/>
+      </p:bgPr>
+    </p:bg>
+    <p:spTree>
+      <p:nvGrpSpPr>
+        <p:cNvPr id="1" name=""/>
+        <p:cNvGrpSpPr/>
+        <p:nvPr/>
+      </p:nvGrpSpPr>
+      <p:grpSpPr>
+        <a:xfrm>
+          <a:off x="0" y="0"/>
+          <a:ext cx="0" cy="0"/>
+          <a:chOff x="0" y="0"/>
+          <a:chExt cx="0" cy="0"/>
+        </a:xfrm>
+      </p:grpSpPr>
+      <p:sp>
+        <p:nvSpPr>
+          <p:cNvPr id="8199" name="Rectangle 8198">
+            <a:extLst>
+              <a:ext uri="{FF2B5EF4-FFF2-40B4-BE49-F238E27FC236}">
+                <a16:creationId xmlns:a16="http://schemas.microsoft.com/office/drawing/2014/main" id="{2D03A0B2-4A2F-D846-A5E6-FB7CB9A031F7}"/>
+              </a:ext>
+              <a:ext uri="{C183D7F6-B498-43B3-948B-1728B52AA6E4}">
+                <adec:decorative xmlns:adec="http://schemas.microsoft.com/office/drawing/2017/decorative" val="1"/>
+              </a:ext>
+            </a:extLst>
+          </p:cNvPr>
+          <p:cNvSpPr>
+            <a:spLocks noGrp="1" noRot="1" noChangeAspect="1" noMove="1" noResize="1" noEditPoints="1" noAdjustHandles="1" noChangeArrowheads="1" noChangeShapeType="1" noTextEdit="1"/>
+          </p:cNvSpPr>
+          <p:nvPr>
+            <p:extLst>
+              <p:ext uri="{386F3935-93C4-4BCD-93E2-E3B085C9AB24}">
+                <p16:designElem xmlns:p16="http://schemas.microsoft.com/office/powerpoint/2015/main" val="1"/>
+              </p:ext>
+            </p:extLst>
+          </p:nvPr>
+        </p:nvSpPr>
+        <p:spPr>
+          <a:xfrm>
+            <a:off x="1" y="1375492"/>
+            <a:ext cx="2770698" cy="5482505"/>
+          </a:xfrm>
+          <a:prstGeom prst="rect">
+            <a:avLst/>
+          </a:prstGeom>
+          <a:gradFill flip="none" rotWithShape="1">
+            <a:gsLst>
+              <a:gs pos="0">
+                <a:schemeClr val="accent1">
+                  <a:alpha val="50000"/>
+                </a:schemeClr>
+              </a:gs>
+              <a:gs pos="81000">
+                <a:schemeClr val="accent4">
+                  <a:alpha val="50000"/>
+                </a:schemeClr>
+              </a:gs>
+              <a:gs pos="25000">
+                <a:schemeClr val="accent2">
+                  <a:alpha val="60000"/>
+                </a:schemeClr>
+              </a:gs>
+              <a:gs pos="50000">
+                <a:schemeClr val="accent3">
+                  <a:alpha val="55000"/>
+                </a:schemeClr>
+              </a:gs>
+              <a:gs pos="99000">
+                <a:schemeClr val="accent5">
+                  <a:alpha val="50000"/>
+                </a:schemeClr>
+              </a:gs>
+            </a:gsLst>
+            <a:path path="circle">
+              <a:fillToRect r="100000" b="100000"/>
+            </a:path>
+            <a:tileRect l="-100000" t="-100000"/>
+          </a:gradFill>
+          <a:ln>
+            <a:noFill/>
+          </a:ln>
+        </p:spPr>
+        <p:style>
+          <a:lnRef idx="2">
+            <a:schemeClr val="accent1">
+              <a:shade val="50000"/>
+            </a:schemeClr>
+          </a:lnRef>
+          <a:fillRef idx="1">
+            <a:schemeClr val="accent1"/>
+          </a:fillRef>
+          <a:effectRef idx="0">
+            <a:schemeClr val="accent1"/>
+          </a:effectRef>
+          <a:fontRef idx="minor">
+            <a:schemeClr val="lt1"/>
+          </a:fontRef>
+        </p:style>
+        <p:txBody>
+          <a:bodyPr rtlCol="0" anchor="ctr"/>
+          <a:lstStyle/>
+          <a:p>
+            <a:pPr lvl="0" algn="ctr"/>
+            <a:endParaRPr lang="en-US"/>
+          </a:p>
+        </p:txBody>
+      </p:sp>
+      <p:sp>
+        <p:nvSpPr>
+          <p:cNvPr id="8201" name="Rectangle 8200">
+            <a:extLst>
+              <a:ext uri="{FF2B5EF4-FFF2-40B4-BE49-F238E27FC236}">
+                <a16:creationId xmlns:a16="http://schemas.microsoft.com/office/drawing/2014/main" id="{7F573F1D-73A7-FB41-BCAD-FC9AA7DEF4F5}"/>
+              </a:ext>
+              <a:ext uri="{C183D7F6-B498-43B3-948B-1728B52AA6E4}">
+                <adec:decorative xmlns:adec="http://schemas.microsoft.com/office/drawing/2017/decorative" val="1"/>
+              </a:ext>
+            </a:extLst>
+          </p:cNvPr>
+          <p:cNvSpPr>
+            <a:spLocks noGrp="1" noRot="1" noChangeAspect="1" noMove="1" noResize="1" noEditPoints="1" noAdjustHandles="1" noChangeArrowheads="1" noChangeShapeType="1" noTextEdit="1"/>
+          </p:cNvSpPr>
+          <p:nvPr>
+            <p:extLst>
+              <p:ext uri="{386F3935-93C4-4BCD-93E2-E3B085C9AB24}">
+                <p16:designElem xmlns:p16="http://schemas.microsoft.com/office/powerpoint/2015/main" val="1"/>
+              </p:ext>
+            </p:extLst>
+          </p:nvPr>
+        </p:nvSpPr>
+        <p:spPr>
+          <a:xfrm>
+            <a:off x="0" y="-3"/>
+            <a:ext cx="1373567" cy="6857999"/>
+          </a:xfrm>
+          <a:prstGeom prst="rect">
+            <a:avLst/>
+          </a:prstGeom>
+          <a:gradFill flip="none" rotWithShape="1">
+            <a:gsLst>
+              <a:gs pos="0">
+                <a:schemeClr val="accent1">
+                  <a:alpha val="50000"/>
+                </a:schemeClr>
+              </a:gs>
+              <a:gs pos="81000">
+                <a:schemeClr val="accent4">
+                  <a:alpha val="50000"/>
+                </a:schemeClr>
+              </a:gs>
+              <a:gs pos="25000">
+                <a:schemeClr val="accent2">
+                  <a:alpha val="60000"/>
+                </a:schemeClr>
+              </a:gs>
+              <a:gs pos="50000">
+                <a:schemeClr val="accent3">
+                  <a:alpha val="55000"/>
+                </a:schemeClr>
+              </a:gs>
+              <a:gs pos="99000">
+                <a:schemeClr val="accent5">
+                  <a:alpha val="50000"/>
+                </a:schemeClr>
+              </a:gs>
+            </a:gsLst>
+            <a:path path="circle">
+              <a:fillToRect r="100000" b="100000"/>
+            </a:path>
+            <a:tileRect l="-100000" t="-100000"/>
+          </a:gradFill>
+          <a:ln>
+            <a:noFill/>
+          </a:ln>
+        </p:spPr>
+        <p:style>
+          <a:lnRef idx="2">
+            <a:schemeClr val="accent1">
+              <a:shade val="50000"/>
+            </a:schemeClr>
+          </a:lnRef>
+          <a:fillRef idx="1">
+            <a:schemeClr val="accent1"/>
+          </a:fillRef>
+          <a:effectRef idx="0">
+            <a:schemeClr val="accent1"/>
+          </a:effectRef>
+          <a:fontRef idx="minor">
+            <a:schemeClr val="lt1"/>
+          </a:fontRef>
+        </p:style>
+        <p:txBody>
+          <a:bodyPr rtlCol="0" anchor="ctr"/>
+          <a:lstStyle/>
+          <a:p>
+            <a:pPr lvl="0" algn="ctr"/>
+            <a:endParaRPr lang="en-US"/>
+          </a:p>
+        </p:txBody>
+      </p:sp>
+      <p:sp useBgFill="1">
+        <p:nvSpPr>
+          <p:cNvPr id="8203" name="Rectangle 8202">
+            <a:extLst>
+              <a:ext uri="{FF2B5EF4-FFF2-40B4-BE49-F238E27FC236}">
+                <a16:creationId xmlns:a16="http://schemas.microsoft.com/office/drawing/2014/main" id="{A88F843D-1C1B-C740-AC27-E3238D0F5F47}"/>
+              </a:ext>
+              <a:ext uri="{C183D7F6-B498-43B3-948B-1728B52AA6E4}">
+                <adec:decorative xmlns:adec="http://schemas.microsoft.com/office/drawing/2017/decorative" val="1"/>
+              </a:ext>
+            </a:extLst>
+          </p:cNvPr>
+          <p:cNvSpPr>
+            <a:spLocks noGrp="1" noRot="1" noChangeAspect="1" noMove="1" noResize="1" noEditPoints="1" noAdjustHandles="1" noChangeArrowheads="1" noChangeShapeType="1" noTextEdit="1"/>
+          </p:cNvSpPr>
+          <p:nvPr>
+            <p:extLst>
+              <p:ext uri="{386F3935-93C4-4BCD-93E2-E3B085C9AB24}">
+                <p16:designElem xmlns:p16="http://schemas.microsoft.com/office/powerpoint/2015/main" val="1"/>
+              </p:ext>
+            </p:extLst>
+          </p:nvPr>
+        </p:nvSpPr>
+        <p:spPr>
+          <a:xfrm>
+            <a:off x="0" y="0"/>
+            <a:ext cx="12188952" cy="6858000"/>
+          </a:xfrm>
+          <a:prstGeom prst="rect">
+            <a:avLst/>
+          </a:prstGeom>
+          <a:ln>
+            <a:noFill/>
+          </a:ln>
+        </p:spPr>
+        <p:style>
+          <a:lnRef idx="2">
+            <a:schemeClr val="accent1">
+              <a:shade val="50000"/>
+            </a:schemeClr>
+          </a:lnRef>
+          <a:fillRef idx="1">
+            <a:schemeClr val="accent1"/>
+          </a:fillRef>
+          <a:effectRef idx="0">
+            <a:schemeClr val="accent1"/>
+          </a:effectRef>
+          <a:fontRef idx="minor">
+            <a:schemeClr val="lt1"/>
+          </a:fontRef>
+        </p:style>
+        <p:txBody>
+          <a:bodyPr rtlCol="0" anchor="ctr"/>
+          <a:lstStyle/>
+          <a:p>
+            <a:pPr algn="ctr"/>
+            <a:endParaRPr lang="en-US"/>
+          </a:p>
+        </p:txBody>
+      </p:sp>
+      <p:sp>
+        <p:nvSpPr>
+          <p:cNvPr id="8205" name="Rectangle 8204">
+            <a:extLst>
+              <a:ext uri="{FF2B5EF4-FFF2-40B4-BE49-F238E27FC236}">
+                <a16:creationId xmlns:a16="http://schemas.microsoft.com/office/drawing/2014/main" id="{D5B0F748-7FA7-4DDF-89A3-7F1D8EE1F7C0}"/>
+              </a:ext>
+              <a:ext uri="{C183D7F6-B498-43B3-948B-1728B52AA6E4}">
+                <adec:decorative xmlns:adec="http://schemas.microsoft.com/office/drawing/2017/decorative" val="1"/>
+              </a:ext>
+            </a:extLst>
+          </p:cNvPr>
+          <p:cNvSpPr>
+            <a:spLocks noGrp="1" noRot="1" noChangeAspect="1" noMove="1" noResize="1" noEditPoints="1" noAdjustHandles="1" noChangeArrowheads="1" noChangeShapeType="1" noTextEdit="1"/>
+          </p:cNvSpPr>
+          <p:nvPr>
+            <p:extLst>
+              <p:ext uri="{386F3935-93C4-4BCD-93E2-E3B085C9AB24}">
+                <p16:designElem xmlns:p16="http://schemas.microsoft.com/office/powerpoint/2015/main" val="1"/>
+              </p:ext>
+            </p:extLst>
+          </p:nvPr>
+        </p:nvSpPr>
+        <p:spPr>
+          <a:xfrm>
+            <a:off x="0" y="565153"/>
+            <a:ext cx="1133856" cy="6292847"/>
+          </a:xfrm>
+          <a:prstGeom prst="rect">
+            <a:avLst/>
+          </a:prstGeom>
+          <a:gradFill flip="none" rotWithShape="1">
+            <a:gsLst>
+              <a:gs pos="0">
+                <a:schemeClr val="accent1">
+                  <a:alpha val="50000"/>
+                </a:schemeClr>
+              </a:gs>
+              <a:gs pos="81000">
+                <a:schemeClr val="accent4">
+                  <a:alpha val="50000"/>
+                </a:schemeClr>
+              </a:gs>
+              <a:gs pos="25000">
+                <a:schemeClr val="accent2">
+                  <a:alpha val="60000"/>
+                </a:schemeClr>
+              </a:gs>
+              <a:gs pos="50000">
+                <a:schemeClr val="accent3">
+                  <a:alpha val="55000"/>
+                </a:schemeClr>
+              </a:gs>
+              <a:gs pos="99000">
+                <a:schemeClr val="accent5">
+                  <a:alpha val="50000"/>
+                </a:schemeClr>
+              </a:gs>
+            </a:gsLst>
+            <a:path path="circle">
+              <a:fillToRect r="100000" b="100000"/>
+            </a:path>
+            <a:tileRect l="-100000" t="-100000"/>
+          </a:gradFill>
+          <a:ln>
+            <a:noFill/>
+          </a:ln>
+        </p:spPr>
+        <p:style>
+          <a:lnRef idx="2">
+            <a:schemeClr val="accent1">
+              <a:shade val="50000"/>
+            </a:schemeClr>
+          </a:lnRef>
+          <a:fillRef idx="1">
+            <a:schemeClr val="accent1"/>
+          </a:fillRef>
+          <a:effectRef idx="0">
+            <a:schemeClr val="accent1"/>
+          </a:effectRef>
+          <a:fontRef idx="minor">
+            <a:schemeClr val="lt1"/>
+          </a:fontRef>
+        </p:style>
+        <p:txBody>
+          <a:bodyPr rtlCol="0" anchor="ctr"/>
+          <a:lstStyle/>
+          <a:p>
+            <a:pPr algn="ctr"/>
+            <a:endParaRPr lang="en-US"/>
+          </a:p>
+        </p:txBody>
+      </p:sp>
+      <p:sp>
+        <p:nvSpPr>
+          <p:cNvPr id="8207" name="Rectangle 8206">
+            <a:extLst>
+              <a:ext uri="{FF2B5EF4-FFF2-40B4-BE49-F238E27FC236}">
+                <a16:creationId xmlns:a16="http://schemas.microsoft.com/office/drawing/2014/main" id="{1903E872-C07A-4030-B584-D321D40CABB6}"/>
+              </a:ext>
+              <a:ext uri="{C183D7F6-B498-43B3-948B-1728B52AA6E4}">
+                <adec:decorative xmlns:adec="http://schemas.microsoft.com/office/drawing/2017/decorative" val="1"/>
+              </a:ext>
+            </a:extLst>
+          </p:cNvPr>
+          <p:cNvSpPr>
+            <a:spLocks noGrp="1" noRot="1" noChangeAspect="1" noMove="1" noResize="1" noEditPoints="1" noAdjustHandles="1" noChangeArrowheads="1" noChangeShapeType="1" noTextEdit="1"/>
+          </p:cNvSpPr>
+          <p:nvPr>
+            <p:extLst>
+              <p:ext uri="{386F3935-93C4-4BCD-93E2-E3B085C9AB24}">
+                <p16:designElem xmlns:p16="http://schemas.microsoft.com/office/powerpoint/2015/main" val="1"/>
+              </p:ext>
+            </p:extLst>
+          </p:nvPr>
+        </p:nvSpPr>
+        <p:spPr>
+          <a:xfrm>
+            <a:off x="0" y="1"/>
+            <a:ext cx="565150" cy="6857999"/>
+          </a:xfrm>
+          <a:prstGeom prst="rect">
+            <a:avLst/>
+          </a:prstGeom>
+          <a:gradFill flip="none" rotWithShape="1">
+            <a:gsLst>
+              <a:gs pos="0">
+                <a:schemeClr val="accent1">
+                  <a:alpha val="50000"/>
+                </a:schemeClr>
+              </a:gs>
+              <a:gs pos="81000">
+                <a:schemeClr val="accent4">
+                  <a:alpha val="50000"/>
+                </a:schemeClr>
+              </a:gs>
+              <a:gs pos="25000">
+                <a:schemeClr val="accent2">
+                  <a:alpha val="60000"/>
+                </a:schemeClr>
+              </a:gs>
+              <a:gs pos="49000">
+                <a:schemeClr val="accent3">
+                  <a:alpha val="55000"/>
+                </a:schemeClr>
+              </a:gs>
+              <a:gs pos="99000">
+                <a:schemeClr val="accent5">
+                  <a:alpha val="50000"/>
+                </a:schemeClr>
+              </a:gs>
+            </a:gsLst>
+            <a:path path="circle">
+              <a:fillToRect r="100000" b="100000"/>
+            </a:path>
+            <a:tileRect l="-100000" t="-100000"/>
+          </a:gradFill>
+          <a:ln>
+            <a:noFill/>
+          </a:ln>
+        </p:spPr>
+        <p:style>
+          <a:lnRef idx="2">
+            <a:schemeClr val="accent1">
+              <a:shade val="50000"/>
+            </a:schemeClr>
+          </a:lnRef>
+          <a:fillRef idx="1">
+            <a:schemeClr val="accent1"/>
+          </a:fillRef>
+          <a:effectRef idx="0">
+            <a:schemeClr val="accent1"/>
+          </a:effectRef>
+          <a:fontRef idx="minor">
+            <a:schemeClr val="lt1"/>
+          </a:fontRef>
+        </p:style>
+        <p:txBody>
+          <a:bodyPr rtlCol="0" anchor="ctr"/>
+          <a:lstStyle/>
+          <a:p>
+            <a:pPr algn="ctr"/>
+            <a:endParaRPr lang="en-US"/>
+          </a:p>
+        </p:txBody>
+      </p:sp>
+      <p:sp>
+        <p:nvSpPr>
+          <p:cNvPr id="2" name="Tytuł 1">
+            <a:extLst>
+              <a:ext uri="{FF2B5EF4-FFF2-40B4-BE49-F238E27FC236}">
+                <a16:creationId xmlns:a16="http://schemas.microsoft.com/office/drawing/2014/main" id="{C8296ADE-2B47-C0D2-522D-942580938187}"/>
+              </a:ext>
+            </a:extLst>
+          </p:cNvPr>
+          <p:cNvSpPr>
+            <a:spLocks noGrp="1"/>
+          </p:cNvSpPr>
+          <p:nvPr>
+            <p:ph type="title"/>
+          </p:nvPr>
+        </p:nvSpPr>
+        <p:spPr>
+          <a:xfrm>
+            <a:off x="1777321" y="4309024"/>
+            <a:ext cx="9677833" cy="1134452"/>
+          </a:xfrm>
+        </p:spPr>
+        <p:txBody>
+          <a:bodyPr vert="horz" lIns="91440" tIns="45720" rIns="91440" bIns="45720" rtlCol="0" anchor="ctr">
+            <a:normAutofit/>
+          </a:bodyPr>
+          <a:lstStyle/>
+          <a:p>
+            <a:pPr algn="ctr">
+              <a:lnSpc>
+                <a:spcPct val="90000"/>
+              </a:lnSpc>
+            </a:pPr>
+            <a:r>
+              <a:rPr lang="en-US" sz="3800"/>
+              <a:t>How satisfied are you with the live race updates and visualizations in the app?</a:t>
+            </a:r>
+          </a:p>
+        </p:txBody>
+      </p:sp>
+      <p:pic>
+        <p:nvPicPr>
+          <p:cNvPr id="8194" name="Picture 2" descr="Wykres odpowiedzi z Formularzy. Tytuł pytania: 6. How satisfied are you with the live race updates and visualizations in the app?. Liczba odpowiedzi: 35 odpowiedzi.">
+            <a:extLst>
+              <a:ext uri="{FF2B5EF4-FFF2-40B4-BE49-F238E27FC236}">
+                <a16:creationId xmlns:a16="http://schemas.microsoft.com/office/drawing/2014/main" id="{3EA27B54-7A43-7302-F996-7584E082D66C}"/>
+              </a:ext>
+            </a:extLst>
+          </p:cNvPr>
+          <p:cNvPicPr>
+            <a:picLocks noGrp="1" noChangeAspect="1" noChangeArrowheads="1"/>
+          </p:cNvPicPr>
+          <p:nvPr>
+            <p:ph idx="1"/>
+          </p:nvPr>
+        </p:nvPicPr>
+        <p:blipFill>
+          <a:blip r:embed="rId2">
+            <a:extLst>
+              <a:ext uri="{28A0092B-C50C-407E-A947-70E740481C1C}">
+                <a14:useLocalDpi xmlns:a14="http://schemas.microsoft.com/office/drawing/2010/main" val="0"/>
+              </a:ext>
+            </a:extLst>
+          </a:blip>
+          <a:stretch>
+            <a:fillRect/>
+          </a:stretch>
+        </p:blipFill>
+        <p:spPr bwMode="auto">
+          <a:xfrm>
+            <a:off x="3206788" y="627797"/>
+            <a:ext cx="6818902" cy="3238979"/>
+          </a:xfrm>
+          <a:prstGeom prst="rect">
+            <a:avLst/>
+          </a:prstGeom>
+          <a:noFill/>
+          <a:extLst>
+            <a:ext uri="{909E8E84-426E-40DD-AFC4-6F175D3DCCD1}">
+              <a14:hiddenFill xmlns:a14="http://schemas.microsoft.com/office/drawing/2010/main">
+                <a:solidFill>
+                  <a:srgbClr val="FFFFFF"/>
+                </a:solidFill>
+              </a14:hiddenFill>
+            </a:ext>
+          </a:extLst>
+        </p:spPr>
+      </p:pic>
+    </p:spTree>
+    <p:extLst>
+      <p:ext uri="{BB962C8B-B14F-4D97-AF65-F5344CB8AC3E}">
+        <p14:creationId xmlns:p14="http://schemas.microsoft.com/office/powerpoint/2010/main" val="201842027"/>
+      </p:ext>
+    </p:extLst>
+  </p:cSld>
+  <p:clrMapOvr>
+    <a:masterClrMapping/>
+  </p:clrMapOvr>
+</p:sld>
+</file>
+
+<file path=ppt/slides/slide17.xml><?xml version="1.0" encoding="utf-8"?>
+<p:sld xmlns:a="http://schemas.openxmlformats.org/drawingml/2006/main" xmlns:r="http://schemas.openxmlformats.org/officeDocument/2006/relationships" xmlns:p="http://schemas.openxmlformats.org/presentationml/2006/main">
+  <p:cSld>
+    <p:spTree>
+      <p:nvGrpSpPr>
+        <p:cNvPr id="1" name=""/>
+        <p:cNvGrpSpPr/>
+        <p:nvPr/>
+      </p:nvGrpSpPr>
+      <p:grpSpPr>
+        <a:xfrm>
+          <a:off x="0" y="0"/>
+          <a:ext cx="0" cy="0"/>
+          <a:chOff x="0" y="0"/>
+          <a:chExt cx="0" cy="0"/>
+        </a:xfrm>
+      </p:grpSpPr>
+      <p:sp>
+        <p:nvSpPr>
+          <p:cNvPr id="2" name="Tytuł 1">
+            <a:extLst>
+              <a:ext uri="{FF2B5EF4-FFF2-40B4-BE49-F238E27FC236}">
+                <a16:creationId xmlns:a16="http://schemas.microsoft.com/office/drawing/2014/main" id="{9A4CF5F2-8670-E2D2-C535-636B8EC6E635}"/>
+              </a:ext>
+            </a:extLst>
+          </p:cNvPr>
+          <p:cNvSpPr>
+            <a:spLocks noGrp="1"/>
+          </p:cNvSpPr>
+          <p:nvPr>
+            <p:ph type="title"/>
+          </p:nvPr>
+        </p:nvSpPr>
+        <p:spPr/>
+        <p:txBody>
+          <a:bodyPr>
+            <a:normAutofit/>
+          </a:bodyPr>
+          <a:lstStyle/>
+          <a:p>
+            <a:r>
+              <a:rPr lang="pl-PL" dirty="0"/>
+              <a:t>Net </a:t>
+            </a:r>
+            <a:r>
+              <a:rPr lang="pl-PL" dirty="0" err="1"/>
+              <a:t>Promoter</a:t>
+            </a:r>
+            <a:r>
+              <a:rPr lang="pl-PL" dirty="0"/>
+              <a:t> </a:t>
+            </a:r>
+            <a:r>
+              <a:rPr lang="pl-PL" dirty="0" err="1"/>
+              <a:t>Score</a:t>
+            </a:r>
+            <a:endParaRPr lang="pl-PL" dirty="0"/>
+          </a:p>
+        </p:txBody>
+      </p:sp>
+      <p:pic>
+        <p:nvPicPr>
+          <p:cNvPr id="5" name="Symbol zastępczy zawartości 4" descr="Obraz zawierający tekst, zrzut ekranu, Czcionka, numer&#10;&#10;Opis wygenerowany automatycznie">
+            <a:extLst>
+              <a:ext uri="{FF2B5EF4-FFF2-40B4-BE49-F238E27FC236}">
+                <a16:creationId xmlns:a16="http://schemas.microsoft.com/office/drawing/2014/main" id="{4D58BA06-800A-0C00-FCCA-5040157B4B0B}"/>
+              </a:ext>
+            </a:extLst>
+          </p:cNvPr>
+          <p:cNvPicPr>
+            <a:picLocks noGrp="1" noChangeAspect="1"/>
+          </p:cNvPicPr>
+          <p:nvPr>
+            <p:ph idx="1"/>
+          </p:nvPr>
+        </p:nvPicPr>
+        <p:blipFill>
+          <a:blip r:embed="rId2">
+            <a:extLst>
+              <a:ext uri="{28A0092B-C50C-407E-A947-70E740481C1C}">
+                <a14:useLocalDpi xmlns:a14="http://schemas.microsoft.com/office/drawing/2010/main" val="0"/>
+              </a:ext>
+            </a:extLst>
+          </a:blip>
+          <a:stretch>
+            <a:fillRect/>
+          </a:stretch>
+        </p:blipFill>
+        <p:spPr>
+          <a:xfrm>
+            <a:off x="2430976" y="2160588"/>
+            <a:ext cx="7799947" cy="3925887"/>
+          </a:xfrm>
+        </p:spPr>
+      </p:pic>
+    </p:spTree>
+    <p:extLst>
+      <p:ext uri="{BB962C8B-B14F-4D97-AF65-F5344CB8AC3E}">
+        <p14:creationId xmlns:p14="http://schemas.microsoft.com/office/powerpoint/2010/main" val="3809648921"/>
+      </p:ext>
+    </p:extLst>
+  </p:cSld>
+  <p:clrMapOvr>
+    <a:masterClrMapping/>
+  </p:clrMapOvr>
+</p:sld>
+</file>
+
+<file path=ppt/slides/slide18.xml><?xml version="1.0" encoding="utf-8"?>
+<p:sld xmlns:a="http://schemas.openxmlformats.org/drawingml/2006/main" xmlns:r="http://schemas.openxmlformats.org/officeDocument/2006/relationships" xmlns:p="http://schemas.openxmlformats.org/presentationml/2006/main">
+  <p:cSld>
+    <p:bg>
+      <p:bgPr>
+        <a:solidFill>
+          <a:schemeClr val="bg1"/>
+        </a:solidFill>
+        <a:effectLst/>
+      </p:bgPr>
+    </p:bg>
+    <p:spTree>
+      <p:nvGrpSpPr>
+        <p:cNvPr id="1" name=""/>
+        <p:cNvGrpSpPr/>
+        <p:nvPr/>
+      </p:nvGrpSpPr>
+      <p:grpSpPr>
+        <a:xfrm>
+          <a:off x="0" y="0"/>
+          <a:ext cx="0" cy="0"/>
+          <a:chOff x="0" y="0"/>
+          <a:chExt cx="0" cy="0"/>
+        </a:xfrm>
+      </p:grpSpPr>
+      <p:sp>
+        <p:nvSpPr>
+          <p:cNvPr id="1031" name="Rectangle 1030">
+            <a:extLst>
+              <a:ext uri="{FF2B5EF4-FFF2-40B4-BE49-F238E27FC236}">
+                <a16:creationId xmlns:a16="http://schemas.microsoft.com/office/drawing/2014/main" id="{2D03A0B2-4A2F-D846-A5E6-FB7CB9A031F7}"/>
+              </a:ext>
+              <a:ext uri="{C183D7F6-B498-43B3-948B-1728B52AA6E4}">
+                <adec:decorative xmlns:adec="http://schemas.microsoft.com/office/drawing/2017/decorative" val="1"/>
+              </a:ext>
+            </a:extLst>
+          </p:cNvPr>
+          <p:cNvSpPr>
+            <a:spLocks noGrp="1" noRot="1" noChangeAspect="1" noMove="1" noResize="1" noEditPoints="1" noAdjustHandles="1" noChangeArrowheads="1" noChangeShapeType="1" noTextEdit="1"/>
+          </p:cNvSpPr>
+          <p:nvPr>
+            <p:extLst>
+              <p:ext uri="{386F3935-93C4-4BCD-93E2-E3B085C9AB24}">
+                <p16:designElem xmlns:p16="http://schemas.microsoft.com/office/powerpoint/2015/main" val="1"/>
+              </p:ext>
+            </p:extLst>
+          </p:nvPr>
+        </p:nvSpPr>
+        <p:spPr>
+          <a:xfrm>
+            <a:off x="1" y="1375492"/>
+            <a:ext cx="2770698" cy="5482505"/>
+          </a:xfrm>
+          <a:prstGeom prst="rect">
+            <a:avLst/>
+          </a:prstGeom>
+          <a:gradFill flip="none" rotWithShape="1">
+            <a:gsLst>
+              <a:gs pos="0">
+                <a:schemeClr val="accent1">
+                  <a:alpha val="50000"/>
+                </a:schemeClr>
+              </a:gs>
+              <a:gs pos="81000">
+                <a:schemeClr val="accent4">
+                  <a:alpha val="50000"/>
+                </a:schemeClr>
+              </a:gs>
+              <a:gs pos="25000">
+                <a:schemeClr val="accent2">
+                  <a:alpha val="60000"/>
+                </a:schemeClr>
+              </a:gs>
+              <a:gs pos="50000">
+                <a:schemeClr val="accent3">
+                  <a:alpha val="55000"/>
+                </a:schemeClr>
+              </a:gs>
+              <a:gs pos="99000">
+                <a:schemeClr val="accent5">
+                  <a:alpha val="50000"/>
+                </a:schemeClr>
+              </a:gs>
+            </a:gsLst>
+            <a:path path="circle">
+              <a:fillToRect r="100000" b="100000"/>
+            </a:path>
+            <a:tileRect l="-100000" t="-100000"/>
+          </a:gradFill>
+          <a:ln>
+            <a:noFill/>
+          </a:ln>
+        </p:spPr>
+        <p:style>
+          <a:lnRef idx="2">
+            <a:schemeClr val="accent1">
+              <a:shade val="50000"/>
+            </a:schemeClr>
+          </a:lnRef>
+          <a:fillRef idx="1">
+            <a:schemeClr val="accent1"/>
+          </a:fillRef>
+          <a:effectRef idx="0">
+            <a:schemeClr val="accent1"/>
+          </a:effectRef>
+          <a:fontRef idx="minor">
+            <a:schemeClr val="lt1"/>
+          </a:fontRef>
+        </p:style>
+        <p:txBody>
+          <a:bodyPr rtlCol="0" anchor="ctr"/>
+          <a:lstStyle/>
+          <a:p>
+            <a:pPr lvl="0" algn="ctr"/>
+            <a:endParaRPr lang="en-US"/>
+          </a:p>
+        </p:txBody>
+      </p:sp>
+      <p:sp>
+        <p:nvSpPr>
+          <p:cNvPr id="1033" name="Rectangle 1032">
+            <a:extLst>
+              <a:ext uri="{FF2B5EF4-FFF2-40B4-BE49-F238E27FC236}">
+                <a16:creationId xmlns:a16="http://schemas.microsoft.com/office/drawing/2014/main" id="{7F573F1D-73A7-FB41-BCAD-FC9AA7DEF4F5}"/>
+              </a:ext>
+              <a:ext uri="{C183D7F6-B498-43B3-948B-1728B52AA6E4}">
+                <adec:decorative xmlns:adec="http://schemas.microsoft.com/office/drawing/2017/decorative" val="1"/>
+              </a:ext>
+            </a:extLst>
+          </p:cNvPr>
+          <p:cNvSpPr>
+            <a:spLocks noGrp="1" noRot="1" noChangeAspect="1" noMove="1" noResize="1" noEditPoints="1" noAdjustHandles="1" noChangeArrowheads="1" noChangeShapeType="1" noTextEdit="1"/>
+          </p:cNvSpPr>
+          <p:nvPr>
+            <p:extLst>
+              <p:ext uri="{386F3935-93C4-4BCD-93E2-E3B085C9AB24}">
+                <p16:designElem xmlns:p16="http://schemas.microsoft.com/office/powerpoint/2015/main" val="1"/>
+              </p:ext>
+            </p:extLst>
+          </p:nvPr>
+        </p:nvSpPr>
+        <p:spPr>
+          <a:xfrm>
+            <a:off x="0" y="-3"/>
+            <a:ext cx="1373567" cy="6857999"/>
+          </a:xfrm>
+          <a:prstGeom prst="rect">
+            <a:avLst/>
+          </a:prstGeom>
+          <a:gradFill flip="none" rotWithShape="1">
+            <a:gsLst>
+              <a:gs pos="0">
+                <a:schemeClr val="accent1">
+                  <a:alpha val="50000"/>
+                </a:schemeClr>
+              </a:gs>
+              <a:gs pos="81000">
+                <a:schemeClr val="accent4">
+                  <a:alpha val="50000"/>
+                </a:schemeClr>
+              </a:gs>
+              <a:gs pos="25000">
+                <a:schemeClr val="accent2">
+                  <a:alpha val="60000"/>
+                </a:schemeClr>
+              </a:gs>
+              <a:gs pos="50000">
+                <a:schemeClr val="accent3">
+                  <a:alpha val="55000"/>
+                </a:schemeClr>
+              </a:gs>
+              <a:gs pos="99000">
+                <a:schemeClr val="accent5">
+                  <a:alpha val="50000"/>
+                </a:schemeClr>
+              </a:gs>
+            </a:gsLst>
+            <a:path path="circle">
+              <a:fillToRect r="100000" b="100000"/>
+            </a:path>
+            <a:tileRect l="-100000" t="-100000"/>
+          </a:gradFill>
+          <a:ln>
+            <a:noFill/>
+          </a:ln>
+        </p:spPr>
+        <p:style>
+          <a:lnRef idx="2">
+            <a:schemeClr val="accent1">
+              <a:shade val="50000"/>
+            </a:schemeClr>
+          </a:lnRef>
+          <a:fillRef idx="1">
+            <a:schemeClr val="accent1"/>
+          </a:fillRef>
+          <a:effectRef idx="0">
+            <a:schemeClr val="accent1"/>
+          </a:effectRef>
+          <a:fontRef idx="minor">
+            <a:schemeClr val="lt1"/>
+          </a:fontRef>
+        </p:style>
+        <p:txBody>
+          <a:bodyPr rtlCol="0" anchor="ctr"/>
+          <a:lstStyle/>
+          <a:p>
+            <a:pPr lvl="0" algn="ctr"/>
+            <a:endParaRPr lang="en-US"/>
+          </a:p>
+        </p:txBody>
+      </p:sp>
+      <p:sp useBgFill="1">
+        <p:nvSpPr>
+          <p:cNvPr id="1035" name="Rectangle 1034">
+            <a:extLst>
+              <a:ext uri="{FF2B5EF4-FFF2-40B4-BE49-F238E27FC236}">
+                <a16:creationId xmlns:a16="http://schemas.microsoft.com/office/drawing/2014/main" id="{A88F843D-1C1B-C740-AC27-E3238D0F5F47}"/>
+              </a:ext>
+              <a:ext uri="{C183D7F6-B498-43B3-948B-1728B52AA6E4}">
+                <adec:decorative xmlns:adec="http://schemas.microsoft.com/office/drawing/2017/decorative" val="1"/>
+              </a:ext>
+            </a:extLst>
+          </p:cNvPr>
+          <p:cNvSpPr>
+            <a:spLocks noGrp="1" noRot="1" noChangeAspect="1" noMove="1" noResize="1" noEditPoints="1" noAdjustHandles="1" noChangeArrowheads="1" noChangeShapeType="1" noTextEdit="1"/>
+          </p:cNvSpPr>
+          <p:nvPr>
+            <p:extLst>
+              <p:ext uri="{386F3935-93C4-4BCD-93E2-E3B085C9AB24}">
+                <p16:designElem xmlns:p16="http://schemas.microsoft.com/office/powerpoint/2015/main" val="1"/>
+              </p:ext>
+            </p:extLst>
+          </p:nvPr>
+        </p:nvSpPr>
+        <p:spPr>
+          <a:xfrm>
+            <a:off x="0" y="0"/>
+            <a:ext cx="12188952" cy="6858000"/>
+          </a:xfrm>
+          <a:prstGeom prst="rect">
+            <a:avLst/>
+          </a:prstGeom>
+          <a:ln>
+            <a:noFill/>
+          </a:ln>
+        </p:spPr>
+        <p:style>
+          <a:lnRef idx="2">
+            <a:schemeClr val="accent1">
+              <a:shade val="50000"/>
+            </a:schemeClr>
+          </a:lnRef>
+          <a:fillRef idx="1">
+            <a:schemeClr val="accent1"/>
+          </a:fillRef>
+          <a:effectRef idx="0">
+            <a:schemeClr val="accent1"/>
+          </a:effectRef>
+          <a:fontRef idx="minor">
+            <a:schemeClr val="lt1"/>
+          </a:fontRef>
+        </p:style>
+        <p:txBody>
+          <a:bodyPr rtlCol="0" anchor="ctr"/>
+          <a:lstStyle/>
+          <a:p>
+            <a:pPr algn="ctr"/>
+            <a:endParaRPr lang="en-US"/>
+          </a:p>
+        </p:txBody>
+      </p:sp>
+      <p:sp>
+        <p:nvSpPr>
+          <p:cNvPr id="1037" name="Rectangle 1036">
+            <a:extLst>
+              <a:ext uri="{FF2B5EF4-FFF2-40B4-BE49-F238E27FC236}">
+                <a16:creationId xmlns:a16="http://schemas.microsoft.com/office/drawing/2014/main" id="{D5B0F748-7FA7-4DDF-89A3-7F1D8EE1F7C0}"/>
+              </a:ext>
+              <a:ext uri="{C183D7F6-B498-43B3-948B-1728B52AA6E4}">
+                <adec:decorative xmlns:adec="http://schemas.microsoft.com/office/drawing/2017/decorative" val="1"/>
+              </a:ext>
+            </a:extLst>
+          </p:cNvPr>
+          <p:cNvSpPr>
+            <a:spLocks noGrp="1" noRot="1" noChangeAspect="1" noMove="1" noResize="1" noEditPoints="1" noAdjustHandles="1" noChangeArrowheads="1" noChangeShapeType="1" noTextEdit="1"/>
+          </p:cNvSpPr>
+          <p:nvPr>
+            <p:extLst>
+              <p:ext uri="{386F3935-93C4-4BCD-93E2-E3B085C9AB24}">
+                <p16:designElem xmlns:p16="http://schemas.microsoft.com/office/powerpoint/2015/main" val="1"/>
+              </p:ext>
+            </p:extLst>
+          </p:nvPr>
+        </p:nvSpPr>
+        <p:spPr>
+          <a:xfrm>
+            <a:off x="0" y="565153"/>
+            <a:ext cx="1133856" cy="6292847"/>
+          </a:xfrm>
+          <a:prstGeom prst="rect">
+            <a:avLst/>
+          </a:prstGeom>
+          <a:gradFill flip="none" rotWithShape="1">
+            <a:gsLst>
+              <a:gs pos="0">
+                <a:schemeClr val="accent1">
+                  <a:alpha val="50000"/>
+                </a:schemeClr>
+              </a:gs>
+              <a:gs pos="81000">
+                <a:schemeClr val="accent4">
+                  <a:alpha val="50000"/>
+                </a:schemeClr>
+              </a:gs>
+              <a:gs pos="25000">
+                <a:schemeClr val="accent2">
+                  <a:alpha val="60000"/>
+                </a:schemeClr>
+              </a:gs>
+              <a:gs pos="50000">
+                <a:schemeClr val="accent3">
+                  <a:alpha val="55000"/>
+                </a:schemeClr>
+              </a:gs>
+              <a:gs pos="99000">
+                <a:schemeClr val="accent5">
+                  <a:alpha val="50000"/>
+                </a:schemeClr>
+              </a:gs>
+            </a:gsLst>
+            <a:path path="circle">
+              <a:fillToRect r="100000" b="100000"/>
+            </a:path>
+            <a:tileRect l="-100000" t="-100000"/>
+          </a:gradFill>
+          <a:ln>
+            <a:noFill/>
+          </a:ln>
+        </p:spPr>
+        <p:style>
+          <a:lnRef idx="2">
+            <a:schemeClr val="accent1">
+              <a:shade val="50000"/>
+            </a:schemeClr>
+          </a:lnRef>
+          <a:fillRef idx="1">
+            <a:schemeClr val="accent1"/>
+          </a:fillRef>
+          <a:effectRef idx="0">
+            <a:schemeClr val="accent1"/>
+          </a:effectRef>
+          <a:fontRef idx="minor">
+            <a:schemeClr val="lt1"/>
+          </a:fontRef>
+        </p:style>
+        <p:txBody>
+          <a:bodyPr rtlCol="0" anchor="ctr"/>
+          <a:lstStyle/>
+          <a:p>
+            <a:pPr algn="ctr"/>
+            <a:endParaRPr lang="en-US"/>
+          </a:p>
+        </p:txBody>
+      </p:sp>
+      <p:sp>
+        <p:nvSpPr>
+          <p:cNvPr id="1039" name="Rectangle 1038">
+            <a:extLst>
+              <a:ext uri="{FF2B5EF4-FFF2-40B4-BE49-F238E27FC236}">
+                <a16:creationId xmlns:a16="http://schemas.microsoft.com/office/drawing/2014/main" id="{1903E872-C07A-4030-B584-D321D40CABB6}"/>
+              </a:ext>
+              <a:ext uri="{C183D7F6-B498-43B3-948B-1728B52AA6E4}">
+                <adec:decorative xmlns:adec="http://schemas.microsoft.com/office/drawing/2017/decorative" val="1"/>
+              </a:ext>
+            </a:extLst>
+          </p:cNvPr>
+          <p:cNvSpPr>
+            <a:spLocks noGrp="1" noRot="1" noChangeAspect="1" noMove="1" noResize="1" noEditPoints="1" noAdjustHandles="1" noChangeArrowheads="1" noChangeShapeType="1" noTextEdit="1"/>
+          </p:cNvSpPr>
+          <p:nvPr>
+            <p:extLst>
+              <p:ext uri="{386F3935-93C4-4BCD-93E2-E3B085C9AB24}">
+                <p16:designElem xmlns:p16="http://schemas.microsoft.com/office/powerpoint/2015/main" val="1"/>
+              </p:ext>
+            </p:extLst>
+          </p:nvPr>
+        </p:nvSpPr>
+        <p:spPr>
+          <a:xfrm>
+            <a:off x="0" y="1"/>
+            <a:ext cx="565150" cy="6857999"/>
+          </a:xfrm>
+          <a:prstGeom prst="rect">
+            <a:avLst/>
+          </a:prstGeom>
+          <a:gradFill flip="none" rotWithShape="1">
+            <a:gsLst>
+              <a:gs pos="0">
+                <a:schemeClr val="accent1">
+                  <a:alpha val="50000"/>
+                </a:schemeClr>
+              </a:gs>
+              <a:gs pos="81000">
+                <a:schemeClr val="accent4">
+                  <a:alpha val="50000"/>
+                </a:schemeClr>
+              </a:gs>
+              <a:gs pos="25000">
+                <a:schemeClr val="accent2">
+                  <a:alpha val="60000"/>
+                </a:schemeClr>
+              </a:gs>
+              <a:gs pos="49000">
+                <a:schemeClr val="accent3">
+                  <a:alpha val="55000"/>
+                </a:schemeClr>
+              </a:gs>
+              <a:gs pos="99000">
+                <a:schemeClr val="accent5">
+                  <a:alpha val="50000"/>
+                </a:schemeClr>
+              </a:gs>
+            </a:gsLst>
+            <a:path path="circle">
+              <a:fillToRect r="100000" b="100000"/>
+            </a:path>
+            <a:tileRect l="-100000" t="-100000"/>
+          </a:gradFill>
+          <a:ln>
+            <a:noFill/>
+          </a:ln>
+        </p:spPr>
+        <p:style>
+          <a:lnRef idx="2">
+            <a:schemeClr val="accent1">
+              <a:shade val="50000"/>
+            </a:schemeClr>
+          </a:lnRef>
+          <a:fillRef idx="1">
+            <a:schemeClr val="accent1"/>
+          </a:fillRef>
+          <a:effectRef idx="0">
+            <a:schemeClr val="accent1"/>
+          </a:effectRef>
+          <a:fontRef idx="minor">
+            <a:schemeClr val="lt1"/>
+          </a:fontRef>
+        </p:style>
+        <p:txBody>
+          <a:bodyPr rtlCol="0" anchor="ctr"/>
+          <a:lstStyle/>
+          <a:p>
+            <a:pPr algn="ctr"/>
+            <a:endParaRPr lang="en-US"/>
+          </a:p>
+        </p:txBody>
+      </p:sp>
+      <p:sp>
+        <p:nvSpPr>
+          <p:cNvPr id="2" name="Tytuł 1">
+            <a:extLst>
+              <a:ext uri="{FF2B5EF4-FFF2-40B4-BE49-F238E27FC236}">
+                <a16:creationId xmlns:a16="http://schemas.microsoft.com/office/drawing/2014/main" id="{471DAA21-C451-2122-CD33-108F54235AA5}"/>
+              </a:ext>
+            </a:extLst>
+          </p:cNvPr>
+          <p:cNvSpPr>
+            <a:spLocks noGrp="1"/>
+          </p:cNvSpPr>
+          <p:nvPr>
+            <p:ph type="title"/>
+          </p:nvPr>
+        </p:nvSpPr>
+        <p:spPr>
+          <a:xfrm>
+            <a:off x="1777321" y="4309024"/>
+            <a:ext cx="9677833" cy="1134452"/>
+          </a:xfrm>
+        </p:spPr>
+        <p:txBody>
+          <a:bodyPr vert="horz" lIns="91440" tIns="45720" rIns="91440" bIns="45720" rtlCol="0" anchor="ctr">
+            <a:normAutofit/>
+          </a:bodyPr>
+          <a:lstStyle/>
+          <a:p>
+            <a:pPr algn="ctr">
+              <a:lnSpc>
+                <a:spcPct val="90000"/>
+              </a:lnSpc>
+            </a:pPr>
+            <a:r>
+              <a:rPr lang="en-US" sz="3800"/>
+              <a:t>How likely are you to recommend this app to other F1 fans?</a:t>
+            </a:r>
+          </a:p>
+        </p:txBody>
+      </p:sp>
+      <p:pic>
+        <p:nvPicPr>
+          <p:cNvPr id="1026" name="Picture 2" descr="Wykres odpowiedzi z Formularzy. Tytuł pytania: 7.  How likely are you to recommend this app to other F1 fans?. Liczba odpowiedzi: 36 odpowiedzi.">
+            <a:extLst>
+              <a:ext uri="{FF2B5EF4-FFF2-40B4-BE49-F238E27FC236}">
+                <a16:creationId xmlns:a16="http://schemas.microsoft.com/office/drawing/2014/main" id="{1B0E8E2B-9122-7963-31E4-373CA4D699E3}"/>
+              </a:ext>
+            </a:extLst>
+          </p:cNvPr>
+          <p:cNvPicPr>
+            <a:picLocks noGrp="1" noChangeAspect="1" noChangeArrowheads="1"/>
+          </p:cNvPicPr>
+          <p:nvPr>
+            <p:ph idx="1"/>
+          </p:nvPr>
+        </p:nvPicPr>
+        <p:blipFill>
+          <a:blip r:embed="rId2">
+            <a:extLst>
+              <a:ext uri="{28A0092B-C50C-407E-A947-70E740481C1C}">
+                <a14:useLocalDpi xmlns:a14="http://schemas.microsoft.com/office/drawing/2010/main" val="0"/>
+              </a:ext>
+            </a:extLst>
+          </a:blip>
+          <a:stretch>
+            <a:fillRect/>
+          </a:stretch>
+        </p:blipFill>
+        <p:spPr bwMode="auto">
+          <a:xfrm>
+            <a:off x="3206788" y="627797"/>
+            <a:ext cx="6818902" cy="3238979"/>
+          </a:xfrm>
+          <a:prstGeom prst="rect">
+            <a:avLst/>
+          </a:prstGeom>
+          <a:noFill/>
+          <a:extLst>
+            <a:ext uri="{909E8E84-426E-40DD-AFC4-6F175D3DCCD1}">
+              <a14:hiddenFill xmlns:a14="http://schemas.microsoft.com/office/drawing/2010/main">
+                <a:solidFill>
+                  <a:srgbClr val="FFFFFF"/>
+                </a:solidFill>
+              </a14:hiddenFill>
+            </a:ext>
+          </a:extLst>
+        </p:spPr>
+      </p:pic>
+    </p:spTree>
+    <p:extLst>
+      <p:ext uri="{BB962C8B-B14F-4D97-AF65-F5344CB8AC3E}">
+        <p14:creationId xmlns:p14="http://schemas.microsoft.com/office/powerpoint/2010/main" val="2634195924"/>
+      </p:ext>
+    </p:extLst>
+  </p:cSld>
+  <p:clrMapOvr>
+    <a:masterClrMapping/>
+  </p:clrMapOvr>
+</p:sld>
+</file>
+
+<file path=ppt/slides/slide19.xml><?xml version="1.0" encoding="utf-8"?>
+<p:sld xmlns:a="http://schemas.openxmlformats.org/drawingml/2006/main" xmlns:r="http://schemas.openxmlformats.org/officeDocument/2006/relationships" xmlns:p="http://schemas.openxmlformats.org/presentationml/2006/main">
+  <p:cSld>
+    <p:spTree>
+      <p:nvGrpSpPr>
+        <p:cNvPr id="1" name=""/>
+        <p:cNvGrpSpPr/>
+        <p:nvPr/>
+      </p:nvGrpSpPr>
+      <p:grpSpPr>
+        <a:xfrm>
+          <a:off x="0" y="0"/>
+          <a:ext cx="0" cy="0"/>
+          <a:chOff x="0" y="0"/>
+          <a:chExt cx="0" cy="0"/>
+        </a:xfrm>
+      </p:grpSpPr>
+      <p:sp>
+        <p:nvSpPr>
+          <p:cNvPr id="2" name="Tytuł 1">
+            <a:extLst>
+              <a:ext uri="{FF2B5EF4-FFF2-40B4-BE49-F238E27FC236}">
+                <a16:creationId xmlns:a16="http://schemas.microsoft.com/office/drawing/2014/main" id="{288AE76B-8783-A67A-B33F-2F9EFE51639E}"/>
+              </a:ext>
+            </a:extLst>
+          </p:cNvPr>
+          <p:cNvSpPr>
+            <a:spLocks noGrp="1"/>
+          </p:cNvSpPr>
+          <p:nvPr>
+            <p:ph type="title"/>
+          </p:nvPr>
+        </p:nvSpPr>
+        <p:spPr>
+          <a:xfrm>
+            <a:off x="1587711" y="455362"/>
+            <a:ext cx="4333058" cy="1584512"/>
+          </a:xfrm>
+        </p:spPr>
+        <p:txBody>
+          <a:bodyPr/>
+          <a:lstStyle/>
+          <a:p>
+            <a:r>
+              <a:rPr lang="pl-PL" dirty="0"/>
+              <a:t>Net </a:t>
+            </a:r>
+            <a:r>
+              <a:rPr lang="pl-PL" dirty="0" err="1"/>
+              <a:t>Promoter</a:t>
+            </a:r>
+            <a:r>
+              <a:rPr lang="pl-PL" dirty="0"/>
+              <a:t> </a:t>
+            </a:r>
+            <a:r>
+              <a:rPr lang="pl-PL" dirty="0" err="1"/>
+              <a:t>Score</a:t>
+            </a:r>
+            <a:endParaRPr lang="pl-PL" dirty="0"/>
+          </a:p>
+        </p:txBody>
+      </p:sp>
+      <p:pic>
+        <p:nvPicPr>
+          <p:cNvPr id="7" name="Symbol zastępczy obrazu 6" descr="Obraz zawierający tekst, diagram, zrzut ekranu, Czcionka&#10;&#10;Opis wygenerowany automatycznie">
+            <a:extLst>
+              <a:ext uri="{FF2B5EF4-FFF2-40B4-BE49-F238E27FC236}">
+                <a16:creationId xmlns:a16="http://schemas.microsoft.com/office/drawing/2014/main" id="{A73B05F8-989C-4507-7CAC-041936AD4542}"/>
+              </a:ext>
+            </a:extLst>
+          </p:cNvPr>
+          <p:cNvPicPr>
+            <a:picLocks noGrp="1" noChangeAspect="1"/>
+          </p:cNvPicPr>
+          <p:nvPr>
+            <p:ph type="pic" idx="1"/>
+          </p:nvPr>
+        </p:nvPicPr>
+        <p:blipFill>
+          <a:blip r:embed="rId2">
+            <a:extLst>
+              <a:ext uri="{28A0092B-C50C-407E-A947-70E740481C1C}">
+                <a14:useLocalDpi xmlns:a14="http://schemas.microsoft.com/office/drawing/2010/main" val="0"/>
+              </a:ext>
+            </a:extLst>
+          </a:blip>
+          <a:srcRect l="1509" r="1509"/>
+          <a:stretch>
+            <a:fillRect/>
+          </a:stretch>
+        </p:blipFill>
+        <p:spPr/>
+      </p:pic>
+      <p:sp>
+        <p:nvSpPr>
+          <p:cNvPr id="3" name="Symbol zastępczy zawartości 2">
+            <a:extLst>
+              <a:ext uri="{FF2B5EF4-FFF2-40B4-BE49-F238E27FC236}">
+                <a16:creationId xmlns:a16="http://schemas.microsoft.com/office/drawing/2014/main" id="{43F8FB3A-0BF3-54C7-C421-0D02DE56B4E3}"/>
+              </a:ext>
+            </a:extLst>
+          </p:cNvPr>
+          <p:cNvSpPr>
+            <a:spLocks noGrp="1"/>
+          </p:cNvSpPr>
+          <p:nvPr>
+            <p:ph type="body" sz="half" idx="2"/>
+          </p:nvPr>
+        </p:nvSpPr>
+        <p:spPr/>
+        <p:txBody>
+          <a:bodyPr/>
+          <a:lstStyle/>
+          <a:p>
+            <a:r>
+              <a:rPr lang="en-US" dirty="0"/>
+              <a:t>The NPS survey gathered </a:t>
+            </a:r>
+            <a:r>
+              <a:rPr lang="en-US" b="1" dirty="0"/>
+              <a:t>36</a:t>
+            </a:r>
+            <a:r>
+              <a:rPr lang="en-US" dirty="0"/>
+              <a:t> responses. With </a:t>
+            </a:r>
+            <a:r>
+              <a:rPr lang="en-US" b="1" dirty="0"/>
+              <a:t>23</a:t>
+            </a:r>
+            <a:r>
+              <a:rPr lang="en-US" dirty="0"/>
+              <a:t> promoters, </a:t>
+            </a:r>
+            <a:r>
+              <a:rPr lang="en-US" b="1" dirty="0"/>
+              <a:t>4</a:t>
+            </a:r>
+            <a:r>
+              <a:rPr lang="en-US" dirty="0"/>
+              <a:t> passives, and </a:t>
+            </a:r>
+            <a:r>
+              <a:rPr lang="en-US" b="1" dirty="0"/>
+              <a:t>9</a:t>
+            </a:r>
+            <a:r>
+              <a:rPr lang="en-US" dirty="0"/>
+              <a:t> detractors, the Net Promoter Score achieved was </a:t>
+            </a:r>
+            <a:r>
+              <a:rPr lang="en-US" b="1" dirty="0"/>
+              <a:t>38.</a:t>
+            </a:r>
+            <a:r>
+              <a:rPr lang="pl-PL" b="1" dirty="0"/>
+              <a:t>9</a:t>
+            </a:r>
+            <a:r>
+              <a:rPr lang="en-US" b="1" dirty="0"/>
+              <a:t>%.</a:t>
+            </a:r>
+            <a:endParaRPr lang="pl-PL" b="1" dirty="0"/>
+          </a:p>
+        </p:txBody>
+      </p:sp>
+    </p:spTree>
+    <p:extLst>
+      <p:ext uri="{BB962C8B-B14F-4D97-AF65-F5344CB8AC3E}">
+        <p14:creationId xmlns:p14="http://schemas.microsoft.com/office/powerpoint/2010/main" val="1397935631"/>
+      </p:ext>
+    </p:extLst>
+  </p:cSld>
+  <p:clrMapOvr>
+    <a:masterClrMapping/>
+  </p:clrMapOvr>
+</p:sld>
+</file>
+
+<file path=ppt/slides/slide2.xml><?xml version="1.0" encoding="utf-8"?>
+<p:sld xmlns:a="http://schemas.openxmlformats.org/drawingml/2006/main" xmlns:r="http://schemas.openxmlformats.org/officeDocument/2006/relationships" xmlns:p="http://schemas.openxmlformats.org/presentationml/2006/main">
+  <p:cSld>
+    <p:bg>
+      <p:bgPr>
+        <a:solidFill>
+          <a:schemeClr val="bg1"/>
+        </a:solidFill>
+        <a:effectLst/>
+      </p:bgPr>
+    </p:bg>
+    <p:spTree>
+      <p:nvGrpSpPr>
+        <p:cNvPr id="1" name=""/>
+        <p:cNvGrpSpPr/>
+        <p:nvPr/>
+      </p:nvGrpSpPr>
+      <p:grpSpPr>
+        <a:xfrm>
+          <a:off x="0" y="0"/>
+          <a:ext cx="0" cy="0"/>
+          <a:chOff x="0" y="0"/>
+          <a:chExt cx="0" cy="0"/>
+        </a:xfrm>
+      </p:grpSpPr>
+      <p:sp useBgFill="1">
+        <p:nvSpPr>
+          <p:cNvPr id="20" name="Rectangle 19">
+            <a:extLst>
+              <a:ext uri="{FF2B5EF4-FFF2-40B4-BE49-F238E27FC236}">
+                <a16:creationId xmlns:a16="http://schemas.microsoft.com/office/drawing/2014/main" id="{C868C70C-E5C4-CD47-888C-FCB3373B6D38}"/>
+              </a:ext>
+              <a:ext uri="{C183D7F6-B498-43B3-948B-1728B52AA6E4}">
+                <adec:decorative xmlns:adec="http://schemas.microsoft.com/office/drawing/2017/decorative" val="1"/>
+              </a:ext>
+            </a:extLst>
+          </p:cNvPr>
+          <p:cNvSpPr>
+            <a:spLocks noGrp="1" noRot="1" noChangeAspect="1" noMove="1" noResize="1" noEditPoints="1" noAdjustHandles="1" noChangeArrowheads="1" noChangeShapeType="1" noTextEdit="1"/>
+          </p:cNvSpPr>
+          <p:nvPr>
+            <p:extLst>
+              <p:ext uri="{386F3935-93C4-4BCD-93E2-E3B085C9AB24}">
+                <p16:designElem xmlns:p16="http://schemas.microsoft.com/office/powerpoint/2015/main" val="1"/>
+              </p:ext>
+            </p:extLst>
+          </p:nvPr>
+        </p:nvSpPr>
+        <p:spPr>
+          <a:xfrm>
+            <a:off x="0" y="0"/>
+            <a:ext cx="12188952" cy="6858000"/>
+          </a:xfrm>
+          <a:prstGeom prst="rect">
+            <a:avLst/>
+          </a:prstGeom>
+          <a:ln>
+            <a:noFill/>
+          </a:ln>
+        </p:spPr>
+        <p:style>
+          <a:lnRef idx="2">
+            <a:schemeClr val="accent1">
+              <a:shade val="50000"/>
+            </a:schemeClr>
+          </a:lnRef>
+          <a:fillRef idx="1">
+            <a:schemeClr val="accent1"/>
+          </a:fillRef>
+          <a:effectRef idx="0">
+            <a:schemeClr val="accent1"/>
+          </a:effectRef>
+          <a:fontRef idx="minor">
+            <a:schemeClr val="lt1"/>
+          </a:fontRef>
+        </p:style>
+        <p:txBody>
+          <a:bodyPr rtlCol="0" anchor="ctr"/>
+          <a:lstStyle/>
+          <a:p>
+            <a:pPr algn="ctr"/>
+            <a:endParaRPr lang="en-US"/>
+          </a:p>
+        </p:txBody>
+      </p:sp>
+      <p:sp>
+        <p:nvSpPr>
+          <p:cNvPr id="22" name="Rectangle 21">
+            <a:extLst>
+              <a:ext uri="{FF2B5EF4-FFF2-40B4-BE49-F238E27FC236}">
+                <a16:creationId xmlns:a16="http://schemas.microsoft.com/office/drawing/2014/main" id="{6DA97320-228E-48F3-BCFA-423F983C8557}"/>
+              </a:ext>
+              <a:ext uri="{C183D7F6-B498-43B3-948B-1728B52AA6E4}">
+                <adec:decorative xmlns:adec="http://schemas.microsoft.com/office/drawing/2017/decorative" val="1"/>
+              </a:ext>
+            </a:extLst>
+          </p:cNvPr>
+          <p:cNvSpPr>
+            <a:spLocks noGrp="1" noRot="1" noChangeAspect="1" noMove="1" noResize="1" noEditPoints="1" noAdjustHandles="1" noChangeArrowheads="1" noChangeShapeType="1" noTextEdit="1"/>
+          </p:cNvSpPr>
+          <p:nvPr>
+            <p:extLst>
+              <p:ext uri="{386F3935-93C4-4BCD-93E2-E3B085C9AB24}">
+                <p16:designElem xmlns:p16="http://schemas.microsoft.com/office/powerpoint/2015/main" val="1"/>
+              </p:ext>
+            </p:extLst>
+          </p:nvPr>
+        </p:nvSpPr>
+        <p:spPr>
+          <a:xfrm>
+            <a:off x="0" y="566928"/>
+            <a:ext cx="1133856" cy="6291072"/>
+          </a:xfrm>
+          <a:prstGeom prst="rect">
+            <a:avLst/>
+          </a:prstGeom>
+          <a:gradFill flip="none" rotWithShape="1">
+            <a:gsLst>
+              <a:gs pos="0">
+                <a:schemeClr val="accent1">
+                  <a:alpha val="50000"/>
+                </a:schemeClr>
+              </a:gs>
+              <a:gs pos="81000">
+                <a:schemeClr val="accent4">
+                  <a:alpha val="50000"/>
+                </a:schemeClr>
+              </a:gs>
+              <a:gs pos="25000">
+                <a:schemeClr val="accent2">
+                  <a:alpha val="60000"/>
+                </a:schemeClr>
+              </a:gs>
+              <a:gs pos="50000">
+                <a:schemeClr val="accent3">
+                  <a:alpha val="55000"/>
+                </a:schemeClr>
+              </a:gs>
+              <a:gs pos="99000">
+                <a:schemeClr val="accent5">
+                  <a:alpha val="50000"/>
+                </a:schemeClr>
+              </a:gs>
+            </a:gsLst>
+            <a:path path="circle">
+              <a:fillToRect r="100000" b="100000"/>
+            </a:path>
+            <a:tileRect l="-100000" t="-100000"/>
+          </a:gradFill>
+          <a:ln>
+            <a:noFill/>
+          </a:ln>
+        </p:spPr>
+        <p:style>
+          <a:lnRef idx="2">
+            <a:schemeClr val="accent1">
+              <a:shade val="50000"/>
+            </a:schemeClr>
+          </a:lnRef>
+          <a:fillRef idx="1">
+            <a:schemeClr val="accent1"/>
+          </a:fillRef>
+          <a:effectRef idx="0">
+            <a:schemeClr val="accent1"/>
+          </a:effectRef>
+          <a:fontRef idx="minor">
+            <a:schemeClr val="lt1"/>
+          </a:fontRef>
+        </p:style>
+        <p:txBody>
+          <a:bodyPr rtlCol="0" anchor="ctr"/>
+          <a:lstStyle/>
+          <a:p>
+            <a:pPr lvl="0" algn="ctr"/>
+            <a:endParaRPr lang="en-US"/>
+          </a:p>
+        </p:txBody>
+      </p:sp>
+      <p:sp>
+        <p:nvSpPr>
+          <p:cNvPr id="24" name="Rectangle 23">
+            <a:extLst>
+              <a:ext uri="{FF2B5EF4-FFF2-40B4-BE49-F238E27FC236}">
+                <a16:creationId xmlns:a16="http://schemas.microsoft.com/office/drawing/2014/main" id="{2C9F0975-851A-4FEC-B19A-6EC12C0D540C}"/>
+              </a:ext>
+              <a:ext uri="{C183D7F6-B498-43B3-948B-1728B52AA6E4}">
+                <adec:decorative xmlns:adec="http://schemas.microsoft.com/office/drawing/2017/decorative" val="1"/>
+              </a:ext>
+            </a:extLst>
+          </p:cNvPr>
+          <p:cNvSpPr>
+            <a:spLocks noGrp="1" noRot="1" noChangeAspect="1" noMove="1" noResize="1" noEditPoints="1" noAdjustHandles="1" noChangeArrowheads="1" noChangeShapeType="1" noTextEdit="1"/>
+          </p:cNvSpPr>
+          <p:nvPr>
+            <p:extLst>
+              <p:ext uri="{386F3935-93C4-4BCD-93E2-E3B085C9AB24}">
+                <p16:designElem xmlns:p16="http://schemas.microsoft.com/office/powerpoint/2015/main" val="1"/>
+              </p:ext>
+            </p:extLst>
+          </p:nvPr>
+        </p:nvSpPr>
+        <p:spPr>
+          <a:xfrm>
+            <a:off x="0" y="1"/>
+            <a:ext cx="566928" cy="6857999"/>
+          </a:xfrm>
+          <a:prstGeom prst="rect">
+            <a:avLst/>
+          </a:prstGeom>
+          <a:gradFill flip="none" rotWithShape="1">
+            <a:gsLst>
+              <a:gs pos="0">
+                <a:schemeClr val="accent1">
+                  <a:alpha val="50000"/>
+                </a:schemeClr>
+              </a:gs>
+              <a:gs pos="81000">
+                <a:schemeClr val="accent4">
+                  <a:alpha val="50000"/>
+                </a:schemeClr>
+              </a:gs>
+              <a:gs pos="25000">
+                <a:schemeClr val="accent2">
+                  <a:alpha val="60000"/>
+                </a:schemeClr>
+              </a:gs>
+              <a:gs pos="50000">
+                <a:schemeClr val="accent3">
+                  <a:alpha val="55000"/>
+                </a:schemeClr>
+              </a:gs>
+              <a:gs pos="99000">
+                <a:schemeClr val="accent5">
+                  <a:alpha val="50000"/>
+                </a:schemeClr>
+              </a:gs>
+            </a:gsLst>
+            <a:path path="circle">
+              <a:fillToRect r="100000" b="100000"/>
+            </a:path>
+            <a:tileRect l="-100000" t="-100000"/>
+          </a:gradFill>
+          <a:ln>
+            <a:noFill/>
+          </a:ln>
+        </p:spPr>
+        <p:style>
+          <a:lnRef idx="2">
+            <a:schemeClr val="accent1">
+              <a:shade val="50000"/>
+            </a:schemeClr>
+          </a:lnRef>
+          <a:fillRef idx="1">
+            <a:schemeClr val="accent1"/>
+          </a:fillRef>
+          <a:effectRef idx="0">
+            <a:schemeClr val="accent1"/>
+          </a:effectRef>
+          <a:fontRef idx="minor">
+            <a:schemeClr val="lt1"/>
+          </a:fontRef>
+        </p:style>
+        <p:txBody>
+          <a:bodyPr rtlCol="0" anchor="ctr"/>
+          <a:lstStyle/>
+          <a:p>
+            <a:pPr lvl="0" algn="ctr"/>
+            <a:endParaRPr lang="en-US"/>
+          </a:p>
+        </p:txBody>
+      </p:sp>
+      <p:sp>
+        <p:nvSpPr>
+          <p:cNvPr id="2" name="Tytuł 1">
+            <a:extLst>
+              <a:ext uri="{FF2B5EF4-FFF2-40B4-BE49-F238E27FC236}">
+                <a16:creationId xmlns:a16="http://schemas.microsoft.com/office/drawing/2014/main" id="{F685A10A-6B4D-7C3E-3B03-2DA0FBACD655}"/>
+              </a:ext>
+            </a:extLst>
+          </p:cNvPr>
+          <p:cNvSpPr>
+            <a:spLocks noGrp="1"/>
+          </p:cNvSpPr>
+          <p:nvPr>
+            <p:ph type="title"/>
+          </p:nvPr>
+        </p:nvSpPr>
+        <p:spPr>
+          <a:xfrm>
+            <a:off x="6372402" y="455362"/>
+            <a:ext cx="4701998" cy="1550419"/>
+          </a:xfrm>
+        </p:spPr>
+        <p:txBody>
+          <a:bodyPr>
+            <a:normAutofit/>
+          </a:bodyPr>
+          <a:lstStyle/>
+          <a:p>
+            <a:r>
+              <a:rPr lang="en-US" dirty="0"/>
+              <a:t>F1 App</a:t>
+            </a:r>
+            <a:r>
+              <a:rPr lang="pl-PL" dirty="0"/>
+              <a:t> </a:t>
+            </a:r>
+            <a:r>
+              <a:rPr lang="pl-PL" dirty="0" err="1"/>
+              <a:t>Features</a:t>
+            </a:r>
+            <a:endParaRPr lang="pl-PL" dirty="0"/>
+          </a:p>
+        </p:txBody>
+      </p:sp>
+      <p:sp>
+        <p:nvSpPr>
+          <p:cNvPr id="15" name="Symbol zastępczy zawartości 2">
+            <a:extLst>
+              <a:ext uri="{FF2B5EF4-FFF2-40B4-BE49-F238E27FC236}">
+                <a16:creationId xmlns:a16="http://schemas.microsoft.com/office/drawing/2014/main" id="{F140FA8A-52E0-4193-93EC-5A7D74A360CB}"/>
+              </a:ext>
+            </a:extLst>
+          </p:cNvPr>
+          <p:cNvSpPr>
+            <a:spLocks noGrp="1"/>
+          </p:cNvSpPr>
+          <p:nvPr>
+            <p:ph idx="1"/>
+          </p:nvPr>
+        </p:nvSpPr>
+        <p:spPr>
+          <a:xfrm>
+            <a:off x="6372402" y="2160016"/>
+            <a:ext cx="4701998" cy="3926152"/>
+          </a:xfrm>
+        </p:spPr>
+        <p:txBody>
+          <a:bodyPr>
+            <a:normAutofit lnSpcReduction="10000"/>
+          </a:bodyPr>
+          <a:lstStyle/>
+          <a:p>
+            <a:pPr>
+              <a:lnSpc>
+                <a:spcPct val="100000"/>
+              </a:lnSpc>
+            </a:pPr>
+            <a:r>
+              <a:rPr lang="en-US" sz="1700" b="1" dirty="0"/>
+              <a:t>Comprehensive Data Access</a:t>
+            </a:r>
+            <a:r>
+              <a:rPr lang="pl-PL" sz="1700" b="1" dirty="0"/>
+              <a:t> - </a:t>
+            </a:r>
+            <a:r>
+              <a:rPr lang="en-US" sz="1700" dirty="0"/>
+              <a:t> Centralized platform for in-depth analysis of race session data, with detailed performance insights.</a:t>
+            </a:r>
+            <a:endParaRPr lang="pl-PL" sz="1700" dirty="0"/>
+          </a:p>
+          <a:p>
+            <a:pPr>
+              <a:lnSpc>
+                <a:spcPct val="100000"/>
+              </a:lnSpc>
+            </a:pPr>
+            <a:r>
+              <a:rPr lang="en-US" sz="1700" b="1" dirty="0"/>
+              <a:t>Dynamic Comparisons</a:t>
+            </a:r>
+            <a:r>
+              <a:rPr lang="pl-PL" sz="1700" b="1" dirty="0"/>
+              <a:t> -</a:t>
+            </a:r>
+            <a:r>
+              <a:rPr lang="pl-PL" sz="1700" dirty="0"/>
+              <a:t> </a:t>
+            </a:r>
+            <a:r>
+              <a:rPr lang="en-US" sz="1700" dirty="0"/>
+              <a:t>Visualize and compare driver performances through interactive tables and charts.</a:t>
+            </a:r>
+            <a:endParaRPr lang="pl-PL" sz="1700" dirty="0"/>
+          </a:p>
+          <a:p>
+            <a:pPr>
+              <a:lnSpc>
+                <a:spcPct val="100000"/>
+              </a:lnSpc>
+            </a:pPr>
+            <a:r>
+              <a:rPr lang="pl-PL" sz="1700" b="1" dirty="0" err="1"/>
+              <a:t>Highlighting</a:t>
+            </a:r>
+            <a:r>
+              <a:rPr lang="pl-PL" sz="1700" b="1" dirty="0"/>
+              <a:t> K</a:t>
+            </a:r>
+            <a:r>
+              <a:rPr lang="en-US" sz="1700" b="1" dirty="0" err="1"/>
+              <a:t>ey</a:t>
+            </a:r>
+            <a:r>
+              <a:rPr lang="en-US" sz="1700" b="1" dirty="0"/>
+              <a:t> Race Moments</a:t>
+            </a:r>
+            <a:r>
+              <a:rPr lang="pl-PL" sz="1700" b="1" dirty="0"/>
+              <a:t> -</a:t>
+            </a:r>
+            <a:r>
+              <a:rPr lang="en-US" sz="1700" dirty="0"/>
+              <a:t> Curated section for highlights, allowing fans to revisit the most significant moments of each race session.</a:t>
+            </a:r>
+            <a:endParaRPr lang="pl-PL" sz="1700" dirty="0"/>
+          </a:p>
+          <a:p>
+            <a:pPr>
+              <a:lnSpc>
+                <a:spcPct val="100000"/>
+              </a:lnSpc>
+            </a:pPr>
+            <a:r>
+              <a:rPr lang="en-US" sz="1700" b="1" dirty="0"/>
+              <a:t>Real-Time Interaction</a:t>
+            </a:r>
+            <a:r>
+              <a:rPr lang="pl-PL" sz="1700" b="1" dirty="0"/>
+              <a:t> - </a:t>
+            </a:r>
+            <a:r>
+              <a:rPr lang="en-US" sz="1700" dirty="0"/>
+              <a:t>Engage with </a:t>
+            </a:r>
+            <a:r>
+              <a:rPr lang="pl-PL" sz="1700" dirty="0" err="1"/>
+              <a:t>other</a:t>
+            </a:r>
+            <a:r>
+              <a:rPr lang="en-US" sz="1700" dirty="0"/>
+              <a:t> fans via live chat, fostering discussions as the race unfolds.</a:t>
+            </a:r>
+            <a:endParaRPr lang="pl-PL" sz="1700" dirty="0"/>
+          </a:p>
+        </p:txBody>
+      </p:sp>
+      <p:pic>
+        <p:nvPicPr>
+          <p:cNvPr id="7" name="Graphic 6" descr="Customer Review">
+            <a:extLst>
+              <a:ext uri="{FF2B5EF4-FFF2-40B4-BE49-F238E27FC236}">
+                <a16:creationId xmlns:a16="http://schemas.microsoft.com/office/drawing/2014/main" id="{7E643743-D9EB-D9CD-BDDB-CC0DEAD53C29}"/>
+              </a:ext>
+            </a:extLst>
+          </p:cNvPr>
+          <p:cNvPicPr>
+            <a:picLocks noChangeAspect="1"/>
+          </p:cNvPicPr>
+          <p:nvPr/>
+        </p:nvPicPr>
+        <p:blipFill>
+          <a:blip r:embed="rId2">
+            <a:extLst>
+              <a:ext uri="{28A0092B-C50C-407E-A947-70E740481C1C}">
+                <a14:useLocalDpi xmlns:a14="http://schemas.microsoft.com/office/drawing/2010/main" val="0"/>
+              </a:ext>
+              <a:ext uri="{96DAC541-7B7A-43D3-8B79-37D633B846F1}">
+                <asvg:svgBlip xmlns:asvg="http://schemas.microsoft.com/office/drawing/2016/SVG/main" r:embed="rId3"/>
+              </a:ext>
+            </a:extLst>
+          </a:blip>
+          <a:stretch>
+            <a:fillRect/>
+          </a:stretch>
+        </p:blipFill>
+        <p:spPr>
+          <a:xfrm>
+            <a:off x="1777323" y="1264309"/>
+            <a:ext cx="4129362" cy="4129362"/>
+          </a:xfrm>
+          <a:prstGeom prst="rect">
+            <a:avLst/>
+          </a:prstGeom>
+        </p:spPr>
+      </p:pic>
+    </p:spTree>
+    <p:extLst>
+      <p:ext uri="{BB962C8B-B14F-4D97-AF65-F5344CB8AC3E}">
+        <p14:creationId xmlns:p14="http://schemas.microsoft.com/office/powerpoint/2010/main" val="2929968622"/>
+      </p:ext>
+    </p:extLst>
+  </p:cSld>
+  <p:clrMapOvr>
+    <a:masterClrMapping/>
+  </p:clrMapOvr>
+</p:sld>
+</file>
+
+<file path=ppt/slides/slide20.xml><?xml version="1.0" encoding="utf-8"?>
+<p:sld xmlns:a="http://schemas.openxmlformats.org/drawingml/2006/main" xmlns:r="http://schemas.openxmlformats.org/officeDocument/2006/relationships" xmlns:p="http://schemas.openxmlformats.org/presentationml/2006/main">
+  <p:cSld>
+    <p:spTree>
+      <p:nvGrpSpPr>
+        <p:cNvPr id="1" name=""/>
+        <p:cNvGrpSpPr/>
+        <p:nvPr/>
+      </p:nvGrpSpPr>
+      <p:grpSpPr>
+        <a:xfrm>
+          <a:off x="0" y="0"/>
+          <a:ext cx="0" cy="0"/>
+          <a:chOff x="0" y="0"/>
+          <a:chExt cx="0" cy="0"/>
+        </a:xfrm>
+      </p:grpSpPr>
+      <p:sp>
+        <p:nvSpPr>
+          <p:cNvPr id="5" name="Tytuł 4">
+            <a:extLst>
+              <a:ext uri="{FF2B5EF4-FFF2-40B4-BE49-F238E27FC236}">
+                <a16:creationId xmlns:a16="http://schemas.microsoft.com/office/drawing/2014/main" id="{08A83911-287B-92F6-2697-C31DD835DEB0}"/>
+              </a:ext>
+            </a:extLst>
+          </p:cNvPr>
+          <p:cNvSpPr>
+            <a:spLocks noGrp="1"/>
+          </p:cNvSpPr>
+          <p:nvPr>
+            <p:ph type="title"/>
+          </p:nvPr>
+        </p:nvSpPr>
+        <p:spPr/>
+        <p:txBody>
+          <a:bodyPr/>
+          <a:lstStyle/>
+          <a:p>
+            <a:r>
+              <a:rPr lang="pl-PL" dirty="0" err="1"/>
+              <a:t>Understanding</a:t>
+            </a:r>
+            <a:r>
+              <a:rPr lang="pl-PL" dirty="0"/>
+              <a:t> NPS </a:t>
+            </a:r>
+            <a:r>
+              <a:rPr lang="pl-PL" dirty="0" err="1"/>
+              <a:t>Results</a:t>
+            </a:r>
+            <a:endParaRPr lang="pl-PL" dirty="0"/>
+          </a:p>
+        </p:txBody>
+      </p:sp>
+      <p:sp>
+        <p:nvSpPr>
+          <p:cNvPr id="6" name="Symbol zastępczy zawartości 5">
+            <a:extLst>
+              <a:ext uri="{FF2B5EF4-FFF2-40B4-BE49-F238E27FC236}">
+                <a16:creationId xmlns:a16="http://schemas.microsoft.com/office/drawing/2014/main" id="{0C56094E-D270-822B-9B72-A70AD4E007B0}"/>
+              </a:ext>
+            </a:extLst>
+          </p:cNvPr>
+          <p:cNvSpPr>
+            <a:spLocks noGrp="1"/>
+          </p:cNvSpPr>
+          <p:nvPr>
+            <p:ph idx="1"/>
+          </p:nvPr>
+        </p:nvSpPr>
+        <p:spPr/>
+        <p:txBody>
+          <a:bodyPr/>
+          <a:lstStyle/>
+          <a:p>
+            <a:r>
+              <a:rPr lang="en-US" b="1" dirty="0"/>
+              <a:t>Positive Feedback:</a:t>
+            </a:r>
+            <a:r>
+              <a:rPr lang="en-US" dirty="0"/>
+              <a:t> NPS of 38.9% reflects a strong base of satisfied users (promoters).</a:t>
+            </a:r>
+            <a:endParaRPr lang="pl-PL" dirty="0"/>
+          </a:p>
+          <a:p>
+            <a:r>
+              <a:rPr lang="en-US" b="1" dirty="0"/>
+              <a:t>Opportunities for Growth:</a:t>
+            </a:r>
+            <a:r>
+              <a:rPr lang="en-US" dirty="0"/>
+              <a:t> Presence of detractors (25%) highlights areas for improvement.</a:t>
+            </a:r>
+            <a:endParaRPr lang="pl-PL" dirty="0"/>
+          </a:p>
+          <a:p>
+            <a:r>
+              <a:rPr lang="en-US" b="1" dirty="0"/>
+              <a:t>Encouraging Outcome:</a:t>
+            </a:r>
+            <a:r>
+              <a:rPr lang="en-US" dirty="0"/>
+              <a:t> Majority are likely to recommend the app, indicating good user engagement.</a:t>
+            </a:r>
+            <a:endParaRPr lang="pl-PL" dirty="0"/>
+          </a:p>
+          <a:p>
+            <a:r>
+              <a:rPr lang="en-US" b="1" dirty="0"/>
+              <a:t>Next Steps:</a:t>
+            </a:r>
+            <a:r>
+              <a:rPr lang="en-US" dirty="0"/>
+              <a:t> Focus on addressing detractor concerns to boost satisfaction and retention.</a:t>
+            </a:r>
+            <a:endParaRPr lang="pl-PL" dirty="0"/>
+          </a:p>
+        </p:txBody>
+      </p:sp>
+    </p:spTree>
+    <p:extLst>
+      <p:ext uri="{BB962C8B-B14F-4D97-AF65-F5344CB8AC3E}">
+        <p14:creationId xmlns:p14="http://schemas.microsoft.com/office/powerpoint/2010/main" val="831223727"/>
+      </p:ext>
+    </p:extLst>
+  </p:cSld>
+  <p:clrMapOvr>
+    <a:masterClrMapping/>
+  </p:clrMapOvr>
+</p:sld>
+</file>
+
+<file path=ppt/slides/slide21.xml><?xml version="1.0" encoding="utf-8"?>
+<p:sld xmlns:a="http://schemas.openxmlformats.org/drawingml/2006/main" xmlns:r="http://schemas.openxmlformats.org/officeDocument/2006/relationships" xmlns:p="http://schemas.openxmlformats.org/presentationml/2006/main">
+  <p:cSld>
+    <p:bg>
+      <p:bgPr>
+        <a:solidFill>
+          <a:schemeClr val="bg1"/>
+        </a:solidFill>
+        <a:effectLst/>
+      </p:bgPr>
+    </p:bg>
+    <p:spTree>
+      <p:nvGrpSpPr>
+        <p:cNvPr id="1" name=""/>
+        <p:cNvGrpSpPr/>
+        <p:nvPr/>
+      </p:nvGrpSpPr>
+      <p:grpSpPr>
+        <a:xfrm>
+          <a:off x="0" y="0"/>
+          <a:ext cx="0" cy="0"/>
+          <a:chOff x="0" y="0"/>
+          <a:chExt cx="0" cy="0"/>
+        </a:xfrm>
+      </p:grpSpPr>
+      <p:sp>
+        <p:nvSpPr>
+          <p:cNvPr id="9223" name="Rectangle 9222">
+            <a:extLst>
+              <a:ext uri="{FF2B5EF4-FFF2-40B4-BE49-F238E27FC236}">
+                <a16:creationId xmlns:a16="http://schemas.microsoft.com/office/drawing/2014/main" id="{2D03A0B2-4A2F-D846-A5E6-FB7CB9A031F7}"/>
+              </a:ext>
+              <a:ext uri="{C183D7F6-B498-43B3-948B-1728B52AA6E4}">
+                <adec:decorative xmlns:adec="http://schemas.microsoft.com/office/drawing/2017/decorative" val="1"/>
+              </a:ext>
+            </a:extLst>
+          </p:cNvPr>
+          <p:cNvSpPr>
+            <a:spLocks noGrp="1" noRot="1" noChangeAspect="1" noMove="1" noResize="1" noEditPoints="1" noAdjustHandles="1" noChangeArrowheads="1" noChangeShapeType="1" noTextEdit="1"/>
+          </p:cNvSpPr>
+          <p:nvPr>
+            <p:extLst>
+              <p:ext uri="{386F3935-93C4-4BCD-93E2-E3B085C9AB24}">
+                <p16:designElem xmlns:p16="http://schemas.microsoft.com/office/powerpoint/2015/main" val="1"/>
+              </p:ext>
+            </p:extLst>
+          </p:nvPr>
+        </p:nvSpPr>
+        <p:spPr>
+          <a:xfrm>
+            <a:off x="1" y="1375492"/>
+            <a:ext cx="2770698" cy="5482505"/>
+          </a:xfrm>
+          <a:prstGeom prst="rect">
+            <a:avLst/>
+          </a:prstGeom>
+          <a:gradFill flip="none" rotWithShape="1">
+            <a:gsLst>
+              <a:gs pos="0">
+                <a:schemeClr val="accent1">
+                  <a:alpha val="50000"/>
+                </a:schemeClr>
+              </a:gs>
+              <a:gs pos="81000">
+                <a:schemeClr val="accent4">
+                  <a:alpha val="50000"/>
+                </a:schemeClr>
+              </a:gs>
+              <a:gs pos="25000">
+                <a:schemeClr val="accent2">
+                  <a:alpha val="60000"/>
+                </a:schemeClr>
+              </a:gs>
+              <a:gs pos="50000">
+                <a:schemeClr val="accent3">
+                  <a:alpha val="55000"/>
+                </a:schemeClr>
+              </a:gs>
+              <a:gs pos="99000">
+                <a:schemeClr val="accent5">
+                  <a:alpha val="50000"/>
+                </a:schemeClr>
+              </a:gs>
+            </a:gsLst>
+            <a:path path="circle">
+              <a:fillToRect r="100000" b="100000"/>
+            </a:path>
+            <a:tileRect l="-100000" t="-100000"/>
+          </a:gradFill>
+          <a:ln>
+            <a:noFill/>
+          </a:ln>
+        </p:spPr>
+        <p:style>
+          <a:lnRef idx="2">
+            <a:schemeClr val="accent1">
+              <a:shade val="50000"/>
+            </a:schemeClr>
+          </a:lnRef>
+          <a:fillRef idx="1">
+            <a:schemeClr val="accent1"/>
+          </a:fillRef>
+          <a:effectRef idx="0">
+            <a:schemeClr val="accent1"/>
+          </a:effectRef>
+          <a:fontRef idx="minor">
+            <a:schemeClr val="lt1"/>
+          </a:fontRef>
+        </p:style>
+        <p:txBody>
+          <a:bodyPr rtlCol="0" anchor="ctr"/>
+          <a:lstStyle/>
+          <a:p>
+            <a:pPr lvl="0" algn="ctr"/>
+            <a:endParaRPr lang="en-US"/>
+          </a:p>
+        </p:txBody>
+      </p:sp>
+      <p:sp>
+        <p:nvSpPr>
+          <p:cNvPr id="9225" name="Rectangle 9224">
+            <a:extLst>
+              <a:ext uri="{FF2B5EF4-FFF2-40B4-BE49-F238E27FC236}">
+                <a16:creationId xmlns:a16="http://schemas.microsoft.com/office/drawing/2014/main" id="{7F573F1D-73A7-FB41-BCAD-FC9AA7DEF4F5}"/>
+              </a:ext>
+              <a:ext uri="{C183D7F6-B498-43B3-948B-1728B52AA6E4}">
+                <adec:decorative xmlns:adec="http://schemas.microsoft.com/office/drawing/2017/decorative" val="1"/>
+              </a:ext>
+            </a:extLst>
+          </p:cNvPr>
+          <p:cNvSpPr>
+            <a:spLocks noGrp="1" noRot="1" noChangeAspect="1" noMove="1" noResize="1" noEditPoints="1" noAdjustHandles="1" noChangeArrowheads="1" noChangeShapeType="1" noTextEdit="1"/>
+          </p:cNvSpPr>
+          <p:nvPr>
+            <p:extLst>
+              <p:ext uri="{386F3935-93C4-4BCD-93E2-E3B085C9AB24}">
+                <p16:designElem xmlns:p16="http://schemas.microsoft.com/office/powerpoint/2015/main" val="1"/>
+              </p:ext>
+            </p:extLst>
+          </p:nvPr>
+        </p:nvSpPr>
+        <p:spPr>
+          <a:xfrm>
+            <a:off x="0" y="-3"/>
+            <a:ext cx="1373567" cy="6857999"/>
+          </a:xfrm>
+          <a:prstGeom prst="rect">
+            <a:avLst/>
+          </a:prstGeom>
+          <a:gradFill flip="none" rotWithShape="1">
+            <a:gsLst>
+              <a:gs pos="0">
+                <a:schemeClr val="accent1">
+                  <a:alpha val="50000"/>
+                </a:schemeClr>
+              </a:gs>
+              <a:gs pos="81000">
+                <a:schemeClr val="accent4">
+                  <a:alpha val="50000"/>
+                </a:schemeClr>
+              </a:gs>
+              <a:gs pos="25000">
+                <a:schemeClr val="accent2">
+                  <a:alpha val="60000"/>
+                </a:schemeClr>
+              </a:gs>
+              <a:gs pos="50000">
+                <a:schemeClr val="accent3">
+                  <a:alpha val="55000"/>
+                </a:schemeClr>
+              </a:gs>
+              <a:gs pos="99000">
+                <a:schemeClr val="accent5">
+                  <a:alpha val="50000"/>
+                </a:schemeClr>
+              </a:gs>
+            </a:gsLst>
+            <a:path path="circle">
+              <a:fillToRect r="100000" b="100000"/>
+            </a:path>
+            <a:tileRect l="-100000" t="-100000"/>
+          </a:gradFill>
+          <a:ln>
+            <a:noFill/>
+          </a:ln>
+        </p:spPr>
+        <p:style>
+          <a:lnRef idx="2">
+            <a:schemeClr val="accent1">
+              <a:shade val="50000"/>
+            </a:schemeClr>
+          </a:lnRef>
+          <a:fillRef idx="1">
+            <a:schemeClr val="accent1"/>
+          </a:fillRef>
+          <a:effectRef idx="0">
+            <a:schemeClr val="accent1"/>
+          </a:effectRef>
+          <a:fontRef idx="minor">
+            <a:schemeClr val="lt1"/>
+          </a:fontRef>
+        </p:style>
+        <p:txBody>
+          <a:bodyPr rtlCol="0" anchor="ctr"/>
+          <a:lstStyle/>
+          <a:p>
+            <a:pPr lvl="0" algn="ctr"/>
+            <a:endParaRPr lang="en-US"/>
+          </a:p>
+        </p:txBody>
+      </p:sp>
+      <p:sp useBgFill="1">
+        <p:nvSpPr>
+          <p:cNvPr id="9227" name="Rectangle 9226">
+            <a:extLst>
+              <a:ext uri="{FF2B5EF4-FFF2-40B4-BE49-F238E27FC236}">
+                <a16:creationId xmlns:a16="http://schemas.microsoft.com/office/drawing/2014/main" id="{A88F843D-1C1B-C740-AC27-E3238D0F5F47}"/>
+              </a:ext>
+              <a:ext uri="{C183D7F6-B498-43B3-948B-1728B52AA6E4}">
+                <adec:decorative xmlns:adec="http://schemas.microsoft.com/office/drawing/2017/decorative" val="1"/>
+              </a:ext>
+            </a:extLst>
+          </p:cNvPr>
+          <p:cNvSpPr>
+            <a:spLocks noGrp="1" noRot="1" noChangeAspect="1" noMove="1" noResize="1" noEditPoints="1" noAdjustHandles="1" noChangeArrowheads="1" noChangeShapeType="1" noTextEdit="1"/>
+          </p:cNvSpPr>
+          <p:nvPr>
+            <p:extLst>
+              <p:ext uri="{386F3935-93C4-4BCD-93E2-E3B085C9AB24}">
+                <p16:designElem xmlns:p16="http://schemas.microsoft.com/office/powerpoint/2015/main" val="1"/>
+              </p:ext>
+            </p:extLst>
+          </p:nvPr>
+        </p:nvSpPr>
+        <p:spPr>
+          <a:xfrm>
+            <a:off x="0" y="0"/>
+            <a:ext cx="12188952" cy="6858000"/>
+          </a:xfrm>
+          <a:prstGeom prst="rect">
+            <a:avLst/>
+          </a:prstGeom>
+          <a:ln>
+            <a:noFill/>
+          </a:ln>
+        </p:spPr>
+        <p:style>
+          <a:lnRef idx="2">
+            <a:schemeClr val="accent1">
+              <a:shade val="50000"/>
+            </a:schemeClr>
+          </a:lnRef>
+          <a:fillRef idx="1">
+            <a:schemeClr val="accent1"/>
+          </a:fillRef>
+          <a:effectRef idx="0">
+            <a:schemeClr val="accent1"/>
+          </a:effectRef>
+          <a:fontRef idx="minor">
+            <a:schemeClr val="lt1"/>
+          </a:fontRef>
+        </p:style>
+        <p:txBody>
+          <a:bodyPr rtlCol="0" anchor="ctr"/>
+          <a:lstStyle/>
+          <a:p>
+            <a:pPr algn="ctr"/>
+            <a:endParaRPr lang="en-US"/>
+          </a:p>
+        </p:txBody>
+      </p:sp>
+      <p:sp>
+        <p:nvSpPr>
+          <p:cNvPr id="9229" name="Rectangle 9228">
+            <a:extLst>
+              <a:ext uri="{FF2B5EF4-FFF2-40B4-BE49-F238E27FC236}">
+                <a16:creationId xmlns:a16="http://schemas.microsoft.com/office/drawing/2014/main" id="{D5B0F748-7FA7-4DDF-89A3-7F1D8EE1F7C0}"/>
+              </a:ext>
+              <a:ext uri="{C183D7F6-B498-43B3-948B-1728B52AA6E4}">
+                <adec:decorative xmlns:adec="http://schemas.microsoft.com/office/drawing/2017/decorative" val="1"/>
+              </a:ext>
+            </a:extLst>
+          </p:cNvPr>
+          <p:cNvSpPr>
+            <a:spLocks noGrp="1" noRot="1" noChangeAspect="1" noMove="1" noResize="1" noEditPoints="1" noAdjustHandles="1" noChangeArrowheads="1" noChangeShapeType="1" noTextEdit="1"/>
+          </p:cNvSpPr>
+          <p:nvPr>
+            <p:extLst>
+              <p:ext uri="{386F3935-93C4-4BCD-93E2-E3B085C9AB24}">
+                <p16:designElem xmlns:p16="http://schemas.microsoft.com/office/powerpoint/2015/main" val="1"/>
+              </p:ext>
+            </p:extLst>
+          </p:nvPr>
+        </p:nvSpPr>
+        <p:spPr>
+          <a:xfrm>
+            <a:off x="0" y="565153"/>
+            <a:ext cx="1133856" cy="6292847"/>
+          </a:xfrm>
+          <a:prstGeom prst="rect">
+            <a:avLst/>
+          </a:prstGeom>
+          <a:gradFill flip="none" rotWithShape="1">
+            <a:gsLst>
+              <a:gs pos="0">
+                <a:schemeClr val="accent1">
+                  <a:alpha val="50000"/>
+                </a:schemeClr>
+              </a:gs>
+              <a:gs pos="81000">
+                <a:schemeClr val="accent4">
+                  <a:alpha val="50000"/>
+                </a:schemeClr>
+              </a:gs>
+              <a:gs pos="25000">
+                <a:schemeClr val="accent2">
+                  <a:alpha val="60000"/>
+                </a:schemeClr>
+              </a:gs>
+              <a:gs pos="50000">
+                <a:schemeClr val="accent3">
+                  <a:alpha val="55000"/>
+                </a:schemeClr>
+              </a:gs>
+              <a:gs pos="99000">
+                <a:schemeClr val="accent5">
+                  <a:alpha val="50000"/>
+                </a:schemeClr>
+              </a:gs>
+            </a:gsLst>
+            <a:path path="circle">
+              <a:fillToRect r="100000" b="100000"/>
+            </a:path>
+            <a:tileRect l="-100000" t="-100000"/>
+          </a:gradFill>
+          <a:ln>
+            <a:noFill/>
+          </a:ln>
+        </p:spPr>
+        <p:style>
+          <a:lnRef idx="2">
+            <a:schemeClr val="accent1">
+              <a:shade val="50000"/>
+            </a:schemeClr>
+          </a:lnRef>
+          <a:fillRef idx="1">
+            <a:schemeClr val="accent1"/>
+          </a:fillRef>
+          <a:effectRef idx="0">
+            <a:schemeClr val="accent1"/>
+          </a:effectRef>
+          <a:fontRef idx="minor">
+            <a:schemeClr val="lt1"/>
+          </a:fontRef>
+        </p:style>
+        <p:txBody>
+          <a:bodyPr rtlCol="0" anchor="ctr"/>
+          <a:lstStyle/>
+          <a:p>
+            <a:pPr algn="ctr"/>
+            <a:endParaRPr lang="en-US"/>
+          </a:p>
+        </p:txBody>
+      </p:sp>
+      <p:sp>
+        <p:nvSpPr>
+          <p:cNvPr id="9231" name="Rectangle 9230">
+            <a:extLst>
+              <a:ext uri="{FF2B5EF4-FFF2-40B4-BE49-F238E27FC236}">
+                <a16:creationId xmlns:a16="http://schemas.microsoft.com/office/drawing/2014/main" id="{1903E872-C07A-4030-B584-D321D40CABB6}"/>
+              </a:ext>
+              <a:ext uri="{C183D7F6-B498-43B3-948B-1728B52AA6E4}">
+                <adec:decorative xmlns:adec="http://schemas.microsoft.com/office/drawing/2017/decorative" val="1"/>
+              </a:ext>
+            </a:extLst>
+          </p:cNvPr>
+          <p:cNvSpPr>
+            <a:spLocks noGrp="1" noRot="1" noChangeAspect="1" noMove="1" noResize="1" noEditPoints="1" noAdjustHandles="1" noChangeArrowheads="1" noChangeShapeType="1" noTextEdit="1"/>
+          </p:cNvSpPr>
+          <p:nvPr>
+            <p:extLst>
+              <p:ext uri="{386F3935-93C4-4BCD-93E2-E3B085C9AB24}">
+                <p16:designElem xmlns:p16="http://schemas.microsoft.com/office/powerpoint/2015/main" val="1"/>
+              </p:ext>
+            </p:extLst>
+          </p:nvPr>
+        </p:nvSpPr>
+        <p:spPr>
+          <a:xfrm>
+            <a:off x="0" y="1"/>
+            <a:ext cx="565150" cy="6857999"/>
+          </a:xfrm>
+          <a:prstGeom prst="rect">
+            <a:avLst/>
+          </a:prstGeom>
+          <a:gradFill flip="none" rotWithShape="1">
+            <a:gsLst>
+              <a:gs pos="0">
+                <a:schemeClr val="accent1">
+                  <a:alpha val="50000"/>
+                </a:schemeClr>
+              </a:gs>
+              <a:gs pos="81000">
+                <a:schemeClr val="accent4">
+                  <a:alpha val="50000"/>
+                </a:schemeClr>
+              </a:gs>
+              <a:gs pos="25000">
+                <a:schemeClr val="accent2">
+                  <a:alpha val="60000"/>
+                </a:schemeClr>
+              </a:gs>
+              <a:gs pos="49000">
+                <a:schemeClr val="accent3">
+                  <a:alpha val="55000"/>
+                </a:schemeClr>
+              </a:gs>
+              <a:gs pos="99000">
+                <a:schemeClr val="accent5">
+                  <a:alpha val="50000"/>
+                </a:schemeClr>
+              </a:gs>
+            </a:gsLst>
+            <a:path path="circle">
+              <a:fillToRect r="100000" b="100000"/>
+            </a:path>
+            <a:tileRect l="-100000" t="-100000"/>
+          </a:gradFill>
+          <a:ln>
+            <a:noFill/>
+          </a:ln>
+        </p:spPr>
+        <p:style>
+          <a:lnRef idx="2">
+            <a:schemeClr val="accent1">
+              <a:shade val="50000"/>
+            </a:schemeClr>
+          </a:lnRef>
+          <a:fillRef idx="1">
+            <a:schemeClr val="accent1"/>
+          </a:fillRef>
+          <a:effectRef idx="0">
+            <a:schemeClr val="accent1"/>
+          </a:effectRef>
+          <a:fontRef idx="minor">
+            <a:schemeClr val="lt1"/>
+          </a:fontRef>
+        </p:style>
+        <p:txBody>
+          <a:bodyPr rtlCol="0" anchor="ctr"/>
+          <a:lstStyle/>
+          <a:p>
+            <a:pPr algn="ctr"/>
+            <a:endParaRPr lang="en-US"/>
+          </a:p>
+        </p:txBody>
+      </p:sp>
+      <p:sp>
+        <p:nvSpPr>
+          <p:cNvPr id="2" name="Tytuł 1">
+            <a:extLst>
+              <a:ext uri="{FF2B5EF4-FFF2-40B4-BE49-F238E27FC236}">
+                <a16:creationId xmlns:a16="http://schemas.microsoft.com/office/drawing/2014/main" id="{7A5E407F-239C-E752-E248-9BB3A578C9DE}"/>
+              </a:ext>
+            </a:extLst>
+          </p:cNvPr>
+          <p:cNvSpPr>
+            <a:spLocks noGrp="1"/>
+          </p:cNvSpPr>
+          <p:nvPr>
+            <p:ph type="title"/>
+          </p:nvPr>
+        </p:nvSpPr>
+        <p:spPr>
+          <a:xfrm>
+            <a:off x="1777321" y="4309024"/>
+            <a:ext cx="9677833" cy="1134452"/>
+          </a:xfrm>
+        </p:spPr>
+        <p:txBody>
+          <a:bodyPr vert="horz" lIns="91440" tIns="45720" rIns="91440" bIns="45720" rtlCol="0" anchor="ctr">
+            <a:normAutofit/>
+          </a:bodyPr>
+          <a:lstStyle/>
+          <a:p>
+            <a:pPr algn="ctr">
+              <a:lnSpc>
+                <a:spcPct val="90000"/>
+              </a:lnSpc>
+            </a:pPr>
+            <a:r>
+              <a:rPr lang="en-US" sz="3800"/>
+              <a:t>How satisfied are you with the speed and responsiveness of the app?</a:t>
+            </a:r>
+          </a:p>
+        </p:txBody>
+      </p:sp>
+      <p:pic>
+        <p:nvPicPr>
+          <p:cNvPr id="9218" name="Picture 2" descr="Wykres odpowiedzi z Formularzy. Tytuł pytania: 8.  How satisfied are you with the speed and responsiveness of the app?. Liczba odpowiedzi: 36 odpowiedzi.">
+            <a:extLst>
+              <a:ext uri="{FF2B5EF4-FFF2-40B4-BE49-F238E27FC236}">
+                <a16:creationId xmlns:a16="http://schemas.microsoft.com/office/drawing/2014/main" id="{30CDD5B0-1923-01A1-6414-2816C2FC2244}"/>
+              </a:ext>
+            </a:extLst>
+          </p:cNvPr>
+          <p:cNvPicPr>
+            <a:picLocks noGrp="1" noChangeAspect="1" noChangeArrowheads="1"/>
+          </p:cNvPicPr>
+          <p:nvPr>
+            <p:ph idx="1"/>
+          </p:nvPr>
+        </p:nvPicPr>
+        <p:blipFill>
+          <a:blip r:embed="rId2">
+            <a:extLst>
+              <a:ext uri="{28A0092B-C50C-407E-A947-70E740481C1C}">
+                <a14:useLocalDpi xmlns:a14="http://schemas.microsoft.com/office/drawing/2010/main" val="0"/>
+              </a:ext>
+            </a:extLst>
+          </a:blip>
+          <a:stretch>
+            <a:fillRect/>
+          </a:stretch>
+        </p:blipFill>
+        <p:spPr bwMode="auto">
+          <a:xfrm>
+            <a:off x="3206788" y="627797"/>
+            <a:ext cx="6818902" cy="3238979"/>
+          </a:xfrm>
+          <a:prstGeom prst="rect">
+            <a:avLst/>
+          </a:prstGeom>
+          <a:noFill/>
+          <a:extLst>
+            <a:ext uri="{909E8E84-426E-40DD-AFC4-6F175D3DCCD1}">
+              <a14:hiddenFill xmlns:a14="http://schemas.microsoft.com/office/drawing/2010/main">
+                <a:solidFill>
+                  <a:srgbClr val="FFFFFF"/>
+                </a:solidFill>
+              </a14:hiddenFill>
+            </a:ext>
+          </a:extLst>
+        </p:spPr>
+      </p:pic>
+    </p:spTree>
+    <p:extLst>
+      <p:ext uri="{BB962C8B-B14F-4D97-AF65-F5344CB8AC3E}">
+        <p14:creationId xmlns:p14="http://schemas.microsoft.com/office/powerpoint/2010/main" val="1153103665"/>
+      </p:ext>
+    </p:extLst>
+  </p:cSld>
+  <p:clrMapOvr>
+    <a:masterClrMapping/>
+  </p:clrMapOvr>
+</p:sld>
+</file>
+
+<file path=ppt/slides/slide22.xml><?xml version="1.0" encoding="utf-8"?>
+<p:sld xmlns:a="http://schemas.openxmlformats.org/drawingml/2006/main" xmlns:r="http://schemas.openxmlformats.org/officeDocument/2006/relationships" xmlns:p="http://schemas.openxmlformats.org/presentationml/2006/main">
+  <p:cSld>
+    <p:bg>
+      <p:bgPr>
+        <a:solidFill>
+          <a:schemeClr val="bg1"/>
+        </a:solidFill>
+        <a:effectLst/>
+      </p:bgPr>
+    </p:bg>
+    <p:spTree>
+      <p:nvGrpSpPr>
+        <p:cNvPr id="1" name=""/>
+        <p:cNvGrpSpPr/>
+        <p:nvPr/>
+      </p:nvGrpSpPr>
+      <p:grpSpPr>
+        <a:xfrm>
+          <a:off x="0" y="0"/>
+          <a:ext cx="0" cy="0"/>
+          <a:chOff x="0" y="0"/>
+          <a:chExt cx="0" cy="0"/>
+        </a:xfrm>
+      </p:grpSpPr>
+      <p:sp>
+        <p:nvSpPr>
+          <p:cNvPr id="10247" name="Rectangle 10246">
+            <a:extLst>
+              <a:ext uri="{FF2B5EF4-FFF2-40B4-BE49-F238E27FC236}">
+                <a16:creationId xmlns:a16="http://schemas.microsoft.com/office/drawing/2014/main" id="{2D03A0B2-4A2F-D846-A5E6-FB7CB9A031F7}"/>
+              </a:ext>
+              <a:ext uri="{C183D7F6-B498-43B3-948B-1728B52AA6E4}">
+                <adec:decorative xmlns:adec="http://schemas.microsoft.com/office/drawing/2017/decorative" val="1"/>
+              </a:ext>
+            </a:extLst>
+          </p:cNvPr>
+          <p:cNvSpPr>
+            <a:spLocks noGrp="1" noRot="1" noChangeAspect="1" noMove="1" noResize="1" noEditPoints="1" noAdjustHandles="1" noChangeArrowheads="1" noChangeShapeType="1" noTextEdit="1"/>
+          </p:cNvSpPr>
+          <p:nvPr>
+            <p:extLst>
+              <p:ext uri="{386F3935-93C4-4BCD-93E2-E3B085C9AB24}">
+                <p16:designElem xmlns:p16="http://schemas.microsoft.com/office/powerpoint/2015/main" val="1"/>
+              </p:ext>
+            </p:extLst>
+          </p:nvPr>
+        </p:nvSpPr>
+        <p:spPr>
+          <a:xfrm>
+            <a:off x="1" y="1375492"/>
+            <a:ext cx="2770698" cy="5482505"/>
+          </a:xfrm>
+          <a:prstGeom prst="rect">
+            <a:avLst/>
+          </a:prstGeom>
+          <a:gradFill flip="none" rotWithShape="1">
+            <a:gsLst>
+              <a:gs pos="0">
+                <a:schemeClr val="accent1">
+                  <a:alpha val="50000"/>
+                </a:schemeClr>
+              </a:gs>
+              <a:gs pos="81000">
+                <a:schemeClr val="accent4">
+                  <a:alpha val="50000"/>
+                </a:schemeClr>
+              </a:gs>
+              <a:gs pos="25000">
+                <a:schemeClr val="accent2">
+                  <a:alpha val="60000"/>
+                </a:schemeClr>
+              </a:gs>
+              <a:gs pos="50000">
+                <a:schemeClr val="accent3">
+                  <a:alpha val="55000"/>
+                </a:schemeClr>
+              </a:gs>
+              <a:gs pos="99000">
+                <a:schemeClr val="accent5">
+                  <a:alpha val="50000"/>
+                </a:schemeClr>
+              </a:gs>
+            </a:gsLst>
+            <a:path path="circle">
+              <a:fillToRect r="100000" b="100000"/>
+            </a:path>
+            <a:tileRect l="-100000" t="-100000"/>
+          </a:gradFill>
+          <a:ln>
+            <a:noFill/>
+          </a:ln>
+        </p:spPr>
+        <p:style>
+          <a:lnRef idx="2">
+            <a:schemeClr val="accent1">
+              <a:shade val="50000"/>
+            </a:schemeClr>
+          </a:lnRef>
+          <a:fillRef idx="1">
+            <a:schemeClr val="accent1"/>
+          </a:fillRef>
+          <a:effectRef idx="0">
+            <a:schemeClr val="accent1"/>
+          </a:effectRef>
+          <a:fontRef idx="minor">
+            <a:schemeClr val="lt1"/>
+          </a:fontRef>
+        </p:style>
+        <p:txBody>
+          <a:bodyPr rtlCol="0" anchor="ctr"/>
+          <a:lstStyle/>
+          <a:p>
+            <a:pPr lvl="0" algn="ctr"/>
+            <a:endParaRPr lang="en-US"/>
+          </a:p>
+        </p:txBody>
+      </p:sp>
+      <p:sp>
+        <p:nvSpPr>
+          <p:cNvPr id="10249" name="Rectangle 10248">
+            <a:extLst>
+              <a:ext uri="{FF2B5EF4-FFF2-40B4-BE49-F238E27FC236}">
+                <a16:creationId xmlns:a16="http://schemas.microsoft.com/office/drawing/2014/main" id="{7F573F1D-73A7-FB41-BCAD-FC9AA7DEF4F5}"/>
+              </a:ext>
+              <a:ext uri="{C183D7F6-B498-43B3-948B-1728B52AA6E4}">
+                <adec:decorative xmlns:adec="http://schemas.microsoft.com/office/drawing/2017/decorative" val="1"/>
+              </a:ext>
+            </a:extLst>
+          </p:cNvPr>
+          <p:cNvSpPr>
+            <a:spLocks noGrp="1" noRot="1" noChangeAspect="1" noMove="1" noResize="1" noEditPoints="1" noAdjustHandles="1" noChangeArrowheads="1" noChangeShapeType="1" noTextEdit="1"/>
+          </p:cNvSpPr>
+          <p:nvPr>
+            <p:extLst>
+              <p:ext uri="{386F3935-93C4-4BCD-93E2-E3B085C9AB24}">
+                <p16:designElem xmlns:p16="http://schemas.microsoft.com/office/powerpoint/2015/main" val="1"/>
+              </p:ext>
+            </p:extLst>
+          </p:nvPr>
+        </p:nvSpPr>
+        <p:spPr>
+          <a:xfrm>
+            <a:off x="0" y="-3"/>
+            <a:ext cx="1373567" cy="6857999"/>
+          </a:xfrm>
+          <a:prstGeom prst="rect">
+            <a:avLst/>
+          </a:prstGeom>
+          <a:gradFill flip="none" rotWithShape="1">
+            <a:gsLst>
+              <a:gs pos="0">
+                <a:schemeClr val="accent1">
+                  <a:alpha val="50000"/>
+                </a:schemeClr>
+              </a:gs>
+              <a:gs pos="81000">
+                <a:schemeClr val="accent4">
+                  <a:alpha val="50000"/>
+                </a:schemeClr>
+              </a:gs>
+              <a:gs pos="25000">
+                <a:schemeClr val="accent2">
+                  <a:alpha val="60000"/>
+                </a:schemeClr>
+              </a:gs>
+              <a:gs pos="50000">
+                <a:schemeClr val="accent3">
+                  <a:alpha val="55000"/>
+                </a:schemeClr>
+              </a:gs>
+              <a:gs pos="99000">
+                <a:schemeClr val="accent5">
+                  <a:alpha val="50000"/>
+                </a:schemeClr>
+              </a:gs>
+            </a:gsLst>
+            <a:path path="circle">
+              <a:fillToRect r="100000" b="100000"/>
+            </a:path>
+            <a:tileRect l="-100000" t="-100000"/>
+          </a:gradFill>
+          <a:ln>
+            <a:noFill/>
+          </a:ln>
+        </p:spPr>
+        <p:style>
+          <a:lnRef idx="2">
+            <a:schemeClr val="accent1">
+              <a:shade val="50000"/>
+            </a:schemeClr>
+          </a:lnRef>
+          <a:fillRef idx="1">
+            <a:schemeClr val="accent1"/>
+          </a:fillRef>
+          <a:effectRef idx="0">
+            <a:schemeClr val="accent1"/>
+          </a:effectRef>
+          <a:fontRef idx="minor">
+            <a:schemeClr val="lt1"/>
+          </a:fontRef>
+        </p:style>
+        <p:txBody>
+          <a:bodyPr rtlCol="0" anchor="ctr"/>
+          <a:lstStyle/>
+          <a:p>
+            <a:pPr lvl="0" algn="ctr"/>
+            <a:endParaRPr lang="en-US"/>
+          </a:p>
+        </p:txBody>
+      </p:sp>
+      <p:sp useBgFill="1">
+        <p:nvSpPr>
+          <p:cNvPr id="10251" name="Rectangle 10250">
+            <a:extLst>
+              <a:ext uri="{FF2B5EF4-FFF2-40B4-BE49-F238E27FC236}">
+                <a16:creationId xmlns:a16="http://schemas.microsoft.com/office/drawing/2014/main" id="{A88F843D-1C1B-C740-AC27-E3238D0F5F47}"/>
+              </a:ext>
+              <a:ext uri="{C183D7F6-B498-43B3-948B-1728B52AA6E4}">
+                <adec:decorative xmlns:adec="http://schemas.microsoft.com/office/drawing/2017/decorative" val="1"/>
+              </a:ext>
+            </a:extLst>
+          </p:cNvPr>
+          <p:cNvSpPr>
+            <a:spLocks noGrp="1" noRot="1" noChangeAspect="1" noMove="1" noResize="1" noEditPoints="1" noAdjustHandles="1" noChangeArrowheads="1" noChangeShapeType="1" noTextEdit="1"/>
+          </p:cNvSpPr>
+          <p:nvPr>
+            <p:extLst>
+              <p:ext uri="{386F3935-93C4-4BCD-93E2-E3B085C9AB24}">
+                <p16:designElem xmlns:p16="http://schemas.microsoft.com/office/powerpoint/2015/main" val="1"/>
+              </p:ext>
+            </p:extLst>
+          </p:nvPr>
+        </p:nvSpPr>
+        <p:spPr>
+          <a:xfrm>
+            <a:off x="0" y="0"/>
+            <a:ext cx="12188952" cy="6858000"/>
+          </a:xfrm>
+          <a:prstGeom prst="rect">
+            <a:avLst/>
+          </a:prstGeom>
+          <a:ln>
+            <a:noFill/>
+          </a:ln>
+        </p:spPr>
+        <p:style>
+          <a:lnRef idx="2">
+            <a:schemeClr val="accent1">
+              <a:shade val="50000"/>
+            </a:schemeClr>
+          </a:lnRef>
+          <a:fillRef idx="1">
+            <a:schemeClr val="accent1"/>
+          </a:fillRef>
+          <a:effectRef idx="0">
+            <a:schemeClr val="accent1"/>
+          </a:effectRef>
+          <a:fontRef idx="minor">
+            <a:schemeClr val="lt1"/>
+          </a:fontRef>
+        </p:style>
+        <p:txBody>
+          <a:bodyPr rtlCol="0" anchor="ctr"/>
+          <a:lstStyle/>
+          <a:p>
+            <a:pPr algn="ctr"/>
+            <a:endParaRPr lang="en-US"/>
+          </a:p>
+        </p:txBody>
+      </p:sp>
+      <p:sp>
+        <p:nvSpPr>
+          <p:cNvPr id="10253" name="Rectangle 10252">
+            <a:extLst>
+              <a:ext uri="{FF2B5EF4-FFF2-40B4-BE49-F238E27FC236}">
+                <a16:creationId xmlns:a16="http://schemas.microsoft.com/office/drawing/2014/main" id="{D5B0F748-7FA7-4DDF-89A3-7F1D8EE1F7C0}"/>
+              </a:ext>
+              <a:ext uri="{C183D7F6-B498-43B3-948B-1728B52AA6E4}">
+                <adec:decorative xmlns:adec="http://schemas.microsoft.com/office/drawing/2017/decorative" val="1"/>
+              </a:ext>
+            </a:extLst>
+          </p:cNvPr>
+          <p:cNvSpPr>
+            <a:spLocks noGrp="1" noRot="1" noChangeAspect="1" noMove="1" noResize="1" noEditPoints="1" noAdjustHandles="1" noChangeArrowheads="1" noChangeShapeType="1" noTextEdit="1"/>
+          </p:cNvSpPr>
+          <p:nvPr>
+            <p:extLst>
+              <p:ext uri="{386F3935-93C4-4BCD-93E2-E3B085C9AB24}">
+                <p16:designElem xmlns:p16="http://schemas.microsoft.com/office/powerpoint/2015/main" val="1"/>
+              </p:ext>
+            </p:extLst>
+          </p:nvPr>
+        </p:nvSpPr>
+        <p:spPr>
+          <a:xfrm>
+            <a:off x="0" y="565153"/>
+            <a:ext cx="1133856" cy="6292847"/>
+          </a:xfrm>
+          <a:prstGeom prst="rect">
+            <a:avLst/>
+          </a:prstGeom>
+          <a:gradFill flip="none" rotWithShape="1">
+            <a:gsLst>
+              <a:gs pos="0">
+                <a:schemeClr val="accent1">
+                  <a:alpha val="50000"/>
+                </a:schemeClr>
+              </a:gs>
+              <a:gs pos="81000">
+                <a:schemeClr val="accent4">
+                  <a:alpha val="50000"/>
+                </a:schemeClr>
+              </a:gs>
+              <a:gs pos="25000">
+                <a:schemeClr val="accent2">
+                  <a:alpha val="60000"/>
+                </a:schemeClr>
+              </a:gs>
+              <a:gs pos="50000">
+                <a:schemeClr val="accent3">
+                  <a:alpha val="55000"/>
+                </a:schemeClr>
+              </a:gs>
+              <a:gs pos="99000">
+                <a:schemeClr val="accent5">
+                  <a:alpha val="50000"/>
+                </a:schemeClr>
+              </a:gs>
+            </a:gsLst>
+            <a:path path="circle">
+              <a:fillToRect r="100000" b="100000"/>
+            </a:path>
+            <a:tileRect l="-100000" t="-100000"/>
+          </a:gradFill>
+          <a:ln>
+            <a:noFill/>
+          </a:ln>
+        </p:spPr>
+        <p:style>
+          <a:lnRef idx="2">
+            <a:schemeClr val="accent1">
+              <a:shade val="50000"/>
+            </a:schemeClr>
+          </a:lnRef>
+          <a:fillRef idx="1">
+            <a:schemeClr val="accent1"/>
+          </a:fillRef>
+          <a:effectRef idx="0">
+            <a:schemeClr val="accent1"/>
+          </a:effectRef>
+          <a:fontRef idx="minor">
+            <a:schemeClr val="lt1"/>
+          </a:fontRef>
+        </p:style>
+        <p:txBody>
+          <a:bodyPr rtlCol="0" anchor="ctr"/>
+          <a:lstStyle/>
+          <a:p>
+            <a:pPr algn="ctr"/>
+            <a:endParaRPr lang="en-US"/>
+          </a:p>
+        </p:txBody>
+      </p:sp>
+      <p:sp>
+        <p:nvSpPr>
+          <p:cNvPr id="10255" name="Rectangle 10254">
+            <a:extLst>
+              <a:ext uri="{FF2B5EF4-FFF2-40B4-BE49-F238E27FC236}">
+                <a16:creationId xmlns:a16="http://schemas.microsoft.com/office/drawing/2014/main" id="{1903E872-C07A-4030-B584-D321D40CABB6}"/>
+              </a:ext>
+              <a:ext uri="{C183D7F6-B498-43B3-948B-1728B52AA6E4}">
+                <adec:decorative xmlns:adec="http://schemas.microsoft.com/office/drawing/2017/decorative" val="1"/>
+              </a:ext>
+            </a:extLst>
+          </p:cNvPr>
+          <p:cNvSpPr>
+            <a:spLocks noGrp="1" noRot="1" noChangeAspect="1" noMove="1" noResize="1" noEditPoints="1" noAdjustHandles="1" noChangeArrowheads="1" noChangeShapeType="1" noTextEdit="1"/>
+          </p:cNvSpPr>
+          <p:nvPr>
+            <p:extLst>
+              <p:ext uri="{386F3935-93C4-4BCD-93E2-E3B085C9AB24}">
+                <p16:designElem xmlns:p16="http://schemas.microsoft.com/office/powerpoint/2015/main" val="1"/>
+              </p:ext>
+            </p:extLst>
+          </p:nvPr>
+        </p:nvSpPr>
+        <p:spPr>
+          <a:xfrm>
+            <a:off x="0" y="1"/>
+            <a:ext cx="565150" cy="6857999"/>
+          </a:xfrm>
+          <a:prstGeom prst="rect">
+            <a:avLst/>
+          </a:prstGeom>
+          <a:gradFill flip="none" rotWithShape="1">
+            <a:gsLst>
+              <a:gs pos="0">
+                <a:schemeClr val="accent1">
+                  <a:alpha val="50000"/>
+                </a:schemeClr>
+              </a:gs>
+              <a:gs pos="81000">
+                <a:schemeClr val="accent4">
+                  <a:alpha val="50000"/>
+                </a:schemeClr>
+              </a:gs>
+              <a:gs pos="25000">
+                <a:schemeClr val="accent2">
+                  <a:alpha val="60000"/>
+                </a:schemeClr>
+              </a:gs>
+              <a:gs pos="49000">
+                <a:schemeClr val="accent3">
+                  <a:alpha val="55000"/>
+                </a:schemeClr>
+              </a:gs>
+              <a:gs pos="99000">
+                <a:schemeClr val="accent5">
+                  <a:alpha val="50000"/>
+                </a:schemeClr>
+              </a:gs>
+            </a:gsLst>
+            <a:path path="circle">
+              <a:fillToRect r="100000" b="100000"/>
+            </a:path>
+            <a:tileRect l="-100000" t="-100000"/>
+          </a:gradFill>
+          <a:ln>
+            <a:noFill/>
+          </a:ln>
+        </p:spPr>
+        <p:style>
+          <a:lnRef idx="2">
+            <a:schemeClr val="accent1">
+              <a:shade val="50000"/>
+            </a:schemeClr>
+          </a:lnRef>
+          <a:fillRef idx="1">
+            <a:schemeClr val="accent1"/>
+          </a:fillRef>
+          <a:effectRef idx="0">
+            <a:schemeClr val="accent1"/>
+          </a:effectRef>
+          <a:fontRef idx="minor">
+            <a:schemeClr val="lt1"/>
+          </a:fontRef>
+        </p:style>
+        <p:txBody>
+          <a:bodyPr rtlCol="0" anchor="ctr"/>
+          <a:lstStyle/>
+          <a:p>
+            <a:pPr algn="ctr"/>
+            <a:endParaRPr lang="en-US"/>
+          </a:p>
+        </p:txBody>
+      </p:sp>
+      <p:sp>
+        <p:nvSpPr>
+          <p:cNvPr id="2" name="Tytuł 1">
+            <a:extLst>
+              <a:ext uri="{FF2B5EF4-FFF2-40B4-BE49-F238E27FC236}">
+                <a16:creationId xmlns:a16="http://schemas.microsoft.com/office/drawing/2014/main" id="{8DBBEB13-A9CB-3FE2-6941-8647A369F28B}"/>
+              </a:ext>
+            </a:extLst>
+          </p:cNvPr>
+          <p:cNvSpPr>
+            <a:spLocks noGrp="1"/>
+          </p:cNvSpPr>
+          <p:nvPr>
+            <p:ph type="title"/>
+          </p:nvPr>
+        </p:nvSpPr>
+        <p:spPr>
+          <a:xfrm>
+            <a:off x="1777321" y="4309024"/>
+            <a:ext cx="9677833" cy="1134452"/>
+          </a:xfrm>
+        </p:spPr>
+        <p:txBody>
+          <a:bodyPr vert="horz" lIns="91440" tIns="45720" rIns="91440" bIns="45720" rtlCol="0" anchor="ctr">
+            <a:normAutofit/>
+          </a:bodyPr>
+          <a:lstStyle/>
+          <a:p>
+            <a:pPr algn="ctr">
+              <a:lnSpc>
+                <a:spcPct val="90000"/>
+              </a:lnSpc>
+            </a:pPr>
+            <a:r>
+              <a:rPr lang="en-US" sz="2400"/>
+              <a:t>How satisfied are you with the app’s personalization options (e.g., content tailored to favorite teams, drivers)?</a:t>
+            </a:r>
+          </a:p>
+        </p:txBody>
+      </p:sp>
+      <p:pic>
+        <p:nvPicPr>
+          <p:cNvPr id="10242" name="Picture 2" descr="Wykres odpowiedzi z Formularzy. Tytuł pytania: 9. How satisfied are you with the app’s personalization options (e.g., content tailored to favorite teams, drivers)?. Liczba odpowiedzi: 36 odpowiedzi.">
+            <a:extLst>
+              <a:ext uri="{FF2B5EF4-FFF2-40B4-BE49-F238E27FC236}">
+                <a16:creationId xmlns:a16="http://schemas.microsoft.com/office/drawing/2014/main" id="{0C690E28-0460-16EB-3EA8-EA3B7D6CFD6D}"/>
+              </a:ext>
+            </a:extLst>
+          </p:cNvPr>
+          <p:cNvPicPr>
+            <a:picLocks noGrp="1" noChangeAspect="1" noChangeArrowheads="1"/>
+          </p:cNvPicPr>
+          <p:nvPr>
+            <p:ph idx="1"/>
+          </p:nvPr>
+        </p:nvPicPr>
+        <p:blipFill>
+          <a:blip r:embed="rId2">
+            <a:extLst>
+              <a:ext uri="{28A0092B-C50C-407E-A947-70E740481C1C}">
+                <a14:useLocalDpi xmlns:a14="http://schemas.microsoft.com/office/drawing/2010/main" val="0"/>
+              </a:ext>
+            </a:extLst>
+          </a:blip>
+          <a:stretch>
+            <a:fillRect/>
+          </a:stretch>
+        </p:blipFill>
+        <p:spPr bwMode="auto">
+          <a:xfrm>
+            <a:off x="3425127" y="627797"/>
+            <a:ext cx="6382224" cy="3238979"/>
+          </a:xfrm>
+          <a:prstGeom prst="rect">
+            <a:avLst/>
+          </a:prstGeom>
+          <a:noFill/>
+          <a:extLst>
+            <a:ext uri="{909E8E84-426E-40DD-AFC4-6F175D3DCCD1}">
+              <a14:hiddenFill xmlns:a14="http://schemas.microsoft.com/office/drawing/2010/main">
+                <a:solidFill>
+                  <a:srgbClr val="FFFFFF"/>
+                </a:solidFill>
+              </a14:hiddenFill>
+            </a:ext>
+          </a:extLst>
+        </p:spPr>
+      </p:pic>
+    </p:spTree>
+    <p:extLst>
+      <p:ext uri="{BB962C8B-B14F-4D97-AF65-F5344CB8AC3E}">
+        <p14:creationId xmlns:p14="http://schemas.microsoft.com/office/powerpoint/2010/main" val="1275106167"/>
+      </p:ext>
+    </p:extLst>
+  </p:cSld>
+  <p:clrMapOvr>
+    <a:masterClrMapping/>
+  </p:clrMapOvr>
+</p:sld>
+</file>
+
+<file path=ppt/slides/slide23.xml><?xml version="1.0" encoding="utf-8"?>
+<p:sld xmlns:a="http://schemas.openxmlformats.org/drawingml/2006/main" xmlns:r="http://schemas.openxmlformats.org/officeDocument/2006/relationships" xmlns:p="http://schemas.openxmlformats.org/presentationml/2006/main">
+  <p:cSld>
+    <p:bg>
+      <p:bgPr>
+        <a:solidFill>
+          <a:schemeClr val="bg1"/>
+        </a:solidFill>
+        <a:effectLst/>
+      </p:bgPr>
+    </p:bg>
+    <p:spTree>
+      <p:nvGrpSpPr>
+        <p:cNvPr id="1" name=""/>
+        <p:cNvGrpSpPr/>
+        <p:nvPr/>
+      </p:nvGrpSpPr>
+      <p:grpSpPr>
+        <a:xfrm>
+          <a:off x="0" y="0"/>
+          <a:ext cx="0" cy="0"/>
+          <a:chOff x="0" y="0"/>
+          <a:chExt cx="0" cy="0"/>
+        </a:xfrm>
+      </p:grpSpPr>
+      <p:sp>
+        <p:nvSpPr>
+          <p:cNvPr id="11271" name="Rectangle 11270">
+            <a:extLst>
+              <a:ext uri="{FF2B5EF4-FFF2-40B4-BE49-F238E27FC236}">
+                <a16:creationId xmlns:a16="http://schemas.microsoft.com/office/drawing/2014/main" id="{2D03A0B2-4A2F-D846-A5E6-FB7CB9A031F7}"/>
+              </a:ext>
+              <a:ext uri="{C183D7F6-B498-43B3-948B-1728B52AA6E4}">
+                <adec:decorative xmlns:adec="http://schemas.microsoft.com/office/drawing/2017/decorative" val="1"/>
+              </a:ext>
+            </a:extLst>
+          </p:cNvPr>
+          <p:cNvSpPr>
+            <a:spLocks noGrp="1" noRot="1" noChangeAspect="1" noMove="1" noResize="1" noEditPoints="1" noAdjustHandles="1" noChangeArrowheads="1" noChangeShapeType="1" noTextEdit="1"/>
+          </p:cNvSpPr>
+          <p:nvPr>
+            <p:extLst>
+              <p:ext uri="{386F3935-93C4-4BCD-93E2-E3B085C9AB24}">
+                <p16:designElem xmlns:p16="http://schemas.microsoft.com/office/powerpoint/2015/main" val="1"/>
+              </p:ext>
+            </p:extLst>
+          </p:nvPr>
+        </p:nvSpPr>
+        <p:spPr>
+          <a:xfrm>
+            <a:off x="1" y="1375492"/>
+            <a:ext cx="2770698" cy="5482505"/>
+          </a:xfrm>
+          <a:prstGeom prst="rect">
+            <a:avLst/>
+          </a:prstGeom>
+          <a:gradFill flip="none" rotWithShape="1">
+            <a:gsLst>
+              <a:gs pos="0">
+                <a:schemeClr val="accent1">
+                  <a:alpha val="50000"/>
+                </a:schemeClr>
+              </a:gs>
+              <a:gs pos="81000">
+                <a:schemeClr val="accent4">
+                  <a:alpha val="50000"/>
+                </a:schemeClr>
+              </a:gs>
+              <a:gs pos="25000">
+                <a:schemeClr val="accent2">
+                  <a:alpha val="60000"/>
+                </a:schemeClr>
+              </a:gs>
+              <a:gs pos="50000">
+                <a:schemeClr val="accent3">
+                  <a:alpha val="55000"/>
+                </a:schemeClr>
+              </a:gs>
+              <a:gs pos="99000">
+                <a:schemeClr val="accent5">
+                  <a:alpha val="50000"/>
+                </a:schemeClr>
+              </a:gs>
+            </a:gsLst>
+            <a:path path="circle">
+              <a:fillToRect r="100000" b="100000"/>
+            </a:path>
+            <a:tileRect l="-100000" t="-100000"/>
+          </a:gradFill>
+          <a:ln>
+            <a:noFill/>
+          </a:ln>
+        </p:spPr>
+        <p:style>
+          <a:lnRef idx="2">
+            <a:schemeClr val="accent1">
+              <a:shade val="50000"/>
+            </a:schemeClr>
+          </a:lnRef>
+          <a:fillRef idx="1">
+            <a:schemeClr val="accent1"/>
+          </a:fillRef>
+          <a:effectRef idx="0">
+            <a:schemeClr val="accent1"/>
+          </a:effectRef>
+          <a:fontRef idx="minor">
+            <a:schemeClr val="lt1"/>
+          </a:fontRef>
+        </p:style>
+        <p:txBody>
+          <a:bodyPr rtlCol="0" anchor="ctr"/>
+          <a:lstStyle/>
+          <a:p>
+            <a:pPr lvl="0" algn="ctr"/>
+            <a:endParaRPr lang="en-US"/>
+          </a:p>
+        </p:txBody>
+      </p:sp>
+      <p:sp>
+        <p:nvSpPr>
+          <p:cNvPr id="11273" name="Rectangle 11272">
+            <a:extLst>
+              <a:ext uri="{FF2B5EF4-FFF2-40B4-BE49-F238E27FC236}">
+                <a16:creationId xmlns:a16="http://schemas.microsoft.com/office/drawing/2014/main" id="{7F573F1D-73A7-FB41-BCAD-FC9AA7DEF4F5}"/>
+              </a:ext>
+              <a:ext uri="{C183D7F6-B498-43B3-948B-1728B52AA6E4}">
+                <adec:decorative xmlns:adec="http://schemas.microsoft.com/office/drawing/2017/decorative" val="1"/>
+              </a:ext>
+            </a:extLst>
+          </p:cNvPr>
+          <p:cNvSpPr>
+            <a:spLocks noGrp="1" noRot="1" noChangeAspect="1" noMove="1" noResize="1" noEditPoints="1" noAdjustHandles="1" noChangeArrowheads="1" noChangeShapeType="1" noTextEdit="1"/>
+          </p:cNvSpPr>
+          <p:nvPr>
+            <p:extLst>
+              <p:ext uri="{386F3935-93C4-4BCD-93E2-E3B085C9AB24}">
+                <p16:designElem xmlns:p16="http://schemas.microsoft.com/office/powerpoint/2015/main" val="1"/>
+              </p:ext>
+            </p:extLst>
+          </p:nvPr>
+        </p:nvSpPr>
+        <p:spPr>
+          <a:xfrm>
+            <a:off x="0" y="-3"/>
+            <a:ext cx="1373567" cy="6857999"/>
+          </a:xfrm>
+          <a:prstGeom prst="rect">
+            <a:avLst/>
+          </a:prstGeom>
+          <a:gradFill flip="none" rotWithShape="1">
+            <a:gsLst>
+              <a:gs pos="0">
+                <a:schemeClr val="accent1">
+                  <a:alpha val="50000"/>
+                </a:schemeClr>
+              </a:gs>
+              <a:gs pos="81000">
+                <a:schemeClr val="accent4">
+                  <a:alpha val="50000"/>
+                </a:schemeClr>
+              </a:gs>
+              <a:gs pos="25000">
+                <a:schemeClr val="accent2">
+                  <a:alpha val="60000"/>
+                </a:schemeClr>
+              </a:gs>
+              <a:gs pos="50000">
+                <a:schemeClr val="accent3">
+                  <a:alpha val="55000"/>
+                </a:schemeClr>
+              </a:gs>
+              <a:gs pos="99000">
+                <a:schemeClr val="accent5">
+                  <a:alpha val="50000"/>
+                </a:schemeClr>
+              </a:gs>
+            </a:gsLst>
+            <a:path path="circle">
+              <a:fillToRect r="100000" b="100000"/>
+            </a:path>
+            <a:tileRect l="-100000" t="-100000"/>
+          </a:gradFill>
+          <a:ln>
+            <a:noFill/>
+          </a:ln>
+        </p:spPr>
+        <p:style>
+          <a:lnRef idx="2">
+            <a:schemeClr val="accent1">
+              <a:shade val="50000"/>
+            </a:schemeClr>
+          </a:lnRef>
+          <a:fillRef idx="1">
+            <a:schemeClr val="accent1"/>
+          </a:fillRef>
+          <a:effectRef idx="0">
+            <a:schemeClr val="accent1"/>
+          </a:effectRef>
+          <a:fontRef idx="minor">
+            <a:schemeClr val="lt1"/>
+          </a:fontRef>
+        </p:style>
+        <p:txBody>
+          <a:bodyPr rtlCol="0" anchor="ctr"/>
+          <a:lstStyle/>
+          <a:p>
+            <a:pPr lvl="0" algn="ctr"/>
+            <a:endParaRPr lang="en-US"/>
+          </a:p>
+        </p:txBody>
+      </p:sp>
+      <p:sp useBgFill="1">
+        <p:nvSpPr>
+          <p:cNvPr id="11275" name="Rectangle 11274">
+            <a:extLst>
+              <a:ext uri="{FF2B5EF4-FFF2-40B4-BE49-F238E27FC236}">
+                <a16:creationId xmlns:a16="http://schemas.microsoft.com/office/drawing/2014/main" id="{A88F843D-1C1B-C740-AC27-E3238D0F5F47}"/>
+              </a:ext>
+              <a:ext uri="{C183D7F6-B498-43B3-948B-1728B52AA6E4}">
+                <adec:decorative xmlns:adec="http://schemas.microsoft.com/office/drawing/2017/decorative" val="1"/>
+              </a:ext>
+            </a:extLst>
+          </p:cNvPr>
+          <p:cNvSpPr>
+            <a:spLocks noGrp="1" noRot="1" noChangeAspect="1" noMove="1" noResize="1" noEditPoints="1" noAdjustHandles="1" noChangeArrowheads="1" noChangeShapeType="1" noTextEdit="1"/>
+          </p:cNvSpPr>
+          <p:nvPr>
+            <p:extLst>
+              <p:ext uri="{386F3935-93C4-4BCD-93E2-E3B085C9AB24}">
+                <p16:designElem xmlns:p16="http://schemas.microsoft.com/office/powerpoint/2015/main" val="1"/>
+              </p:ext>
+            </p:extLst>
+          </p:nvPr>
+        </p:nvSpPr>
+        <p:spPr>
+          <a:xfrm>
+            <a:off x="0" y="0"/>
+            <a:ext cx="12188952" cy="6858000"/>
+          </a:xfrm>
+          <a:prstGeom prst="rect">
+            <a:avLst/>
+          </a:prstGeom>
+          <a:ln>
+            <a:noFill/>
+          </a:ln>
+        </p:spPr>
+        <p:style>
+          <a:lnRef idx="2">
+            <a:schemeClr val="accent1">
+              <a:shade val="50000"/>
+            </a:schemeClr>
+          </a:lnRef>
+          <a:fillRef idx="1">
+            <a:schemeClr val="accent1"/>
+          </a:fillRef>
+          <a:effectRef idx="0">
+            <a:schemeClr val="accent1"/>
+          </a:effectRef>
+          <a:fontRef idx="minor">
+            <a:schemeClr val="lt1"/>
+          </a:fontRef>
+        </p:style>
+        <p:txBody>
+          <a:bodyPr rtlCol="0" anchor="ctr"/>
+          <a:lstStyle/>
+          <a:p>
+            <a:pPr algn="ctr"/>
+            <a:endParaRPr lang="en-US"/>
+          </a:p>
+        </p:txBody>
+      </p:sp>
+      <p:sp>
+        <p:nvSpPr>
+          <p:cNvPr id="11277" name="Rectangle 11276">
+            <a:extLst>
+              <a:ext uri="{FF2B5EF4-FFF2-40B4-BE49-F238E27FC236}">
+                <a16:creationId xmlns:a16="http://schemas.microsoft.com/office/drawing/2014/main" id="{D5B0F748-7FA7-4DDF-89A3-7F1D8EE1F7C0}"/>
+              </a:ext>
+              <a:ext uri="{C183D7F6-B498-43B3-948B-1728B52AA6E4}">
+                <adec:decorative xmlns:adec="http://schemas.microsoft.com/office/drawing/2017/decorative" val="1"/>
+              </a:ext>
+            </a:extLst>
+          </p:cNvPr>
+          <p:cNvSpPr>
+            <a:spLocks noGrp="1" noRot="1" noChangeAspect="1" noMove="1" noResize="1" noEditPoints="1" noAdjustHandles="1" noChangeArrowheads="1" noChangeShapeType="1" noTextEdit="1"/>
+          </p:cNvSpPr>
+          <p:nvPr>
+            <p:extLst>
+              <p:ext uri="{386F3935-93C4-4BCD-93E2-E3B085C9AB24}">
+                <p16:designElem xmlns:p16="http://schemas.microsoft.com/office/powerpoint/2015/main" val="1"/>
+              </p:ext>
+            </p:extLst>
+          </p:nvPr>
+        </p:nvSpPr>
+        <p:spPr>
+          <a:xfrm>
+            <a:off x="0" y="565153"/>
+            <a:ext cx="1133856" cy="6292847"/>
+          </a:xfrm>
+          <a:prstGeom prst="rect">
+            <a:avLst/>
+          </a:prstGeom>
+          <a:gradFill flip="none" rotWithShape="1">
+            <a:gsLst>
+              <a:gs pos="0">
+                <a:schemeClr val="accent1">
+                  <a:alpha val="50000"/>
+                </a:schemeClr>
+              </a:gs>
+              <a:gs pos="81000">
+                <a:schemeClr val="accent4">
+                  <a:alpha val="50000"/>
+                </a:schemeClr>
+              </a:gs>
+              <a:gs pos="25000">
+                <a:schemeClr val="accent2">
+                  <a:alpha val="60000"/>
+                </a:schemeClr>
+              </a:gs>
+              <a:gs pos="50000">
+                <a:schemeClr val="accent3">
+                  <a:alpha val="55000"/>
+                </a:schemeClr>
+              </a:gs>
+              <a:gs pos="99000">
+                <a:schemeClr val="accent5">
+                  <a:alpha val="50000"/>
+                </a:schemeClr>
+              </a:gs>
+            </a:gsLst>
+            <a:path path="circle">
+              <a:fillToRect r="100000" b="100000"/>
+            </a:path>
+            <a:tileRect l="-100000" t="-100000"/>
+          </a:gradFill>
+          <a:ln>
+            <a:noFill/>
+          </a:ln>
+        </p:spPr>
+        <p:style>
+          <a:lnRef idx="2">
+            <a:schemeClr val="accent1">
+              <a:shade val="50000"/>
+            </a:schemeClr>
+          </a:lnRef>
+          <a:fillRef idx="1">
+            <a:schemeClr val="accent1"/>
+          </a:fillRef>
+          <a:effectRef idx="0">
+            <a:schemeClr val="accent1"/>
+          </a:effectRef>
+          <a:fontRef idx="minor">
+            <a:schemeClr val="lt1"/>
+          </a:fontRef>
+        </p:style>
+        <p:txBody>
+          <a:bodyPr rtlCol="0" anchor="ctr"/>
+          <a:lstStyle/>
+          <a:p>
+            <a:pPr algn="ctr"/>
+            <a:endParaRPr lang="en-US"/>
+          </a:p>
+        </p:txBody>
+      </p:sp>
+      <p:sp>
+        <p:nvSpPr>
+          <p:cNvPr id="11279" name="Rectangle 11278">
+            <a:extLst>
+              <a:ext uri="{FF2B5EF4-FFF2-40B4-BE49-F238E27FC236}">
+                <a16:creationId xmlns:a16="http://schemas.microsoft.com/office/drawing/2014/main" id="{1903E872-C07A-4030-B584-D321D40CABB6}"/>
+              </a:ext>
+              <a:ext uri="{C183D7F6-B498-43B3-948B-1728B52AA6E4}">
+                <adec:decorative xmlns:adec="http://schemas.microsoft.com/office/drawing/2017/decorative" val="1"/>
+              </a:ext>
+            </a:extLst>
+          </p:cNvPr>
+          <p:cNvSpPr>
+            <a:spLocks noGrp="1" noRot="1" noChangeAspect="1" noMove="1" noResize="1" noEditPoints="1" noAdjustHandles="1" noChangeArrowheads="1" noChangeShapeType="1" noTextEdit="1"/>
+          </p:cNvSpPr>
+          <p:nvPr>
+            <p:extLst>
+              <p:ext uri="{386F3935-93C4-4BCD-93E2-E3B085C9AB24}">
+                <p16:designElem xmlns:p16="http://schemas.microsoft.com/office/powerpoint/2015/main" val="1"/>
+              </p:ext>
+            </p:extLst>
+          </p:nvPr>
+        </p:nvSpPr>
+        <p:spPr>
+          <a:xfrm>
+            <a:off x="0" y="1"/>
+            <a:ext cx="565150" cy="6857999"/>
+          </a:xfrm>
+          <a:prstGeom prst="rect">
+            <a:avLst/>
+          </a:prstGeom>
+          <a:gradFill flip="none" rotWithShape="1">
+            <a:gsLst>
+              <a:gs pos="0">
+                <a:schemeClr val="accent1">
+                  <a:alpha val="50000"/>
+                </a:schemeClr>
+              </a:gs>
+              <a:gs pos="81000">
+                <a:schemeClr val="accent4">
+                  <a:alpha val="50000"/>
+                </a:schemeClr>
+              </a:gs>
+              <a:gs pos="25000">
+                <a:schemeClr val="accent2">
+                  <a:alpha val="60000"/>
+                </a:schemeClr>
+              </a:gs>
+              <a:gs pos="49000">
+                <a:schemeClr val="accent3">
+                  <a:alpha val="55000"/>
+                </a:schemeClr>
+              </a:gs>
+              <a:gs pos="99000">
+                <a:schemeClr val="accent5">
+                  <a:alpha val="50000"/>
+                </a:schemeClr>
+              </a:gs>
+            </a:gsLst>
+            <a:path path="circle">
+              <a:fillToRect r="100000" b="100000"/>
+            </a:path>
+            <a:tileRect l="-100000" t="-100000"/>
+          </a:gradFill>
+          <a:ln>
+            <a:noFill/>
+          </a:ln>
+        </p:spPr>
+        <p:style>
+          <a:lnRef idx="2">
+            <a:schemeClr val="accent1">
+              <a:shade val="50000"/>
+            </a:schemeClr>
+          </a:lnRef>
+          <a:fillRef idx="1">
+            <a:schemeClr val="accent1"/>
+          </a:fillRef>
+          <a:effectRef idx="0">
+            <a:schemeClr val="accent1"/>
+          </a:effectRef>
+          <a:fontRef idx="minor">
+            <a:schemeClr val="lt1"/>
+          </a:fontRef>
+        </p:style>
+        <p:txBody>
+          <a:bodyPr rtlCol="0" anchor="ctr"/>
+          <a:lstStyle/>
+          <a:p>
+            <a:pPr algn="ctr"/>
+            <a:endParaRPr lang="en-US"/>
+          </a:p>
+        </p:txBody>
+      </p:sp>
+      <p:sp>
+        <p:nvSpPr>
+          <p:cNvPr id="2" name="Tytuł 1">
+            <a:extLst>
+              <a:ext uri="{FF2B5EF4-FFF2-40B4-BE49-F238E27FC236}">
+                <a16:creationId xmlns:a16="http://schemas.microsoft.com/office/drawing/2014/main" id="{67C45DA4-629D-F1E9-4CB3-E93E2674211A}"/>
+              </a:ext>
+            </a:extLst>
+          </p:cNvPr>
+          <p:cNvSpPr>
+            <a:spLocks noGrp="1"/>
+          </p:cNvSpPr>
+          <p:nvPr>
+            <p:ph type="title"/>
+          </p:nvPr>
+        </p:nvSpPr>
+        <p:spPr>
+          <a:xfrm>
+            <a:off x="1777321" y="4309024"/>
+            <a:ext cx="9677833" cy="1134452"/>
+          </a:xfrm>
+        </p:spPr>
+        <p:txBody>
+          <a:bodyPr vert="horz" lIns="91440" tIns="45720" rIns="91440" bIns="45720" rtlCol="0" anchor="ctr">
+            <a:normAutofit/>
+          </a:bodyPr>
+          <a:lstStyle/>
+          <a:p>
+            <a:pPr algn="ctr">
+              <a:lnSpc>
+                <a:spcPct val="90000"/>
+              </a:lnSpc>
+            </a:pPr>
+            <a:r>
+              <a:rPr lang="en-US" sz="3300"/>
+              <a:t>How well does the app fulfill your expectations compared to other F1 apps or platforms?</a:t>
+            </a:r>
+          </a:p>
+        </p:txBody>
+      </p:sp>
+      <p:pic>
+        <p:nvPicPr>
+          <p:cNvPr id="11266" name="Picture 2" descr="Wykres odpowiedzi z Formularzy. Tytuł pytania: 10.  How well does the app fulfill your expectations compared to other F1 apps or platforms?. Liczba odpowiedzi: 36 odpowiedzi.">
+            <a:extLst>
+              <a:ext uri="{FF2B5EF4-FFF2-40B4-BE49-F238E27FC236}">
+                <a16:creationId xmlns:a16="http://schemas.microsoft.com/office/drawing/2014/main" id="{80872CBB-391F-CEA5-2A0A-ED11FD9E7354}"/>
+              </a:ext>
+            </a:extLst>
+          </p:cNvPr>
+          <p:cNvPicPr>
+            <a:picLocks noGrp="1" noChangeAspect="1" noChangeArrowheads="1"/>
+          </p:cNvPicPr>
+          <p:nvPr>
+            <p:ph idx="1"/>
+          </p:nvPr>
+        </p:nvPicPr>
+        <p:blipFill>
+          <a:blip r:embed="rId2">
+            <a:extLst>
+              <a:ext uri="{28A0092B-C50C-407E-A947-70E740481C1C}">
+                <a14:useLocalDpi xmlns:a14="http://schemas.microsoft.com/office/drawing/2010/main" val="0"/>
+              </a:ext>
+            </a:extLst>
+          </a:blip>
+          <a:stretch>
+            <a:fillRect/>
+          </a:stretch>
+        </p:blipFill>
+        <p:spPr bwMode="auto">
+          <a:xfrm>
+            <a:off x="3206788" y="627797"/>
+            <a:ext cx="6818902" cy="3238979"/>
+          </a:xfrm>
+          <a:prstGeom prst="rect">
+            <a:avLst/>
+          </a:prstGeom>
+          <a:noFill/>
+          <a:extLst>
+            <a:ext uri="{909E8E84-426E-40DD-AFC4-6F175D3DCCD1}">
+              <a14:hiddenFill xmlns:a14="http://schemas.microsoft.com/office/drawing/2010/main">
+                <a:solidFill>
+                  <a:srgbClr val="FFFFFF"/>
+                </a:solidFill>
+              </a14:hiddenFill>
+            </a:ext>
+          </a:extLst>
+        </p:spPr>
+      </p:pic>
+    </p:spTree>
+    <p:extLst>
+      <p:ext uri="{BB962C8B-B14F-4D97-AF65-F5344CB8AC3E}">
+        <p14:creationId xmlns:p14="http://schemas.microsoft.com/office/powerpoint/2010/main" val="1529009543"/>
+      </p:ext>
+    </p:extLst>
+  </p:cSld>
+  <p:clrMapOvr>
+    <a:masterClrMapping/>
+  </p:clrMapOvr>
+</p:sld>
+</file>
+
+<file path=ppt/slides/slide24.xml><?xml version="1.0" encoding="utf-8"?>
+<p:sld xmlns:a="http://schemas.openxmlformats.org/drawingml/2006/main" xmlns:r="http://schemas.openxmlformats.org/officeDocument/2006/relationships" xmlns:p="http://schemas.openxmlformats.org/presentationml/2006/main">
+  <p:cSld>
+    <p:bg>
+      <p:bgPr>
+        <a:solidFill>
+          <a:schemeClr val="bg1"/>
+        </a:solidFill>
+        <a:effectLst/>
+      </p:bgPr>
+    </p:bg>
+    <p:spTree>
+      <p:nvGrpSpPr>
+        <p:cNvPr id="1" name=""/>
+        <p:cNvGrpSpPr/>
+        <p:nvPr/>
+      </p:nvGrpSpPr>
+      <p:grpSpPr>
+        <a:xfrm>
+          <a:off x="0" y="0"/>
+          <a:ext cx="0" cy="0"/>
+          <a:chOff x="0" y="0"/>
+          <a:chExt cx="0" cy="0"/>
+        </a:xfrm>
+      </p:grpSpPr>
+      <p:sp>
+        <p:nvSpPr>
+          <p:cNvPr id="9" name="Rectangle 8">
+            <a:extLst>
+              <a:ext uri="{FF2B5EF4-FFF2-40B4-BE49-F238E27FC236}">
+                <a16:creationId xmlns:a16="http://schemas.microsoft.com/office/drawing/2014/main" id="{2D03A0B2-4A2F-D846-A5E6-FB7CB9A031F7}"/>
+              </a:ext>
+              <a:ext uri="{C183D7F6-B498-43B3-948B-1728B52AA6E4}">
+                <adec:decorative xmlns:adec="http://schemas.microsoft.com/office/drawing/2017/decorative" val="1"/>
+              </a:ext>
+            </a:extLst>
+          </p:cNvPr>
+          <p:cNvSpPr>
+            <a:spLocks noGrp="1" noRot="1" noChangeAspect="1" noMove="1" noResize="1" noEditPoints="1" noAdjustHandles="1" noChangeArrowheads="1" noChangeShapeType="1" noTextEdit="1"/>
+          </p:cNvSpPr>
+          <p:nvPr>
+            <p:extLst>
+              <p:ext uri="{386F3935-93C4-4BCD-93E2-E3B085C9AB24}">
+                <p16:designElem xmlns:p16="http://schemas.microsoft.com/office/powerpoint/2015/main" val="1"/>
+              </p:ext>
+            </p:extLst>
+          </p:nvPr>
+        </p:nvSpPr>
+        <p:spPr>
+          <a:xfrm>
+            <a:off x="1" y="1375492"/>
+            <a:ext cx="2770698" cy="5482505"/>
+          </a:xfrm>
+          <a:prstGeom prst="rect">
+            <a:avLst/>
+          </a:prstGeom>
+          <a:gradFill flip="none" rotWithShape="1">
+            <a:gsLst>
+              <a:gs pos="0">
+                <a:schemeClr val="accent1">
+                  <a:alpha val="50000"/>
+                </a:schemeClr>
+              </a:gs>
+              <a:gs pos="81000">
+                <a:schemeClr val="accent4">
+                  <a:alpha val="50000"/>
+                </a:schemeClr>
+              </a:gs>
+              <a:gs pos="25000">
+                <a:schemeClr val="accent2">
+                  <a:alpha val="60000"/>
+                </a:schemeClr>
+              </a:gs>
+              <a:gs pos="50000">
+                <a:schemeClr val="accent3">
+                  <a:alpha val="55000"/>
+                </a:schemeClr>
+              </a:gs>
+              <a:gs pos="99000">
+                <a:schemeClr val="accent5">
+                  <a:alpha val="50000"/>
+                </a:schemeClr>
+              </a:gs>
+            </a:gsLst>
+            <a:path path="circle">
+              <a:fillToRect r="100000" b="100000"/>
+            </a:path>
+            <a:tileRect l="-100000" t="-100000"/>
+          </a:gradFill>
+          <a:ln>
+            <a:noFill/>
+          </a:ln>
+        </p:spPr>
+        <p:style>
+          <a:lnRef idx="2">
+            <a:schemeClr val="accent1">
+              <a:shade val="50000"/>
+            </a:schemeClr>
+          </a:lnRef>
+          <a:fillRef idx="1">
+            <a:schemeClr val="accent1"/>
+          </a:fillRef>
+          <a:effectRef idx="0">
+            <a:schemeClr val="accent1"/>
+          </a:effectRef>
+          <a:fontRef idx="minor">
+            <a:schemeClr val="lt1"/>
+          </a:fontRef>
+        </p:style>
+        <p:txBody>
+          <a:bodyPr rtlCol="0" anchor="ctr"/>
+          <a:lstStyle/>
+          <a:p>
+            <a:pPr lvl="0" algn="ctr"/>
+            <a:endParaRPr lang="en-US"/>
+          </a:p>
+        </p:txBody>
+      </p:sp>
+      <p:sp>
+        <p:nvSpPr>
+          <p:cNvPr id="11" name="Rectangle 10">
+            <a:extLst>
+              <a:ext uri="{FF2B5EF4-FFF2-40B4-BE49-F238E27FC236}">
+                <a16:creationId xmlns:a16="http://schemas.microsoft.com/office/drawing/2014/main" id="{7F573F1D-73A7-FB41-BCAD-FC9AA7DEF4F5}"/>
+              </a:ext>
+              <a:ext uri="{C183D7F6-B498-43B3-948B-1728B52AA6E4}">
+                <adec:decorative xmlns:adec="http://schemas.microsoft.com/office/drawing/2017/decorative" val="1"/>
+              </a:ext>
+            </a:extLst>
+          </p:cNvPr>
+          <p:cNvSpPr>
+            <a:spLocks noGrp="1" noRot="1" noChangeAspect="1" noMove="1" noResize="1" noEditPoints="1" noAdjustHandles="1" noChangeArrowheads="1" noChangeShapeType="1" noTextEdit="1"/>
+          </p:cNvSpPr>
+          <p:nvPr>
+            <p:extLst>
+              <p:ext uri="{386F3935-93C4-4BCD-93E2-E3B085C9AB24}">
+                <p16:designElem xmlns:p16="http://schemas.microsoft.com/office/powerpoint/2015/main" val="1"/>
+              </p:ext>
+            </p:extLst>
+          </p:nvPr>
+        </p:nvSpPr>
+        <p:spPr>
+          <a:xfrm>
+            <a:off x="0" y="-3"/>
+            <a:ext cx="1373567" cy="6857999"/>
+          </a:xfrm>
+          <a:prstGeom prst="rect">
+            <a:avLst/>
+          </a:prstGeom>
+          <a:gradFill flip="none" rotWithShape="1">
+            <a:gsLst>
+              <a:gs pos="0">
+                <a:schemeClr val="accent1">
+                  <a:alpha val="50000"/>
+                </a:schemeClr>
+              </a:gs>
+              <a:gs pos="81000">
+                <a:schemeClr val="accent4">
+                  <a:alpha val="50000"/>
+                </a:schemeClr>
+              </a:gs>
+              <a:gs pos="25000">
+                <a:schemeClr val="accent2">
+                  <a:alpha val="60000"/>
+                </a:schemeClr>
+              </a:gs>
+              <a:gs pos="50000">
+                <a:schemeClr val="accent3">
+                  <a:alpha val="55000"/>
+                </a:schemeClr>
+              </a:gs>
+              <a:gs pos="99000">
+                <a:schemeClr val="accent5">
+                  <a:alpha val="50000"/>
+                </a:schemeClr>
+              </a:gs>
+            </a:gsLst>
+            <a:path path="circle">
+              <a:fillToRect r="100000" b="100000"/>
+            </a:path>
+            <a:tileRect l="-100000" t="-100000"/>
+          </a:gradFill>
+          <a:ln>
+            <a:noFill/>
+          </a:ln>
+        </p:spPr>
+        <p:style>
+          <a:lnRef idx="2">
+            <a:schemeClr val="accent1">
+              <a:shade val="50000"/>
+            </a:schemeClr>
+          </a:lnRef>
+          <a:fillRef idx="1">
+            <a:schemeClr val="accent1"/>
+          </a:fillRef>
+          <a:effectRef idx="0">
+            <a:schemeClr val="accent1"/>
+          </a:effectRef>
+          <a:fontRef idx="minor">
+            <a:schemeClr val="lt1"/>
+          </a:fontRef>
+        </p:style>
+        <p:txBody>
+          <a:bodyPr rtlCol="0" anchor="ctr"/>
+          <a:lstStyle/>
+          <a:p>
+            <a:pPr lvl="0" algn="ctr"/>
+            <a:endParaRPr lang="en-US"/>
+          </a:p>
+        </p:txBody>
+      </p:sp>
+      <p:sp useBgFill="1">
+        <p:nvSpPr>
+          <p:cNvPr id="13" name="Rectangle 12">
+            <a:extLst>
+              <a:ext uri="{FF2B5EF4-FFF2-40B4-BE49-F238E27FC236}">
+                <a16:creationId xmlns:a16="http://schemas.microsoft.com/office/drawing/2014/main" id="{A88F843D-1C1B-C740-AC27-E3238D0F5F47}"/>
+              </a:ext>
+              <a:ext uri="{C183D7F6-B498-43B3-948B-1728B52AA6E4}">
+                <adec:decorative xmlns:adec="http://schemas.microsoft.com/office/drawing/2017/decorative" val="1"/>
+              </a:ext>
+            </a:extLst>
+          </p:cNvPr>
+          <p:cNvSpPr>
+            <a:spLocks noGrp="1" noRot="1" noChangeAspect="1" noMove="1" noResize="1" noEditPoints="1" noAdjustHandles="1" noChangeArrowheads="1" noChangeShapeType="1" noTextEdit="1"/>
+          </p:cNvSpPr>
+          <p:nvPr>
+            <p:extLst>
+              <p:ext uri="{386F3935-93C4-4BCD-93E2-E3B085C9AB24}">
+                <p16:designElem xmlns:p16="http://schemas.microsoft.com/office/powerpoint/2015/main" val="1"/>
+              </p:ext>
+            </p:extLst>
+          </p:nvPr>
+        </p:nvSpPr>
+        <p:spPr>
+          <a:xfrm>
+            <a:off x="0" y="0"/>
+            <a:ext cx="12188952" cy="6858000"/>
+          </a:xfrm>
+          <a:prstGeom prst="rect">
+            <a:avLst/>
+          </a:prstGeom>
+          <a:ln>
+            <a:noFill/>
+          </a:ln>
+        </p:spPr>
+        <p:style>
+          <a:lnRef idx="2">
+            <a:schemeClr val="accent1">
+              <a:shade val="50000"/>
+            </a:schemeClr>
+          </a:lnRef>
+          <a:fillRef idx="1">
+            <a:schemeClr val="accent1"/>
+          </a:fillRef>
+          <a:effectRef idx="0">
+            <a:schemeClr val="accent1"/>
+          </a:effectRef>
+          <a:fontRef idx="minor">
+            <a:schemeClr val="lt1"/>
+          </a:fontRef>
+        </p:style>
+        <p:txBody>
+          <a:bodyPr rtlCol="0" anchor="ctr"/>
+          <a:lstStyle/>
+          <a:p>
+            <a:pPr algn="ctr"/>
+            <a:endParaRPr lang="en-US"/>
+          </a:p>
+        </p:txBody>
+      </p:sp>
+      <p:sp>
+        <p:nvSpPr>
+          <p:cNvPr id="15" name="Rectangle 14">
+            <a:extLst>
+              <a:ext uri="{FF2B5EF4-FFF2-40B4-BE49-F238E27FC236}">
+                <a16:creationId xmlns:a16="http://schemas.microsoft.com/office/drawing/2014/main" id="{D5B0F748-7FA7-4DDF-89A3-7F1D8EE1F7C0}"/>
+              </a:ext>
+              <a:ext uri="{C183D7F6-B498-43B3-948B-1728B52AA6E4}">
+                <adec:decorative xmlns:adec="http://schemas.microsoft.com/office/drawing/2017/decorative" val="1"/>
+              </a:ext>
+            </a:extLst>
+          </p:cNvPr>
+          <p:cNvSpPr>
+            <a:spLocks noGrp="1" noRot="1" noChangeAspect="1" noMove="1" noResize="1" noEditPoints="1" noAdjustHandles="1" noChangeArrowheads="1" noChangeShapeType="1" noTextEdit="1"/>
+          </p:cNvSpPr>
+          <p:nvPr>
+            <p:extLst>
+              <p:ext uri="{386F3935-93C4-4BCD-93E2-E3B085C9AB24}">
+                <p16:designElem xmlns:p16="http://schemas.microsoft.com/office/powerpoint/2015/main" val="1"/>
+              </p:ext>
+            </p:extLst>
+          </p:nvPr>
+        </p:nvSpPr>
+        <p:spPr>
+          <a:xfrm>
+            <a:off x="0" y="565153"/>
+            <a:ext cx="1133856" cy="6292847"/>
+          </a:xfrm>
+          <a:prstGeom prst="rect">
+            <a:avLst/>
+          </a:prstGeom>
+          <a:gradFill flip="none" rotWithShape="1">
+            <a:gsLst>
+              <a:gs pos="0">
+                <a:schemeClr val="accent1">
+                  <a:alpha val="50000"/>
+                </a:schemeClr>
+              </a:gs>
+              <a:gs pos="81000">
+                <a:schemeClr val="accent4">
+                  <a:alpha val="50000"/>
+                </a:schemeClr>
+              </a:gs>
+              <a:gs pos="25000">
+                <a:schemeClr val="accent2">
+                  <a:alpha val="60000"/>
+                </a:schemeClr>
+              </a:gs>
+              <a:gs pos="50000">
+                <a:schemeClr val="accent3">
+                  <a:alpha val="55000"/>
+                </a:schemeClr>
+              </a:gs>
+              <a:gs pos="99000">
+                <a:schemeClr val="accent5">
+                  <a:alpha val="50000"/>
+                </a:schemeClr>
+              </a:gs>
+            </a:gsLst>
+            <a:path path="circle">
+              <a:fillToRect r="100000" b="100000"/>
+            </a:path>
+            <a:tileRect l="-100000" t="-100000"/>
+          </a:gradFill>
+          <a:ln>
+            <a:noFill/>
+          </a:ln>
+        </p:spPr>
+        <p:style>
+          <a:lnRef idx="2">
+            <a:schemeClr val="accent1">
+              <a:shade val="50000"/>
+            </a:schemeClr>
+          </a:lnRef>
+          <a:fillRef idx="1">
+            <a:schemeClr val="accent1"/>
+          </a:fillRef>
+          <a:effectRef idx="0">
+            <a:schemeClr val="accent1"/>
+          </a:effectRef>
+          <a:fontRef idx="minor">
+            <a:schemeClr val="lt1"/>
+          </a:fontRef>
+        </p:style>
+        <p:txBody>
+          <a:bodyPr rtlCol="0" anchor="ctr"/>
+          <a:lstStyle/>
+          <a:p>
+            <a:pPr algn="ctr"/>
+            <a:endParaRPr lang="en-US"/>
+          </a:p>
+        </p:txBody>
+      </p:sp>
+      <p:sp>
+        <p:nvSpPr>
+          <p:cNvPr id="17" name="Rectangle 16">
+            <a:extLst>
+              <a:ext uri="{FF2B5EF4-FFF2-40B4-BE49-F238E27FC236}">
+                <a16:creationId xmlns:a16="http://schemas.microsoft.com/office/drawing/2014/main" id="{1903E872-C07A-4030-B584-D321D40CABB6}"/>
+              </a:ext>
+              <a:ext uri="{C183D7F6-B498-43B3-948B-1728B52AA6E4}">
+                <adec:decorative xmlns:adec="http://schemas.microsoft.com/office/drawing/2017/decorative" val="1"/>
+              </a:ext>
+            </a:extLst>
+          </p:cNvPr>
+          <p:cNvSpPr>
+            <a:spLocks noGrp="1" noRot="1" noChangeAspect="1" noMove="1" noResize="1" noEditPoints="1" noAdjustHandles="1" noChangeArrowheads="1" noChangeShapeType="1" noTextEdit="1"/>
+          </p:cNvSpPr>
+          <p:nvPr>
+            <p:extLst>
+              <p:ext uri="{386F3935-93C4-4BCD-93E2-E3B085C9AB24}">
+                <p16:designElem xmlns:p16="http://schemas.microsoft.com/office/powerpoint/2015/main" val="1"/>
+              </p:ext>
+            </p:extLst>
+          </p:nvPr>
+        </p:nvSpPr>
+        <p:spPr>
+          <a:xfrm>
+            <a:off x="0" y="1"/>
+            <a:ext cx="565150" cy="6857999"/>
+          </a:xfrm>
+          <a:prstGeom prst="rect">
+            <a:avLst/>
+          </a:prstGeom>
+          <a:gradFill flip="none" rotWithShape="1">
+            <a:gsLst>
+              <a:gs pos="0">
+                <a:schemeClr val="accent1">
+                  <a:alpha val="50000"/>
+                </a:schemeClr>
+              </a:gs>
+              <a:gs pos="81000">
+                <a:schemeClr val="accent4">
+                  <a:alpha val="50000"/>
+                </a:schemeClr>
+              </a:gs>
+              <a:gs pos="25000">
+                <a:schemeClr val="accent2">
+                  <a:alpha val="60000"/>
+                </a:schemeClr>
+              </a:gs>
+              <a:gs pos="49000">
+                <a:schemeClr val="accent3">
+                  <a:alpha val="55000"/>
+                </a:schemeClr>
+              </a:gs>
+              <a:gs pos="99000">
+                <a:schemeClr val="accent5">
+                  <a:alpha val="50000"/>
+                </a:schemeClr>
+              </a:gs>
+            </a:gsLst>
+            <a:path path="circle">
+              <a:fillToRect r="100000" b="100000"/>
+            </a:path>
+            <a:tileRect l="-100000" t="-100000"/>
+          </a:gradFill>
+          <a:ln>
+            <a:noFill/>
+          </a:ln>
+        </p:spPr>
+        <p:style>
+          <a:lnRef idx="2">
+            <a:schemeClr val="accent1">
+              <a:shade val="50000"/>
+            </a:schemeClr>
+          </a:lnRef>
+          <a:fillRef idx="1">
+            <a:schemeClr val="accent1"/>
+          </a:fillRef>
+          <a:effectRef idx="0">
+            <a:schemeClr val="accent1"/>
+          </a:effectRef>
+          <a:fontRef idx="minor">
+            <a:schemeClr val="lt1"/>
+          </a:fontRef>
+        </p:style>
+        <p:txBody>
+          <a:bodyPr rtlCol="0" anchor="ctr"/>
+          <a:lstStyle/>
+          <a:p>
+            <a:pPr algn="ctr"/>
+            <a:endParaRPr lang="en-US"/>
+          </a:p>
+        </p:txBody>
+      </p:sp>
+      <p:sp>
+        <p:nvSpPr>
+          <p:cNvPr id="2" name="Tytuł 1">
+            <a:extLst>
+              <a:ext uri="{FF2B5EF4-FFF2-40B4-BE49-F238E27FC236}">
                 <a16:creationId xmlns:a16="http://schemas.microsoft.com/office/drawing/2014/main" id="{42BE2344-2EA7-BF7C-D634-270114B30815}"/>
               </a:ext>
             </a:extLst>
@@ -10642,506 +17156,6 @@
       <p:bldP spid="2" grpId="0"/>
     </p:bldLst>
   </p:timing>
-</p:sld>
-</file>
-
-<file path=ppt/slides/slide2.xml><?xml version="1.0" encoding="utf-8"?>
-<p:sld xmlns:a="http://schemas.openxmlformats.org/drawingml/2006/main" xmlns:r="http://schemas.openxmlformats.org/officeDocument/2006/relationships" xmlns:p="http://schemas.openxmlformats.org/presentationml/2006/main">
-  <p:cSld>
-    <p:bg>
-      <p:bgPr>
-        <a:solidFill>
-          <a:schemeClr val="bg1"/>
-        </a:solidFill>
-        <a:effectLst/>
-      </p:bgPr>
-    </p:bg>
-    <p:spTree>
-      <p:nvGrpSpPr>
-        <p:cNvPr id="1" name=""/>
-        <p:cNvGrpSpPr/>
-        <p:nvPr/>
-      </p:nvGrpSpPr>
-      <p:grpSpPr>
-        <a:xfrm>
-          <a:off x="0" y="0"/>
-          <a:ext cx="0" cy="0"/>
-          <a:chOff x="0" y="0"/>
-          <a:chExt cx="0" cy="0"/>
-        </a:xfrm>
-      </p:grpSpPr>
-      <p:sp useBgFill="1">
-        <p:nvSpPr>
-          <p:cNvPr id="20" name="Rectangle 19">
-            <a:extLst>
-              <a:ext uri="{FF2B5EF4-FFF2-40B4-BE49-F238E27FC236}">
-                <a16:creationId xmlns:a16="http://schemas.microsoft.com/office/drawing/2014/main" id="{C868C70C-E5C4-CD47-888C-FCB3373B6D38}"/>
-              </a:ext>
-              <a:ext uri="{C183D7F6-B498-43B3-948B-1728B52AA6E4}">
-                <adec:decorative xmlns:adec="http://schemas.microsoft.com/office/drawing/2017/decorative" val="1"/>
-              </a:ext>
-            </a:extLst>
-          </p:cNvPr>
-          <p:cNvSpPr>
-            <a:spLocks noGrp="1" noRot="1" noChangeAspect="1" noMove="1" noResize="1" noEditPoints="1" noAdjustHandles="1" noChangeArrowheads="1" noChangeShapeType="1" noTextEdit="1"/>
-          </p:cNvSpPr>
-          <p:nvPr>
-            <p:extLst>
-              <p:ext uri="{386F3935-93C4-4BCD-93E2-E3B085C9AB24}">
-                <p16:designElem xmlns:p16="http://schemas.microsoft.com/office/powerpoint/2015/main" val="1"/>
-              </p:ext>
-            </p:extLst>
-          </p:nvPr>
-        </p:nvSpPr>
-        <p:spPr>
-          <a:xfrm>
-            <a:off x="0" y="0"/>
-            <a:ext cx="12188952" cy="6858000"/>
-          </a:xfrm>
-          <a:prstGeom prst="rect">
-            <a:avLst/>
-          </a:prstGeom>
-          <a:ln>
-            <a:noFill/>
-          </a:ln>
-        </p:spPr>
-        <p:style>
-          <a:lnRef idx="2">
-            <a:schemeClr val="accent1">
-              <a:shade val="50000"/>
-            </a:schemeClr>
-          </a:lnRef>
-          <a:fillRef idx="1">
-            <a:schemeClr val="accent1"/>
-          </a:fillRef>
-          <a:effectRef idx="0">
-            <a:schemeClr val="accent1"/>
-          </a:effectRef>
-          <a:fontRef idx="minor">
-            <a:schemeClr val="lt1"/>
-          </a:fontRef>
-        </p:style>
-        <p:txBody>
-          <a:bodyPr rtlCol="0" anchor="ctr"/>
-          <a:lstStyle/>
-          <a:p>
-            <a:pPr algn="ctr"/>
-            <a:endParaRPr lang="en-US"/>
-          </a:p>
-        </p:txBody>
-      </p:sp>
-      <p:sp>
-        <p:nvSpPr>
-          <p:cNvPr id="22" name="Rectangle 21">
-            <a:extLst>
-              <a:ext uri="{FF2B5EF4-FFF2-40B4-BE49-F238E27FC236}">
-                <a16:creationId xmlns:a16="http://schemas.microsoft.com/office/drawing/2014/main" id="{6DA97320-228E-48F3-BCFA-423F983C8557}"/>
-              </a:ext>
-              <a:ext uri="{C183D7F6-B498-43B3-948B-1728B52AA6E4}">
-                <adec:decorative xmlns:adec="http://schemas.microsoft.com/office/drawing/2017/decorative" val="1"/>
-              </a:ext>
-            </a:extLst>
-          </p:cNvPr>
-          <p:cNvSpPr>
-            <a:spLocks noGrp="1" noRot="1" noChangeAspect="1" noMove="1" noResize="1" noEditPoints="1" noAdjustHandles="1" noChangeArrowheads="1" noChangeShapeType="1" noTextEdit="1"/>
-          </p:cNvSpPr>
-          <p:nvPr>
-            <p:extLst>
-              <p:ext uri="{386F3935-93C4-4BCD-93E2-E3B085C9AB24}">
-                <p16:designElem xmlns:p16="http://schemas.microsoft.com/office/powerpoint/2015/main" val="1"/>
-              </p:ext>
-            </p:extLst>
-          </p:nvPr>
-        </p:nvSpPr>
-        <p:spPr>
-          <a:xfrm>
-            <a:off x="0" y="566928"/>
-            <a:ext cx="1133856" cy="6291072"/>
-          </a:xfrm>
-          <a:prstGeom prst="rect">
-            <a:avLst/>
-          </a:prstGeom>
-          <a:gradFill flip="none" rotWithShape="1">
-            <a:gsLst>
-              <a:gs pos="0">
-                <a:schemeClr val="accent1">
-                  <a:alpha val="50000"/>
-                </a:schemeClr>
-              </a:gs>
-              <a:gs pos="81000">
-                <a:schemeClr val="accent4">
-                  <a:alpha val="50000"/>
-                </a:schemeClr>
-              </a:gs>
-              <a:gs pos="25000">
-                <a:schemeClr val="accent2">
-                  <a:alpha val="60000"/>
-                </a:schemeClr>
-              </a:gs>
-              <a:gs pos="50000">
-                <a:schemeClr val="accent3">
-                  <a:alpha val="55000"/>
-                </a:schemeClr>
-              </a:gs>
-              <a:gs pos="99000">
-                <a:schemeClr val="accent5">
-                  <a:alpha val="50000"/>
-                </a:schemeClr>
-              </a:gs>
-            </a:gsLst>
-            <a:path path="circle">
-              <a:fillToRect r="100000" b="100000"/>
-            </a:path>
-            <a:tileRect l="-100000" t="-100000"/>
-          </a:gradFill>
-          <a:ln>
-            <a:noFill/>
-          </a:ln>
-        </p:spPr>
-        <p:style>
-          <a:lnRef idx="2">
-            <a:schemeClr val="accent1">
-              <a:shade val="50000"/>
-            </a:schemeClr>
-          </a:lnRef>
-          <a:fillRef idx="1">
-            <a:schemeClr val="accent1"/>
-          </a:fillRef>
-          <a:effectRef idx="0">
-            <a:schemeClr val="accent1"/>
-          </a:effectRef>
-          <a:fontRef idx="minor">
-            <a:schemeClr val="lt1"/>
-          </a:fontRef>
-        </p:style>
-        <p:txBody>
-          <a:bodyPr rtlCol="0" anchor="ctr"/>
-          <a:lstStyle/>
-          <a:p>
-            <a:pPr lvl="0" algn="ctr"/>
-            <a:endParaRPr lang="en-US"/>
-          </a:p>
-        </p:txBody>
-      </p:sp>
-      <p:sp>
-        <p:nvSpPr>
-          <p:cNvPr id="24" name="Rectangle 23">
-            <a:extLst>
-              <a:ext uri="{FF2B5EF4-FFF2-40B4-BE49-F238E27FC236}">
-                <a16:creationId xmlns:a16="http://schemas.microsoft.com/office/drawing/2014/main" id="{2C9F0975-851A-4FEC-B19A-6EC12C0D540C}"/>
-              </a:ext>
-              <a:ext uri="{C183D7F6-B498-43B3-948B-1728B52AA6E4}">
-                <adec:decorative xmlns:adec="http://schemas.microsoft.com/office/drawing/2017/decorative" val="1"/>
-              </a:ext>
-            </a:extLst>
-          </p:cNvPr>
-          <p:cNvSpPr>
-            <a:spLocks noGrp="1" noRot="1" noChangeAspect="1" noMove="1" noResize="1" noEditPoints="1" noAdjustHandles="1" noChangeArrowheads="1" noChangeShapeType="1" noTextEdit="1"/>
-          </p:cNvSpPr>
-          <p:nvPr>
-            <p:extLst>
-              <p:ext uri="{386F3935-93C4-4BCD-93E2-E3B085C9AB24}">
-                <p16:designElem xmlns:p16="http://schemas.microsoft.com/office/powerpoint/2015/main" val="1"/>
-              </p:ext>
-            </p:extLst>
-          </p:nvPr>
-        </p:nvSpPr>
-        <p:spPr>
-          <a:xfrm>
-            <a:off x="0" y="1"/>
-            <a:ext cx="566928" cy="6857999"/>
-          </a:xfrm>
-          <a:prstGeom prst="rect">
-            <a:avLst/>
-          </a:prstGeom>
-          <a:gradFill flip="none" rotWithShape="1">
-            <a:gsLst>
-              <a:gs pos="0">
-                <a:schemeClr val="accent1">
-                  <a:alpha val="50000"/>
-                </a:schemeClr>
-              </a:gs>
-              <a:gs pos="81000">
-                <a:schemeClr val="accent4">
-                  <a:alpha val="50000"/>
-                </a:schemeClr>
-              </a:gs>
-              <a:gs pos="25000">
-                <a:schemeClr val="accent2">
-                  <a:alpha val="60000"/>
-                </a:schemeClr>
-              </a:gs>
-              <a:gs pos="50000">
-                <a:schemeClr val="accent3">
-                  <a:alpha val="55000"/>
-                </a:schemeClr>
-              </a:gs>
-              <a:gs pos="99000">
-                <a:schemeClr val="accent5">
-                  <a:alpha val="50000"/>
-                </a:schemeClr>
-              </a:gs>
-            </a:gsLst>
-            <a:path path="circle">
-              <a:fillToRect r="100000" b="100000"/>
-            </a:path>
-            <a:tileRect l="-100000" t="-100000"/>
-          </a:gradFill>
-          <a:ln>
-            <a:noFill/>
-          </a:ln>
-        </p:spPr>
-        <p:style>
-          <a:lnRef idx="2">
-            <a:schemeClr val="accent1">
-              <a:shade val="50000"/>
-            </a:schemeClr>
-          </a:lnRef>
-          <a:fillRef idx="1">
-            <a:schemeClr val="accent1"/>
-          </a:fillRef>
-          <a:effectRef idx="0">
-            <a:schemeClr val="accent1"/>
-          </a:effectRef>
-          <a:fontRef idx="minor">
-            <a:schemeClr val="lt1"/>
-          </a:fontRef>
-        </p:style>
-        <p:txBody>
-          <a:bodyPr rtlCol="0" anchor="ctr"/>
-          <a:lstStyle/>
-          <a:p>
-            <a:pPr lvl="0" algn="ctr"/>
-            <a:endParaRPr lang="en-US"/>
-          </a:p>
-        </p:txBody>
-      </p:sp>
-      <p:sp>
-        <p:nvSpPr>
-          <p:cNvPr id="2" name="Tytuł 1">
-            <a:extLst>
-              <a:ext uri="{FF2B5EF4-FFF2-40B4-BE49-F238E27FC236}">
-                <a16:creationId xmlns:a16="http://schemas.microsoft.com/office/drawing/2014/main" id="{F685A10A-6B4D-7C3E-3B03-2DA0FBACD655}"/>
-              </a:ext>
-            </a:extLst>
-          </p:cNvPr>
-          <p:cNvSpPr>
-            <a:spLocks noGrp="1"/>
-          </p:cNvSpPr>
-          <p:nvPr>
-            <p:ph type="title"/>
-          </p:nvPr>
-        </p:nvSpPr>
-        <p:spPr>
-          <a:xfrm>
-            <a:off x="6372402" y="455362"/>
-            <a:ext cx="4701998" cy="1550419"/>
-          </a:xfrm>
-        </p:spPr>
-        <p:txBody>
-          <a:bodyPr>
-            <a:normAutofit/>
-          </a:bodyPr>
-          <a:lstStyle/>
-          <a:p>
-            <a:r>
-              <a:rPr lang="en-US" dirty="0"/>
-              <a:t>F1 App</a:t>
-            </a:r>
-            <a:r>
-              <a:rPr lang="pl-PL" dirty="0"/>
-              <a:t> </a:t>
-            </a:r>
-            <a:r>
-              <a:rPr lang="pl-PL" dirty="0" err="1"/>
-              <a:t>Features</a:t>
-            </a:r>
-            <a:endParaRPr lang="pl-PL" dirty="0"/>
-          </a:p>
-        </p:txBody>
-      </p:sp>
-      <p:sp>
-        <p:nvSpPr>
-          <p:cNvPr id="15" name="Symbol zastępczy zawartości 2">
-            <a:extLst>
-              <a:ext uri="{FF2B5EF4-FFF2-40B4-BE49-F238E27FC236}">
-                <a16:creationId xmlns:a16="http://schemas.microsoft.com/office/drawing/2014/main" id="{F140FA8A-52E0-4193-93EC-5A7D74A360CB}"/>
-              </a:ext>
-            </a:extLst>
-          </p:cNvPr>
-          <p:cNvSpPr>
-            <a:spLocks noGrp="1"/>
-          </p:cNvSpPr>
-          <p:nvPr>
-            <p:ph idx="1"/>
-          </p:nvPr>
-        </p:nvSpPr>
-        <p:spPr>
-          <a:xfrm>
-            <a:off x="6372402" y="2160016"/>
-            <a:ext cx="4701998" cy="3926152"/>
-          </a:xfrm>
-        </p:spPr>
-        <p:txBody>
-          <a:bodyPr>
-            <a:normAutofit lnSpcReduction="10000"/>
-          </a:bodyPr>
-          <a:lstStyle/>
-          <a:p>
-            <a:pPr>
-              <a:lnSpc>
-                <a:spcPct val="100000"/>
-              </a:lnSpc>
-            </a:pPr>
-            <a:r>
-              <a:rPr lang="en-US" sz="1700" b="1" dirty="0"/>
-              <a:t>Comprehensive Data Access</a:t>
-            </a:r>
-            <a:r>
-              <a:rPr lang="pl-PL" sz="1700" b="1" dirty="0"/>
-              <a:t> - </a:t>
-            </a:r>
-            <a:r>
-              <a:rPr lang="en-US" sz="1700" dirty="0"/>
-              <a:t> Centralized platform for in-depth analysis of race session data, with detailed performance insights.</a:t>
-            </a:r>
-            <a:endParaRPr lang="pl-PL" sz="1700" dirty="0"/>
-          </a:p>
-          <a:p>
-            <a:pPr>
-              <a:lnSpc>
-                <a:spcPct val="100000"/>
-              </a:lnSpc>
-            </a:pPr>
-            <a:r>
-              <a:rPr lang="en-US" sz="1700" b="1" dirty="0"/>
-              <a:t>Dynamic Comparisons</a:t>
-            </a:r>
-            <a:r>
-              <a:rPr lang="pl-PL" sz="1700" b="1" dirty="0"/>
-              <a:t> -</a:t>
-            </a:r>
-            <a:r>
-              <a:rPr lang="pl-PL" sz="1700" dirty="0"/>
-              <a:t> </a:t>
-            </a:r>
-            <a:r>
-              <a:rPr lang="en-US" sz="1700" dirty="0"/>
-              <a:t>Visualize and compare driver performances through interactive tables and charts.</a:t>
-            </a:r>
-            <a:endParaRPr lang="pl-PL" sz="1700" dirty="0"/>
-          </a:p>
-          <a:p>
-            <a:pPr>
-              <a:lnSpc>
-                <a:spcPct val="100000"/>
-              </a:lnSpc>
-            </a:pPr>
-            <a:r>
-              <a:rPr lang="pl-PL" sz="1700" b="1" dirty="0" err="1"/>
-              <a:t>Highlighting</a:t>
-            </a:r>
-            <a:r>
-              <a:rPr lang="pl-PL" sz="1700" b="1" dirty="0"/>
-              <a:t> K</a:t>
-            </a:r>
-            <a:r>
-              <a:rPr lang="en-US" sz="1700" b="1" dirty="0" err="1"/>
-              <a:t>ey</a:t>
-            </a:r>
-            <a:r>
-              <a:rPr lang="en-US" sz="1700" b="1" dirty="0"/>
-              <a:t> Race Moments</a:t>
-            </a:r>
-            <a:r>
-              <a:rPr lang="pl-PL" sz="1700" b="1" dirty="0"/>
-              <a:t> -</a:t>
-            </a:r>
-            <a:r>
-              <a:rPr lang="en-US" sz="1700" dirty="0"/>
-              <a:t> Curated section for highlights, allowing fans to revisit the most significant moments of each race session.</a:t>
-            </a:r>
-            <a:endParaRPr lang="pl-PL" sz="1700" dirty="0"/>
-          </a:p>
-          <a:p>
-            <a:pPr>
-              <a:lnSpc>
-                <a:spcPct val="100000"/>
-              </a:lnSpc>
-            </a:pPr>
-            <a:r>
-              <a:rPr lang="en-US" sz="1700" b="1" dirty="0"/>
-              <a:t>Real-Time Interaction</a:t>
-            </a:r>
-            <a:r>
-              <a:rPr lang="pl-PL" sz="1700" b="1" dirty="0"/>
-              <a:t> - </a:t>
-            </a:r>
-            <a:r>
-              <a:rPr lang="en-US" sz="1700" dirty="0"/>
-              <a:t>Engage with </a:t>
-            </a:r>
-            <a:r>
-              <a:rPr lang="pl-PL" sz="1700" dirty="0" err="1"/>
-              <a:t>other</a:t>
-            </a:r>
-            <a:r>
-              <a:rPr lang="en-US" sz="1700" dirty="0"/>
-              <a:t> fans via live chat, fostering discussions as the race unfolds.</a:t>
-            </a:r>
-            <a:endParaRPr lang="pl-PL" sz="1700" dirty="0"/>
-          </a:p>
-        </p:txBody>
-      </p:sp>
-      <p:pic>
-        <p:nvPicPr>
-          <p:cNvPr id="7" name="Graphic 6" descr="Customer Review">
-            <a:extLst>
-              <a:ext uri="{FF2B5EF4-FFF2-40B4-BE49-F238E27FC236}">
-                <a16:creationId xmlns:a16="http://schemas.microsoft.com/office/drawing/2014/main" id="{7E643743-D9EB-D9CD-BDDB-CC0DEAD53C29}"/>
-              </a:ext>
-            </a:extLst>
-          </p:cNvPr>
-          <p:cNvPicPr>
-            <a:picLocks noChangeAspect="1"/>
-          </p:cNvPicPr>
-          <p:nvPr/>
-        </p:nvPicPr>
-        <p:blipFill>
-          <a:blip r:embed="rId2">
-            <a:extLst>
-              <a:ext uri="{28A0092B-C50C-407E-A947-70E740481C1C}">
-                <a14:useLocalDpi xmlns:a14="http://schemas.microsoft.com/office/drawing/2010/main" val="0"/>
-              </a:ext>
-              <a:ext uri="{96DAC541-7B7A-43D3-8B79-37D633B846F1}">
-                <asvg:svgBlip xmlns:asvg="http://schemas.microsoft.com/office/drawing/2016/SVG/main" r:embed="rId3"/>
-              </a:ext>
-            </a:extLst>
-          </a:blip>
-          <a:stretch>
-            <a:fillRect/>
-          </a:stretch>
-        </p:blipFill>
-        <p:spPr>
-          <a:xfrm>
-            <a:off x="1777323" y="1264309"/>
-            <a:ext cx="4129362" cy="4129362"/>
-          </a:xfrm>
-          <a:prstGeom prst="rect">
-            <a:avLst/>
-          </a:prstGeom>
-        </p:spPr>
-      </p:pic>
-    </p:spTree>
-    <p:extLst>
-      <p:ext uri="{BB962C8B-B14F-4D97-AF65-F5344CB8AC3E}">
-        <p14:creationId xmlns:p14="http://schemas.microsoft.com/office/powerpoint/2010/main" val="2929968622"/>
-      </p:ext>
-    </p:extLst>
-  </p:cSld>
-  <p:clrMapOvr>
-    <a:masterClrMapping/>
-  </p:clrMapOvr>
 </p:sld>
 </file>
 
